--- a/resources/ppt-slides/sequence-data-sequence.pptx
+++ b/resources/ppt-slides/sequence-data-sequence.pptx
@@ -5659,6 +5659,44 @@
           </a:p>
         </p:txBody>
       </p:sp>
+      <p:sp>
+        <p:nvSpPr>
+          <p:cNvPr id="19" name="TextBox 18">
+            <a:extLst>
+              <a:ext uri="{FF2B5EF4-FFF2-40B4-BE49-F238E27FC236}">
+                <a16:creationId xmlns:a16="http://schemas.microsoft.com/office/drawing/2014/main" id="{BBC4C83A-5166-58A4-1F2A-B52ADEC80AEE}"/>
+              </a:ext>
+            </a:extLst>
+          </p:cNvPr>
+          <p:cNvSpPr txBox="1"/>
+          <p:nvPr/>
+        </p:nvSpPr>
+        <p:spPr>
+          <a:xfrm>
+            <a:off x="156485" y="224498"/>
+            <a:ext cx="4829319" cy="369332"/>
+          </a:xfrm>
+          <a:prstGeom prst="rect">
+            <a:avLst/>
+          </a:prstGeom>
+          <a:noFill/>
+        </p:spPr>
+        <p:txBody>
+          <a:bodyPr wrap="square">
+            <a:spAutoFit/>
+          </a:bodyPr>
+          <a:lstStyle/>
+          <a:p>
+            <a:r>
+              <a:rPr lang="en-US" dirty="0">
+                <a:latin typeface="Gaegu" pitchFamily="2" charset="0"/>
+              </a:rPr>
+              <a:t>Program Execution and Sequence</a:t>
+            </a:r>
+            <a:endParaRPr lang="en-US" b="1" dirty="0"/>
+          </a:p>
+        </p:txBody>
+      </p:sp>
     </p:spTree>
     <p:extLst>
       <p:ext uri="{BB962C8B-B14F-4D97-AF65-F5344CB8AC3E}">
@@ -7788,60 +7826,44 @@
           <a:custGeom>
             <a:avLst/>
             <a:gdLst>
-              <a:gd name="connsiteX0" fmla="*/ 0 w 6685443"/>
-              <a:gd name="connsiteY0" fmla="*/ 0 h 1815499"/>
-              <a:gd name="connsiteX1" fmla="*/ 601690 w 6685443"/>
-              <a:gd name="connsiteY1" fmla="*/ 0 h 1815499"/>
-              <a:gd name="connsiteX2" fmla="*/ 1069671 w 6685443"/>
-              <a:gd name="connsiteY2" fmla="*/ 0 h 1815499"/>
-              <a:gd name="connsiteX3" fmla="*/ 1871924 w 6685443"/>
-              <a:gd name="connsiteY3" fmla="*/ 0 h 1815499"/>
-              <a:gd name="connsiteX4" fmla="*/ 2473614 w 6685443"/>
-              <a:gd name="connsiteY4" fmla="*/ 0 h 1815499"/>
-              <a:gd name="connsiteX5" fmla="*/ 3075304 w 6685443"/>
-              <a:gd name="connsiteY5" fmla="*/ 0 h 1815499"/>
-              <a:gd name="connsiteX6" fmla="*/ 3877557 w 6685443"/>
-              <a:gd name="connsiteY6" fmla="*/ 0 h 1815499"/>
-              <a:gd name="connsiteX7" fmla="*/ 4412392 w 6685443"/>
-              <a:gd name="connsiteY7" fmla="*/ 0 h 1815499"/>
-              <a:gd name="connsiteX8" fmla="*/ 5214646 w 6685443"/>
-              <a:gd name="connsiteY8" fmla="*/ 0 h 1815499"/>
-              <a:gd name="connsiteX9" fmla="*/ 6016899 w 6685443"/>
-              <a:gd name="connsiteY9" fmla="*/ 0 h 1815499"/>
-              <a:gd name="connsiteX10" fmla="*/ 6685443 w 6685443"/>
-              <a:gd name="connsiteY10" fmla="*/ 0 h 1815499"/>
-              <a:gd name="connsiteX11" fmla="*/ 6685443 w 6685443"/>
-              <a:gd name="connsiteY11" fmla="*/ 641476 h 1815499"/>
-              <a:gd name="connsiteX12" fmla="*/ 6685443 w 6685443"/>
-              <a:gd name="connsiteY12" fmla="*/ 1264798 h 1815499"/>
-              <a:gd name="connsiteX13" fmla="*/ 6685443 w 6685443"/>
-              <a:gd name="connsiteY13" fmla="*/ 1815499 h 1815499"/>
-              <a:gd name="connsiteX14" fmla="*/ 6016899 w 6685443"/>
-              <a:gd name="connsiteY14" fmla="*/ 1815499 h 1815499"/>
-              <a:gd name="connsiteX15" fmla="*/ 5482063 w 6685443"/>
-              <a:gd name="connsiteY15" fmla="*/ 1815499 h 1815499"/>
-              <a:gd name="connsiteX16" fmla="*/ 4813519 w 6685443"/>
-              <a:gd name="connsiteY16" fmla="*/ 1815499 h 1815499"/>
-              <a:gd name="connsiteX17" fmla="*/ 4011266 w 6685443"/>
-              <a:gd name="connsiteY17" fmla="*/ 1815499 h 1815499"/>
-              <a:gd name="connsiteX18" fmla="*/ 3342722 w 6685443"/>
-              <a:gd name="connsiteY18" fmla="*/ 1815499 h 1815499"/>
-              <a:gd name="connsiteX19" fmla="*/ 2874740 w 6685443"/>
-              <a:gd name="connsiteY19" fmla="*/ 1815499 h 1815499"/>
-              <a:gd name="connsiteX20" fmla="*/ 2339905 w 6685443"/>
-              <a:gd name="connsiteY20" fmla="*/ 1815499 h 1815499"/>
-              <a:gd name="connsiteX21" fmla="*/ 1537652 w 6685443"/>
-              <a:gd name="connsiteY21" fmla="*/ 1815499 h 1815499"/>
-              <a:gd name="connsiteX22" fmla="*/ 869108 w 6685443"/>
-              <a:gd name="connsiteY22" fmla="*/ 1815499 h 1815499"/>
-              <a:gd name="connsiteX23" fmla="*/ 0 w 6685443"/>
-              <a:gd name="connsiteY23" fmla="*/ 1815499 h 1815499"/>
-              <a:gd name="connsiteX24" fmla="*/ 0 w 6685443"/>
-              <a:gd name="connsiteY24" fmla="*/ 1210333 h 1815499"/>
-              <a:gd name="connsiteX25" fmla="*/ 0 w 6685443"/>
-              <a:gd name="connsiteY25" fmla="*/ 659631 h 1815499"/>
-              <a:gd name="connsiteX26" fmla="*/ 0 w 6685443"/>
-              <a:gd name="connsiteY26" fmla="*/ 0 h 1815499"/>
+              <a:gd name="connsiteX0" fmla="*/ 0 w 3984158"/>
+              <a:gd name="connsiteY0" fmla="*/ 0 h 1483208"/>
+              <a:gd name="connsiteX1" fmla="*/ 624185 w 3984158"/>
+              <a:gd name="connsiteY1" fmla="*/ 0 h 1483208"/>
+              <a:gd name="connsiteX2" fmla="*/ 1168686 w 3984158"/>
+              <a:gd name="connsiteY2" fmla="*/ 0 h 1483208"/>
+              <a:gd name="connsiteX3" fmla="*/ 1912396 w 3984158"/>
+              <a:gd name="connsiteY3" fmla="*/ 0 h 1483208"/>
+              <a:gd name="connsiteX4" fmla="*/ 2536581 w 3984158"/>
+              <a:gd name="connsiteY4" fmla="*/ 0 h 1483208"/>
+              <a:gd name="connsiteX5" fmla="*/ 3160765 w 3984158"/>
+              <a:gd name="connsiteY5" fmla="*/ 0 h 1483208"/>
+              <a:gd name="connsiteX6" fmla="*/ 3984158 w 3984158"/>
+              <a:gd name="connsiteY6" fmla="*/ 0 h 1483208"/>
+              <a:gd name="connsiteX7" fmla="*/ 3984158 w 3984158"/>
+              <a:gd name="connsiteY7" fmla="*/ 464739 h 1483208"/>
+              <a:gd name="connsiteX8" fmla="*/ 3984158 w 3984158"/>
+              <a:gd name="connsiteY8" fmla="*/ 959141 h 1483208"/>
+              <a:gd name="connsiteX9" fmla="*/ 3984158 w 3984158"/>
+              <a:gd name="connsiteY9" fmla="*/ 1483208 h 1483208"/>
+              <a:gd name="connsiteX10" fmla="*/ 3399815 w 3984158"/>
+              <a:gd name="connsiteY10" fmla="*/ 1483208 h 1483208"/>
+              <a:gd name="connsiteX11" fmla="*/ 2735788 w 3984158"/>
+              <a:gd name="connsiteY11" fmla="*/ 1483208 h 1483208"/>
+              <a:gd name="connsiteX12" fmla="*/ 2111604 w 3984158"/>
+              <a:gd name="connsiteY12" fmla="*/ 1483208 h 1483208"/>
+              <a:gd name="connsiteX13" fmla="*/ 1367894 w 3984158"/>
+              <a:gd name="connsiteY13" fmla="*/ 1483208 h 1483208"/>
+              <a:gd name="connsiteX14" fmla="*/ 624185 w 3984158"/>
+              <a:gd name="connsiteY14" fmla="*/ 1483208 h 1483208"/>
+              <a:gd name="connsiteX15" fmla="*/ 0 w 3984158"/>
+              <a:gd name="connsiteY15" fmla="*/ 1483208 h 1483208"/>
+              <a:gd name="connsiteX16" fmla="*/ 0 w 3984158"/>
+              <a:gd name="connsiteY16" fmla="*/ 988805 h 1483208"/>
+              <a:gd name="connsiteX17" fmla="*/ 0 w 3984158"/>
+              <a:gd name="connsiteY17" fmla="*/ 509235 h 1483208"/>
+              <a:gd name="connsiteX18" fmla="*/ 0 w 3984158"/>
+              <a:gd name="connsiteY18" fmla="*/ 0 h 1483208"/>
             </a:gdLst>
             <a:ahLst/>
             <a:cxnLst>
@@ -7902,165 +7924,101 @@
               <a:cxn ang="0">
                 <a:pos x="connsiteX18" y="connsiteY18"/>
               </a:cxn>
-              <a:cxn ang="0">
-                <a:pos x="connsiteX19" y="connsiteY19"/>
-              </a:cxn>
-              <a:cxn ang="0">
-                <a:pos x="connsiteX20" y="connsiteY20"/>
-              </a:cxn>
-              <a:cxn ang="0">
-                <a:pos x="connsiteX21" y="connsiteY21"/>
-              </a:cxn>
-              <a:cxn ang="0">
-                <a:pos x="connsiteX22" y="connsiteY22"/>
-              </a:cxn>
-              <a:cxn ang="0">
-                <a:pos x="connsiteX23" y="connsiteY23"/>
-              </a:cxn>
-              <a:cxn ang="0">
-                <a:pos x="connsiteX24" y="connsiteY24"/>
-              </a:cxn>
-              <a:cxn ang="0">
-                <a:pos x="connsiteX25" y="connsiteY25"/>
-              </a:cxn>
-              <a:cxn ang="0">
-                <a:pos x="connsiteX26" y="connsiteY26"/>
-              </a:cxn>
             </a:cxnLst>
             <a:rect l="l" t="t" r="r" b="b"/>
             <a:pathLst>
-              <a:path w="6685443" h="1815499" extrusionOk="0">
+              <a:path w="3984158" h="1483208" extrusionOk="0">
                 <a:moveTo>
                   <a:pt x="0" y="0"/>
                 </a:moveTo>
                 <a:cubicBezTo>
-                  <a:pt x="197687" y="5421"/>
-                  <a:pt x="392637" y="-27165"/>
-                  <a:pt x="601690" y="0"/>
-                </a:cubicBezTo>
-                <a:cubicBezTo>
-                  <a:pt x="810743" y="27165"/>
-                  <a:pt x="967174" y="20034"/>
-                  <a:pt x="1069671" y="0"/>
-                </a:cubicBezTo>
-                <a:cubicBezTo>
-                  <a:pt x="1172168" y="-20034"/>
-                  <a:pt x="1481114" y="26288"/>
-                  <a:pt x="1871924" y="0"/>
-                </a:cubicBezTo>
-                <a:cubicBezTo>
-                  <a:pt x="2262734" y="-26288"/>
-                  <a:pt x="2275646" y="9816"/>
-                  <a:pt x="2473614" y="0"/>
-                </a:cubicBezTo>
-                <a:cubicBezTo>
-                  <a:pt x="2671582" y="-9816"/>
-                  <a:pt x="2837715" y="-16866"/>
-                  <a:pt x="3075304" y="0"/>
-                </a:cubicBezTo>
-                <a:cubicBezTo>
-                  <a:pt x="3312893" y="16866"/>
-                  <a:pt x="3565082" y="13656"/>
-                  <a:pt x="3877557" y="0"/>
-                </a:cubicBezTo>
-                <a:cubicBezTo>
-                  <a:pt x="4190032" y="-13656"/>
-                  <a:pt x="4275680" y="23045"/>
-                  <a:pt x="4412392" y="0"/>
-                </a:cubicBezTo>
-                <a:cubicBezTo>
-                  <a:pt x="4549105" y="-23045"/>
-                  <a:pt x="4974381" y="13533"/>
-                  <a:pt x="5214646" y="0"/>
-                </a:cubicBezTo>
-                <a:cubicBezTo>
-                  <a:pt x="5454911" y="-13533"/>
-                  <a:pt x="5621382" y="6072"/>
-                  <a:pt x="6016899" y="0"/>
-                </a:cubicBezTo>
-                <a:cubicBezTo>
-                  <a:pt x="6412416" y="-6072"/>
-                  <a:pt x="6368099" y="-22480"/>
-                  <a:pt x="6685443" y="0"/>
-                </a:cubicBezTo>
-                <a:cubicBezTo>
-                  <a:pt x="6675060" y="141143"/>
-                  <a:pt x="6688790" y="422707"/>
-                  <a:pt x="6685443" y="641476"/>
-                </a:cubicBezTo>
-                <a:cubicBezTo>
-                  <a:pt x="6682096" y="860245"/>
-                  <a:pt x="6676921" y="1110529"/>
-                  <a:pt x="6685443" y="1264798"/>
-                </a:cubicBezTo>
-                <a:cubicBezTo>
-                  <a:pt x="6693965" y="1419067"/>
-                  <a:pt x="6712438" y="1626237"/>
-                  <a:pt x="6685443" y="1815499"/>
-                </a:cubicBezTo>
-                <a:cubicBezTo>
-                  <a:pt x="6531485" y="1826631"/>
-                  <a:pt x="6258288" y="1826162"/>
-                  <a:pt x="6016899" y="1815499"/>
-                </a:cubicBezTo>
-                <a:cubicBezTo>
-                  <a:pt x="5775510" y="1804836"/>
-                  <a:pt x="5635687" y="1808580"/>
-                  <a:pt x="5482063" y="1815499"/>
-                </a:cubicBezTo>
-                <a:cubicBezTo>
-                  <a:pt x="5328439" y="1822418"/>
-                  <a:pt x="4969533" y="1798322"/>
-                  <a:pt x="4813519" y="1815499"/>
-                </a:cubicBezTo>
-                <a:cubicBezTo>
-                  <a:pt x="4657505" y="1832676"/>
-                  <a:pt x="4277484" y="1797792"/>
-                  <a:pt x="4011266" y="1815499"/>
-                </a:cubicBezTo>
-                <a:cubicBezTo>
-                  <a:pt x="3745048" y="1833206"/>
-                  <a:pt x="3503887" y="1798854"/>
-                  <a:pt x="3342722" y="1815499"/>
-                </a:cubicBezTo>
-                <a:cubicBezTo>
-                  <a:pt x="3181557" y="1832144"/>
-                  <a:pt x="3094655" y="1808958"/>
-                  <a:pt x="2874740" y="1815499"/>
-                </a:cubicBezTo>
-                <a:cubicBezTo>
-                  <a:pt x="2654825" y="1822040"/>
-                  <a:pt x="2552356" y="1810430"/>
-                  <a:pt x="2339905" y="1815499"/>
-                </a:cubicBezTo>
-                <a:cubicBezTo>
-                  <a:pt x="2127454" y="1820568"/>
-                  <a:pt x="1825409" y="1807327"/>
-                  <a:pt x="1537652" y="1815499"/>
-                </a:cubicBezTo>
-                <a:cubicBezTo>
-                  <a:pt x="1249895" y="1823671"/>
-                  <a:pt x="1086879" y="1834794"/>
-                  <a:pt x="869108" y="1815499"/>
-                </a:cubicBezTo>
-                <a:cubicBezTo>
-                  <a:pt x="651337" y="1796204"/>
-                  <a:pt x="264417" y="1828267"/>
-                  <a:pt x="0" y="1815499"/>
-                </a:cubicBezTo>
-                <a:cubicBezTo>
-                  <a:pt x="8313" y="1520428"/>
-                  <a:pt x="-1936" y="1449694"/>
-                  <a:pt x="0" y="1210333"/>
-                </a:cubicBezTo>
-                <a:cubicBezTo>
-                  <a:pt x="1936" y="970972"/>
-                  <a:pt x="16209" y="905402"/>
-                  <a:pt x="0" y="659631"/>
-                </a:cubicBezTo>
-                <a:cubicBezTo>
-                  <a:pt x="-16209" y="413860"/>
-                  <a:pt x="-15680" y="309233"/>
+                  <a:pt x="183423" y="18876"/>
+                  <a:pt x="387432" y="11885"/>
+                  <a:pt x="624185" y="0"/>
+                </a:cubicBezTo>
+                <a:cubicBezTo>
+                  <a:pt x="860939" y="-11885"/>
+                  <a:pt x="1054606" y="-18463"/>
+                  <a:pt x="1168686" y="0"/>
+                </a:cubicBezTo>
+                <a:cubicBezTo>
+                  <a:pt x="1282766" y="18463"/>
+                  <a:pt x="1693901" y="35828"/>
+                  <a:pt x="1912396" y="0"/>
+                </a:cubicBezTo>
+                <a:cubicBezTo>
+                  <a:pt x="2130891" y="-35828"/>
+                  <a:pt x="2399161" y="-14960"/>
+                  <a:pt x="2536581" y="0"/>
+                </a:cubicBezTo>
+                <a:cubicBezTo>
+                  <a:pt x="2674002" y="14960"/>
+                  <a:pt x="2930878" y="25357"/>
+                  <a:pt x="3160765" y="0"/>
+                </a:cubicBezTo>
+                <a:cubicBezTo>
+                  <a:pt x="3390652" y="-25357"/>
+                  <a:pt x="3618233" y="22549"/>
+                  <a:pt x="3984158" y="0"/>
+                </a:cubicBezTo>
+                <a:cubicBezTo>
+                  <a:pt x="3984038" y="195374"/>
+                  <a:pt x="3982039" y="245726"/>
+                  <a:pt x="3984158" y="464739"/>
+                </a:cubicBezTo>
+                <a:cubicBezTo>
+                  <a:pt x="3986277" y="683752"/>
+                  <a:pt x="3968175" y="738445"/>
+                  <a:pt x="3984158" y="959141"/>
+                </a:cubicBezTo>
+                <a:cubicBezTo>
+                  <a:pt x="4000141" y="1179837"/>
+                  <a:pt x="4006929" y="1289598"/>
+                  <a:pt x="3984158" y="1483208"/>
+                </a:cubicBezTo>
+                <a:cubicBezTo>
+                  <a:pt x="3803422" y="1507410"/>
+                  <a:pt x="3621945" y="1507539"/>
+                  <a:pt x="3399815" y="1483208"/>
+                </a:cubicBezTo>
+                <a:cubicBezTo>
+                  <a:pt x="3177685" y="1458877"/>
+                  <a:pt x="2949391" y="1453742"/>
+                  <a:pt x="2735788" y="1483208"/>
+                </a:cubicBezTo>
+                <a:cubicBezTo>
+                  <a:pt x="2522185" y="1512674"/>
+                  <a:pt x="2346462" y="1470132"/>
+                  <a:pt x="2111604" y="1483208"/>
+                </a:cubicBezTo>
+                <a:cubicBezTo>
+                  <a:pt x="1876746" y="1496284"/>
+                  <a:pt x="1574870" y="1492723"/>
+                  <a:pt x="1367894" y="1483208"/>
+                </a:cubicBezTo>
+                <a:cubicBezTo>
+                  <a:pt x="1160918" y="1473694"/>
+                  <a:pt x="788357" y="1457438"/>
+                  <a:pt x="624185" y="1483208"/>
+                </a:cubicBezTo>
+                <a:cubicBezTo>
+                  <a:pt x="460013" y="1508978"/>
+                  <a:pt x="282889" y="1481339"/>
+                  <a:pt x="0" y="1483208"/>
+                </a:cubicBezTo>
+                <a:cubicBezTo>
+                  <a:pt x="24368" y="1316907"/>
+                  <a:pt x="-24567" y="1129752"/>
+                  <a:pt x="0" y="988805"/>
+                </a:cubicBezTo>
+                <a:cubicBezTo>
+                  <a:pt x="24567" y="847858"/>
+                  <a:pt x="2696" y="683175"/>
+                  <a:pt x="0" y="509235"/>
+                </a:cubicBezTo>
+                <a:cubicBezTo>
+                  <a:pt x="-2696" y="335295"/>
+                  <a:pt x="22160" y="109840"/>
                   <a:pt x="0" y="0"/>
                 </a:cubicBezTo>
                 <a:close/>
@@ -8304,6 +8262,44 @@
               <a:rPr lang="en-US" dirty="0"/>
               <a:t>./hello-world</a:t>
             </a:r>
+          </a:p>
+        </p:txBody>
+      </p:sp>
+      <p:sp>
+        <p:nvSpPr>
+          <p:cNvPr id="3" name="TextBox 2">
+            <a:extLst>
+              <a:ext uri="{FF2B5EF4-FFF2-40B4-BE49-F238E27FC236}">
+                <a16:creationId xmlns:a16="http://schemas.microsoft.com/office/drawing/2014/main" id="{60459823-A484-EC6A-8881-6DECE32BE3BF}"/>
+              </a:ext>
+            </a:extLst>
+          </p:cNvPr>
+          <p:cNvSpPr txBox="1"/>
+          <p:nvPr/>
+        </p:nvSpPr>
+        <p:spPr>
+          <a:xfrm>
+            <a:off x="156485" y="224498"/>
+            <a:ext cx="4829319" cy="369332"/>
+          </a:xfrm>
+          <a:prstGeom prst="rect">
+            <a:avLst/>
+          </a:prstGeom>
+          <a:noFill/>
+        </p:spPr>
+        <p:txBody>
+          <a:bodyPr wrap="square">
+            <a:spAutoFit/>
+          </a:bodyPr>
+          <a:lstStyle/>
+          <a:p>
+            <a:r>
+              <a:rPr lang="en-US" dirty="0">
+                <a:latin typeface="Gaegu" pitchFamily="2" charset="0"/>
+              </a:rPr>
+              <a:t>Program Execution and Sequence</a:t>
+            </a:r>
+            <a:endParaRPr lang="en-US" b="1" dirty="0"/>
           </a:p>
         </p:txBody>
       </p:sp>
@@ -9950,7 +9946,13 @@
               <a:buAutoNum type="arabicPeriod"/>
             </a:pPr>
             <a:r>
-              <a:rPr lang="en-US" dirty="0"/>
+              <a:rPr lang="en-US" dirty="0">
+                <a:solidFill>
+                  <a:schemeClr val="bg1">
+                    <a:lumMod val="65000"/>
+                  </a:schemeClr>
+                </a:solidFill>
+              </a:rPr>
               <a:t>0010</a:t>
             </a:r>
           </a:p>
@@ -9960,7 +9962,13 @@
               <a:buAutoNum type="arabicPeriod"/>
             </a:pPr>
             <a:r>
-              <a:rPr lang="en-US" dirty="0"/>
+              <a:rPr lang="en-US" dirty="0">
+                <a:solidFill>
+                  <a:schemeClr val="bg1">
+                    <a:lumMod val="65000"/>
+                  </a:schemeClr>
+                </a:solidFill>
+              </a:rPr>
               <a:t>1010</a:t>
             </a:r>
           </a:p>
@@ -9970,7 +9978,13 @@
               <a:buAutoNum type="arabicPeriod"/>
             </a:pPr>
             <a:r>
-              <a:rPr lang="en-US" dirty="0"/>
+              <a:rPr lang="en-US" dirty="0">
+                <a:solidFill>
+                  <a:schemeClr val="bg1">
+                    <a:lumMod val="65000"/>
+                  </a:schemeClr>
+                </a:solidFill>
+              </a:rPr>
               <a:t>1101</a:t>
             </a:r>
           </a:p>
@@ -9980,7 +9994,13 @@
               <a:buAutoNum type="arabicPeriod"/>
             </a:pPr>
             <a:r>
-              <a:rPr lang="en-US" dirty="0"/>
+              <a:rPr lang="en-US" dirty="0">
+                <a:solidFill>
+                  <a:schemeClr val="bg1">
+                    <a:lumMod val="65000"/>
+                  </a:schemeClr>
+                </a:solidFill>
+              </a:rPr>
               <a:t>1111</a:t>
             </a:r>
           </a:p>
@@ -9990,7 +10010,13 @@
               <a:buAutoNum type="arabicPeriod"/>
             </a:pPr>
             <a:r>
-              <a:rPr lang="en-US" dirty="0"/>
+              <a:rPr lang="en-US" dirty="0">
+                <a:solidFill>
+                  <a:schemeClr val="bg1">
+                    <a:lumMod val="65000"/>
+                  </a:schemeClr>
+                </a:solidFill>
+              </a:rPr>
               <a:t>1001</a:t>
             </a:r>
           </a:p>
@@ -10535,60 +10561,44 @@
           <a:custGeom>
             <a:avLst/>
             <a:gdLst>
-              <a:gd name="connsiteX0" fmla="*/ 0 w 6685443"/>
-              <a:gd name="connsiteY0" fmla="*/ 0 h 1815499"/>
-              <a:gd name="connsiteX1" fmla="*/ 601690 w 6685443"/>
-              <a:gd name="connsiteY1" fmla="*/ 0 h 1815499"/>
-              <a:gd name="connsiteX2" fmla="*/ 1069671 w 6685443"/>
-              <a:gd name="connsiteY2" fmla="*/ 0 h 1815499"/>
-              <a:gd name="connsiteX3" fmla="*/ 1871924 w 6685443"/>
-              <a:gd name="connsiteY3" fmla="*/ 0 h 1815499"/>
-              <a:gd name="connsiteX4" fmla="*/ 2473614 w 6685443"/>
-              <a:gd name="connsiteY4" fmla="*/ 0 h 1815499"/>
-              <a:gd name="connsiteX5" fmla="*/ 3075304 w 6685443"/>
-              <a:gd name="connsiteY5" fmla="*/ 0 h 1815499"/>
-              <a:gd name="connsiteX6" fmla="*/ 3877557 w 6685443"/>
-              <a:gd name="connsiteY6" fmla="*/ 0 h 1815499"/>
-              <a:gd name="connsiteX7" fmla="*/ 4412392 w 6685443"/>
-              <a:gd name="connsiteY7" fmla="*/ 0 h 1815499"/>
-              <a:gd name="connsiteX8" fmla="*/ 5214646 w 6685443"/>
-              <a:gd name="connsiteY8" fmla="*/ 0 h 1815499"/>
-              <a:gd name="connsiteX9" fmla="*/ 6016899 w 6685443"/>
-              <a:gd name="connsiteY9" fmla="*/ 0 h 1815499"/>
-              <a:gd name="connsiteX10" fmla="*/ 6685443 w 6685443"/>
-              <a:gd name="connsiteY10" fmla="*/ 0 h 1815499"/>
-              <a:gd name="connsiteX11" fmla="*/ 6685443 w 6685443"/>
-              <a:gd name="connsiteY11" fmla="*/ 641476 h 1815499"/>
-              <a:gd name="connsiteX12" fmla="*/ 6685443 w 6685443"/>
-              <a:gd name="connsiteY12" fmla="*/ 1264798 h 1815499"/>
-              <a:gd name="connsiteX13" fmla="*/ 6685443 w 6685443"/>
-              <a:gd name="connsiteY13" fmla="*/ 1815499 h 1815499"/>
-              <a:gd name="connsiteX14" fmla="*/ 6016899 w 6685443"/>
-              <a:gd name="connsiteY14" fmla="*/ 1815499 h 1815499"/>
-              <a:gd name="connsiteX15" fmla="*/ 5482063 w 6685443"/>
-              <a:gd name="connsiteY15" fmla="*/ 1815499 h 1815499"/>
-              <a:gd name="connsiteX16" fmla="*/ 4813519 w 6685443"/>
-              <a:gd name="connsiteY16" fmla="*/ 1815499 h 1815499"/>
-              <a:gd name="connsiteX17" fmla="*/ 4011266 w 6685443"/>
-              <a:gd name="connsiteY17" fmla="*/ 1815499 h 1815499"/>
-              <a:gd name="connsiteX18" fmla="*/ 3342722 w 6685443"/>
-              <a:gd name="connsiteY18" fmla="*/ 1815499 h 1815499"/>
-              <a:gd name="connsiteX19" fmla="*/ 2874740 w 6685443"/>
-              <a:gd name="connsiteY19" fmla="*/ 1815499 h 1815499"/>
-              <a:gd name="connsiteX20" fmla="*/ 2339905 w 6685443"/>
-              <a:gd name="connsiteY20" fmla="*/ 1815499 h 1815499"/>
-              <a:gd name="connsiteX21" fmla="*/ 1537652 w 6685443"/>
-              <a:gd name="connsiteY21" fmla="*/ 1815499 h 1815499"/>
-              <a:gd name="connsiteX22" fmla="*/ 869108 w 6685443"/>
-              <a:gd name="connsiteY22" fmla="*/ 1815499 h 1815499"/>
-              <a:gd name="connsiteX23" fmla="*/ 0 w 6685443"/>
-              <a:gd name="connsiteY23" fmla="*/ 1815499 h 1815499"/>
-              <a:gd name="connsiteX24" fmla="*/ 0 w 6685443"/>
-              <a:gd name="connsiteY24" fmla="*/ 1210333 h 1815499"/>
-              <a:gd name="connsiteX25" fmla="*/ 0 w 6685443"/>
-              <a:gd name="connsiteY25" fmla="*/ 659631 h 1815499"/>
-              <a:gd name="connsiteX26" fmla="*/ 0 w 6685443"/>
-              <a:gd name="connsiteY26" fmla="*/ 0 h 1815499"/>
+              <a:gd name="connsiteX0" fmla="*/ 0 w 3984158"/>
+              <a:gd name="connsiteY0" fmla="*/ 0 h 1483208"/>
+              <a:gd name="connsiteX1" fmla="*/ 624185 w 3984158"/>
+              <a:gd name="connsiteY1" fmla="*/ 0 h 1483208"/>
+              <a:gd name="connsiteX2" fmla="*/ 1168686 w 3984158"/>
+              <a:gd name="connsiteY2" fmla="*/ 0 h 1483208"/>
+              <a:gd name="connsiteX3" fmla="*/ 1912396 w 3984158"/>
+              <a:gd name="connsiteY3" fmla="*/ 0 h 1483208"/>
+              <a:gd name="connsiteX4" fmla="*/ 2536581 w 3984158"/>
+              <a:gd name="connsiteY4" fmla="*/ 0 h 1483208"/>
+              <a:gd name="connsiteX5" fmla="*/ 3160765 w 3984158"/>
+              <a:gd name="connsiteY5" fmla="*/ 0 h 1483208"/>
+              <a:gd name="connsiteX6" fmla="*/ 3984158 w 3984158"/>
+              <a:gd name="connsiteY6" fmla="*/ 0 h 1483208"/>
+              <a:gd name="connsiteX7" fmla="*/ 3984158 w 3984158"/>
+              <a:gd name="connsiteY7" fmla="*/ 464739 h 1483208"/>
+              <a:gd name="connsiteX8" fmla="*/ 3984158 w 3984158"/>
+              <a:gd name="connsiteY8" fmla="*/ 959141 h 1483208"/>
+              <a:gd name="connsiteX9" fmla="*/ 3984158 w 3984158"/>
+              <a:gd name="connsiteY9" fmla="*/ 1483208 h 1483208"/>
+              <a:gd name="connsiteX10" fmla="*/ 3399815 w 3984158"/>
+              <a:gd name="connsiteY10" fmla="*/ 1483208 h 1483208"/>
+              <a:gd name="connsiteX11" fmla="*/ 2735788 w 3984158"/>
+              <a:gd name="connsiteY11" fmla="*/ 1483208 h 1483208"/>
+              <a:gd name="connsiteX12" fmla="*/ 2111604 w 3984158"/>
+              <a:gd name="connsiteY12" fmla="*/ 1483208 h 1483208"/>
+              <a:gd name="connsiteX13" fmla="*/ 1367894 w 3984158"/>
+              <a:gd name="connsiteY13" fmla="*/ 1483208 h 1483208"/>
+              <a:gd name="connsiteX14" fmla="*/ 624185 w 3984158"/>
+              <a:gd name="connsiteY14" fmla="*/ 1483208 h 1483208"/>
+              <a:gd name="connsiteX15" fmla="*/ 0 w 3984158"/>
+              <a:gd name="connsiteY15" fmla="*/ 1483208 h 1483208"/>
+              <a:gd name="connsiteX16" fmla="*/ 0 w 3984158"/>
+              <a:gd name="connsiteY16" fmla="*/ 988805 h 1483208"/>
+              <a:gd name="connsiteX17" fmla="*/ 0 w 3984158"/>
+              <a:gd name="connsiteY17" fmla="*/ 509235 h 1483208"/>
+              <a:gd name="connsiteX18" fmla="*/ 0 w 3984158"/>
+              <a:gd name="connsiteY18" fmla="*/ 0 h 1483208"/>
             </a:gdLst>
             <a:ahLst/>
             <a:cxnLst>
@@ -10649,165 +10659,101 @@
               <a:cxn ang="0">
                 <a:pos x="connsiteX18" y="connsiteY18"/>
               </a:cxn>
-              <a:cxn ang="0">
-                <a:pos x="connsiteX19" y="connsiteY19"/>
-              </a:cxn>
-              <a:cxn ang="0">
-                <a:pos x="connsiteX20" y="connsiteY20"/>
-              </a:cxn>
-              <a:cxn ang="0">
-                <a:pos x="connsiteX21" y="connsiteY21"/>
-              </a:cxn>
-              <a:cxn ang="0">
-                <a:pos x="connsiteX22" y="connsiteY22"/>
-              </a:cxn>
-              <a:cxn ang="0">
-                <a:pos x="connsiteX23" y="connsiteY23"/>
-              </a:cxn>
-              <a:cxn ang="0">
-                <a:pos x="connsiteX24" y="connsiteY24"/>
-              </a:cxn>
-              <a:cxn ang="0">
-                <a:pos x="connsiteX25" y="connsiteY25"/>
-              </a:cxn>
-              <a:cxn ang="0">
-                <a:pos x="connsiteX26" y="connsiteY26"/>
-              </a:cxn>
             </a:cxnLst>
             <a:rect l="l" t="t" r="r" b="b"/>
             <a:pathLst>
-              <a:path w="6685443" h="1815499" extrusionOk="0">
+              <a:path w="3984158" h="1483208" extrusionOk="0">
                 <a:moveTo>
                   <a:pt x="0" y="0"/>
                 </a:moveTo>
                 <a:cubicBezTo>
-                  <a:pt x="197687" y="5421"/>
-                  <a:pt x="392637" y="-27165"/>
-                  <a:pt x="601690" y="0"/>
-                </a:cubicBezTo>
-                <a:cubicBezTo>
-                  <a:pt x="810743" y="27165"/>
-                  <a:pt x="967174" y="20034"/>
-                  <a:pt x="1069671" y="0"/>
-                </a:cubicBezTo>
-                <a:cubicBezTo>
-                  <a:pt x="1172168" y="-20034"/>
-                  <a:pt x="1481114" y="26288"/>
-                  <a:pt x="1871924" y="0"/>
-                </a:cubicBezTo>
-                <a:cubicBezTo>
-                  <a:pt x="2262734" y="-26288"/>
-                  <a:pt x="2275646" y="9816"/>
-                  <a:pt x="2473614" y="0"/>
-                </a:cubicBezTo>
-                <a:cubicBezTo>
-                  <a:pt x="2671582" y="-9816"/>
-                  <a:pt x="2837715" y="-16866"/>
-                  <a:pt x="3075304" y="0"/>
-                </a:cubicBezTo>
-                <a:cubicBezTo>
-                  <a:pt x="3312893" y="16866"/>
-                  <a:pt x="3565082" y="13656"/>
-                  <a:pt x="3877557" y="0"/>
-                </a:cubicBezTo>
-                <a:cubicBezTo>
-                  <a:pt x="4190032" y="-13656"/>
-                  <a:pt x="4275680" y="23045"/>
-                  <a:pt x="4412392" y="0"/>
-                </a:cubicBezTo>
-                <a:cubicBezTo>
-                  <a:pt x="4549105" y="-23045"/>
-                  <a:pt x="4974381" y="13533"/>
-                  <a:pt x="5214646" y="0"/>
-                </a:cubicBezTo>
-                <a:cubicBezTo>
-                  <a:pt x="5454911" y="-13533"/>
-                  <a:pt x="5621382" y="6072"/>
-                  <a:pt x="6016899" y="0"/>
-                </a:cubicBezTo>
-                <a:cubicBezTo>
-                  <a:pt x="6412416" y="-6072"/>
-                  <a:pt x="6368099" y="-22480"/>
-                  <a:pt x="6685443" y="0"/>
-                </a:cubicBezTo>
-                <a:cubicBezTo>
-                  <a:pt x="6675060" y="141143"/>
-                  <a:pt x="6688790" y="422707"/>
-                  <a:pt x="6685443" y="641476"/>
-                </a:cubicBezTo>
-                <a:cubicBezTo>
-                  <a:pt x="6682096" y="860245"/>
-                  <a:pt x="6676921" y="1110529"/>
-                  <a:pt x="6685443" y="1264798"/>
-                </a:cubicBezTo>
-                <a:cubicBezTo>
-                  <a:pt x="6693965" y="1419067"/>
-                  <a:pt x="6712438" y="1626237"/>
-                  <a:pt x="6685443" y="1815499"/>
-                </a:cubicBezTo>
-                <a:cubicBezTo>
-                  <a:pt x="6531485" y="1826631"/>
-                  <a:pt x="6258288" y="1826162"/>
-                  <a:pt x="6016899" y="1815499"/>
-                </a:cubicBezTo>
-                <a:cubicBezTo>
-                  <a:pt x="5775510" y="1804836"/>
-                  <a:pt x="5635687" y="1808580"/>
-                  <a:pt x="5482063" y="1815499"/>
-                </a:cubicBezTo>
-                <a:cubicBezTo>
-                  <a:pt x="5328439" y="1822418"/>
-                  <a:pt x="4969533" y="1798322"/>
-                  <a:pt x="4813519" y="1815499"/>
-                </a:cubicBezTo>
-                <a:cubicBezTo>
-                  <a:pt x="4657505" y="1832676"/>
-                  <a:pt x="4277484" y="1797792"/>
-                  <a:pt x="4011266" y="1815499"/>
-                </a:cubicBezTo>
-                <a:cubicBezTo>
-                  <a:pt x="3745048" y="1833206"/>
-                  <a:pt x="3503887" y="1798854"/>
-                  <a:pt x="3342722" y="1815499"/>
-                </a:cubicBezTo>
-                <a:cubicBezTo>
-                  <a:pt x="3181557" y="1832144"/>
-                  <a:pt x="3094655" y="1808958"/>
-                  <a:pt x="2874740" y="1815499"/>
-                </a:cubicBezTo>
-                <a:cubicBezTo>
-                  <a:pt x="2654825" y="1822040"/>
-                  <a:pt x="2552356" y="1810430"/>
-                  <a:pt x="2339905" y="1815499"/>
-                </a:cubicBezTo>
-                <a:cubicBezTo>
-                  <a:pt x="2127454" y="1820568"/>
-                  <a:pt x="1825409" y="1807327"/>
-                  <a:pt x="1537652" y="1815499"/>
-                </a:cubicBezTo>
-                <a:cubicBezTo>
-                  <a:pt x="1249895" y="1823671"/>
-                  <a:pt x="1086879" y="1834794"/>
-                  <a:pt x="869108" y="1815499"/>
-                </a:cubicBezTo>
-                <a:cubicBezTo>
-                  <a:pt x="651337" y="1796204"/>
-                  <a:pt x="264417" y="1828267"/>
-                  <a:pt x="0" y="1815499"/>
-                </a:cubicBezTo>
-                <a:cubicBezTo>
-                  <a:pt x="8313" y="1520428"/>
-                  <a:pt x="-1936" y="1449694"/>
-                  <a:pt x="0" y="1210333"/>
-                </a:cubicBezTo>
-                <a:cubicBezTo>
-                  <a:pt x="1936" y="970972"/>
-                  <a:pt x="16209" y="905402"/>
-                  <a:pt x="0" y="659631"/>
-                </a:cubicBezTo>
-                <a:cubicBezTo>
-                  <a:pt x="-16209" y="413860"/>
-                  <a:pt x="-15680" y="309233"/>
+                  <a:pt x="183423" y="18876"/>
+                  <a:pt x="387432" y="11885"/>
+                  <a:pt x="624185" y="0"/>
+                </a:cubicBezTo>
+                <a:cubicBezTo>
+                  <a:pt x="860939" y="-11885"/>
+                  <a:pt x="1054606" y="-18463"/>
+                  <a:pt x="1168686" y="0"/>
+                </a:cubicBezTo>
+                <a:cubicBezTo>
+                  <a:pt x="1282766" y="18463"/>
+                  <a:pt x="1693901" y="35828"/>
+                  <a:pt x="1912396" y="0"/>
+                </a:cubicBezTo>
+                <a:cubicBezTo>
+                  <a:pt x="2130891" y="-35828"/>
+                  <a:pt x="2399161" y="-14960"/>
+                  <a:pt x="2536581" y="0"/>
+                </a:cubicBezTo>
+                <a:cubicBezTo>
+                  <a:pt x="2674002" y="14960"/>
+                  <a:pt x="2930878" y="25357"/>
+                  <a:pt x="3160765" y="0"/>
+                </a:cubicBezTo>
+                <a:cubicBezTo>
+                  <a:pt x="3390652" y="-25357"/>
+                  <a:pt x="3618233" y="22549"/>
+                  <a:pt x="3984158" y="0"/>
+                </a:cubicBezTo>
+                <a:cubicBezTo>
+                  <a:pt x="3984038" y="195374"/>
+                  <a:pt x="3982039" y="245726"/>
+                  <a:pt x="3984158" y="464739"/>
+                </a:cubicBezTo>
+                <a:cubicBezTo>
+                  <a:pt x="3986277" y="683752"/>
+                  <a:pt x="3968175" y="738445"/>
+                  <a:pt x="3984158" y="959141"/>
+                </a:cubicBezTo>
+                <a:cubicBezTo>
+                  <a:pt x="4000141" y="1179837"/>
+                  <a:pt x="4006929" y="1289598"/>
+                  <a:pt x="3984158" y="1483208"/>
+                </a:cubicBezTo>
+                <a:cubicBezTo>
+                  <a:pt x="3803422" y="1507410"/>
+                  <a:pt x="3621945" y="1507539"/>
+                  <a:pt x="3399815" y="1483208"/>
+                </a:cubicBezTo>
+                <a:cubicBezTo>
+                  <a:pt x="3177685" y="1458877"/>
+                  <a:pt x="2949391" y="1453742"/>
+                  <a:pt x="2735788" y="1483208"/>
+                </a:cubicBezTo>
+                <a:cubicBezTo>
+                  <a:pt x="2522185" y="1512674"/>
+                  <a:pt x="2346462" y="1470132"/>
+                  <a:pt x="2111604" y="1483208"/>
+                </a:cubicBezTo>
+                <a:cubicBezTo>
+                  <a:pt x="1876746" y="1496284"/>
+                  <a:pt x="1574870" y="1492723"/>
+                  <a:pt x="1367894" y="1483208"/>
+                </a:cubicBezTo>
+                <a:cubicBezTo>
+                  <a:pt x="1160918" y="1473694"/>
+                  <a:pt x="788357" y="1457438"/>
+                  <a:pt x="624185" y="1483208"/>
+                </a:cubicBezTo>
+                <a:cubicBezTo>
+                  <a:pt x="460013" y="1508978"/>
+                  <a:pt x="282889" y="1481339"/>
+                  <a:pt x="0" y="1483208"/>
+                </a:cubicBezTo>
+                <a:cubicBezTo>
+                  <a:pt x="24368" y="1316907"/>
+                  <a:pt x="-24567" y="1129752"/>
+                  <a:pt x="0" y="988805"/>
+                </a:cubicBezTo>
+                <a:cubicBezTo>
+                  <a:pt x="24567" y="847858"/>
+                  <a:pt x="2696" y="683175"/>
+                  <a:pt x="0" y="509235"/>
+                </a:cubicBezTo>
+                <a:cubicBezTo>
+                  <a:pt x="-2696" y="335295"/>
+                  <a:pt x="22160" y="109840"/>
                   <a:pt x="0" y="0"/>
                 </a:cubicBezTo>
                 <a:close/>
@@ -11051,6 +10997,44 @@
               <a:rPr lang="en-US" dirty="0"/>
               <a:t>./hello-world</a:t>
             </a:r>
+          </a:p>
+        </p:txBody>
+      </p:sp>
+      <p:sp>
+        <p:nvSpPr>
+          <p:cNvPr id="3" name="TextBox 2">
+            <a:extLst>
+              <a:ext uri="{FF2B5EF4-FFF2-40B4-BE49-F238E27FC236}">
+                <a16:creationId xmlns:a16="http://schemas.microsoft.com/office/drawing/2014/main" id="{D4B81D6B-CB52-2587-E0AA-D4640619FFF1}"/>
+              </a:ext>
+            </a:extLst>
+          </p:cNvPr>
+          <p:cNvSpPr txBox="1"/>
+          <p:nvPr/>
+        </p:nvSpPr>
+        <p:spPr>
+          <a:xfrm>
+            <a:off x="156485" y="224498"/>
+            <a:ext cx="4829319" cy="369332"/>
+          </a:xfrm>
+          <a:prstGeom prst="rect">
+            <a:avLst/>
+          </a:prstGeom>
+          <a:noFill/>
+        </p:spPr>
+        <p:txBody>
+          <a:bodyPr wrap="square">
+            <a:spAutoFit/>
+          </a:bodyPr>
+          <a:lstStyle/>
+          <a:p>
+            <a:r>
+              <a:rPr lang="en-US" dirty="0">
+                <a:latin typeface="Gaegu" pitchFamily="2" charset="0"/>
+              </a:rPr>
+              <a:t>Program Execution and Sequence</a:t>
+            </a:r>
+            <a:endParaRPr lang="en-US" b="1" dirty="0"/>
           </a:p>
         </p:txBody>
       </p:sp>
@@ -12481,7 +12465,13 @@
               <a:buAutoNum type="arabicPeriod"/>
             </a:pPr>
             <a:r>
-              <a:rPr lang="en-US" dirty="0"/>
+              <a:rPr lang="en-US" dirty="0">
+                <a:solidFill>
+                  <a:schemeClr val="bg1">
+                    <a:lumMod val="65000"/>
+                  </a:schemeClr>
+                </a:solidFill>
+              </a:rPr>
               <a:t>0010</a:t>
             </a:r>
           </a:p>
@@ -12491,7 +12481,13 @@
               <a:buAutoNum type="arabicPeriod"/>
             </a:pPr>
             <a:r>
-              <a:rPr lang="en-US" dirty="0"/>
+              <a:rPr lang="en-US" dirty="0">
+                <a:solidFill>
+                  <a:schemeClr val="bg1">
+                    <a:lumMod val="65000"/>
+                  </a:schemeClr>
+                </a:solidFill>
+              </a:rPr>
               <a:t>1010</a:t>
             </a:r>
           </a:p>
@@ -12501,7 +12497,13 @@
               <a:buAutoNum type="arabicPeriod"/>
             </a:pPr>
             <a:r>
-              <a:rPr lang="en-US" dirty="0"/>
+              <a:rPr lang="en-US" dirty="0">
+                <a:solidFill>
+                  <a:schemeClr val="bg1">
+                    <a:lumMod val="65000"/>
+                  </a:schemeClr>
+                </a:solidFill>
+              </a:rPr>
               <a:t>1101</a:t>
             </a:r>
           </a:p>
@@ -12511,7 +12513,13 @@
               <a:buAutoNum type="arabicPeriod"/>
             </a:pPr>
             <a:r>
-              <a:rPr lang="en-US" dirty="0"/>
+              <a:rPr lang="en-US" dirty="0">
+                <a:solidFill>
+                  <a:schemeClr val="bg1">
+                    <a:lumMod val="65000"/>
+                  </a:schemeClr>
+                </a:solidFill>
+              </a:rPr>
               <a:t>1111</a:t>
             </a:r>
           </a:p>
@@ -12521,7 +12529,13 @@
               <a:buAutoNum type="arabicPeriod"/>
             </a:pPr>
             <a:r>
-              <a:rPr lang="en-US" dirty="0"/>
+              <a:rPr lang="en-US" dirty="0">
+                <a:solidFill>
+                  <a:schemeClr val="bg1">
+                    <a:lumMod val="65000"/>
+                  </a:schemeClr>
+                </a:solidFill>
+              </a:rPr>
               <a:t>1001</a:t>
             </a:r>
           </a:p>
@@ -13149,60 +13163,44 @@
           <a:custGeom>
             <a:avLst/>
             <a:gdLst>
-              <a:gd name="connsiteX0" fmla="*/ 0 w 6685443"/>
-              <a:gd name="connsiteY0" fmla="*/ 0 h 1815499"/>
-              <a:gd name="connsiteX1" fmla="*/ 601690 w 6685443"/>
-              <a:gd name="connsiteY1" fmla="*/ 0 h 1815499"/>
-              <a:gd name="connsiteX2" fmla="*/ 1069671 w 6685443"/>
-              <a:gd name="connsiteY2" fmla="*/ 0 h 1815499"/>
-              <a:gd name="connsiteX3" fmla="*/ 1871924 w 6685443"/>
-              <a:gd name="connsiteY3" fmla="*/ 0 h 1815499"/>
-              <a:gd name="connsiteX4" fmla="*/ 2473614 w 6685443"/>
-              <a:gd name="connsiteY4" fmla="*/ 0 h 1815499"/>
-              <a:gd name="connsiteX5" fmla="*/ 3075304 w 6685443"/>
-              <a:gd name="connsiteY5" fmla="*/ 0 h 1815499"/>
-              <a:gd name="connsiteX6" fmla="*/ 3877557 w 6685443"/>
-              <a:gd name="connsiteY6" fmla="*/ 0 h 1815499"/>
-              <a:gd name="connsiteX7" fmla="*/ 4412392 w 6685443"/>
-              <a:gd name="connsiteY7" fmla="*/ 0 h 1815499"/>
-              <a:gd name="connsiteX8" fmla="*/ 5214646 w 6685443"/>
-              <a:gd name="connsiteY8" fmla="*/ 0 h 1815499"/>
-              <a:gd name="connsiteX9" fmla="*/ 6016899 w 6685443"/>
-              <a:gd name="connsiteY9" fmla="*/ 0 h 1815499"/>
-              <a:gd name="connsiteX10" fmla="*/ 6685443 w 6685443"/>
-              <a:gd name="connsiteY10" fmla="*/ 0 h 1815499"/>
-              <a:gd name="connsiteX11" fmla="*/ 6685443 w 6685443"/>
-              <a:gd name="connsiteY11" fmla="*/ 641476 h 1815499"/>
-              <a:gd name="connsiteX12" fmla="*/ 6685443 w 6685443"/>
-              <a:gd name="connsiteY12" fmla="*/ 1264798 h 1815499"/>
-              <a:gd name="connsiteX13" fmla="*/ 6685443 w 6685443"/>
-              <a:gd name="connsiteY13" fmla="*/ 1815499 h 1815499"/>
-              <a:gd name="connsiteX14" fmla="*/ 6016899 w 6685443"/>
-              <a:gd name="connsiteY14" fmla="*/ 1815499 h 1815499"/>
-              <a:gd name="connsiteX15" fmla="*/ 5482063 w 6685443"/>
-              <a:gd name="connsiteY15" fmla="*/ 1815499 h 1815499"/>
-              <a:gd name="connsiteX16" fmla="*/ 4813519 w 6685443"/>
-              <a:gd name="connsiteY16" fmla="*/ 1815499 h 1815499"/>
-              <a:gd name="connsiteX17" fmla="*/ 4011266 w 6685443"/>
-              <a:gd name="connsiteY17" fmla="*/ 1815499 h 1815499"/>
-              <a:gd name="connsiteX18" fmla="*/ 3342722 w 6685443"/>
-              <a:gd name="connsiteY18" fmla="*/ 1815499 h 1815499"/>
-              <a:gd name="connsiteX19" fmla="*/ 2874740 w 6685443"/>
-              <a:gd name="connsiteY19" fmla="*/ 1815499 h 1815499"/>
-              <a:gd name="connsiteX20" fmla="*/ 2339905 w 6685443"/>
-              <a:gd name="connsiteY20" fmla="*/ 1815499 h 1815499"/>
-              <a:gd name="connsiteX21" fmla="*/ 1537652 w 6685443"/>
-              <a:gd name="connsiteY21" fmla="*/ 1815499 h 1815499"/>
-              <a:gd name="connsiteX22" fmla="*/ 869108 w 6685443"/>
-              <a:gd name="connsiteY22" fmla="*/ 1815499 h 1815499"/>
-              <a:gd name="connsiteX23" fmla="*/ 0 w 6685443"/>
-              <a:gd name="connsiteY23" fmla="*/ 1815499 h 1815499"/>
-              <a:gd name="connsiteX24" fmla="*/ 0 w 6685443"/>
-              <a:gd name="connsiteY24" fmla="*/ 1210333 h 1815499"/>
-              <a:gd name="connsiteX25" fmla="*/ 0 w 6685443"/>
-              <a:gd name="connsiteY25" fmla="*/ 659631 h 1815499"/>
-              <a:gd name="connsiteX26" fmla="*/ 0 w 6685443"/>
-              <a:gd name="connsiteY26" fmla="*/ 0 h 1815499"/>
+              <a:gd name="connsiteX0" fmla="*/ 0 w 3984158"/>
+              <a:gd name="connsiteY0" fmla="*/ 0 h 1483208"/>
+              <a:gd name="connsiteX1" fmla="*/ 624185 w 3984158"/>
+              <a:gd name="connsiteY1" fmla="*/ 0 h 1483208"/>
+              <a:gd name="connsiteX2" fmla="*/ 1168686 w 3984158"/>
+              <a:gd name="connsiteY2" fmla="*/ 0 h 1483208"/>
+              <a:gd name="connsiteX3" fmla="*/ 1912396 w 3984158"/>
+              <a:gd name="connsiteY3" fmla="*/ 0 h 1483208"/>
+              <a:gd name="connsiteX4" fmla="*/ 2536581 w 3984158"/>
+              <a:gd name="connsiteY4" fmla="*/ 0 h 1483208"/>
+              <a:gd name="connsiteX5" fmla="*/ 3160765 w 3984158"/>
+              <a:gd name="connsiteY5" fmla="*/ 0 h 1483208"/>
+              <a:gd name="connsiteX6" fmla="*/ 3984158 w 3984158"/>
+              <a:gd name="connsiteY6" fmla="*/ 0 h 1483208"/>
+              <a:gd name="connsiteX7" fmla="*/ 3984158 w 3984158"/>
+              <a:gd name="connsiteY7" fmla="*/ 464739 h 1483208"/>
+              <a:gd name="connsiteX8" fmla="*/ 3984158 w 3984158"/>
+              <a:gd name="connsiteY8" fmla="*/ 959141 h 1483208"/>
+              <a:gd name="connsiteX9" fmla="*/ 3984158 w 3984158"/>
+              <a:gd name="connsiteY9" fmla="*/ 1483208 h 1483208"/>
+              <a:gd name="connsiteX10" fmla="*/ 3399815 w 3984158"/>
+              <a:gd name="connsiteY10" fmla="*/ 1483208 h 1483208"/>
+              <a:gd name="connsiteX11" fmla="*/ 2735788 w 3984158"/>
+              <a:gd name="connsiteY11" fmla="*/ 1483208 h 1483208"/>
+              <a:gd name="connsiteX12" fmla="*/ 2111604 w 3984158"/>
+              <a:gd name="connsiteY12" fmla="*/ 1483208 h 1483208"/>
+              <a:gd name="connsiteX13" fmla="*/ 1367894 w 3984158"/>
+              <a:gd name="connsiteY13" fmla="*/ 1483208 h 1483208"/>
+              <a:gd name="connsiteX14" fmla="*/ 624185 w 3984158"/>
+              <a:gd name="connsiteY14" fmla="*/ 1483208 h 1483208"/>
+              <a:gd name="connsiteX15" fmla="*/ 0 w 3984158"/>
+              <a:gd name="connsiteY15" fmla="*/ 1483208 h 1483208"/>
+              <a:gd name="connsiteX16" fmla="*/ 0 w 3984158"/>
+              <a:gd name="connsiteY16" fmla="*/ 988805 h 1483208"/>
+              <a:gd name="connsiteX17" fmla="*/ 0 w 3984158"/>
+              <a:gd name="connsiteY17" fmla="*/ 509235 h 1483208"/>
+              <a:gd name="connsiteX18" fmla="*/ 0 w 3984158"/>
+              <a:gd name="connsiteY18" fmla="*/ 0 h 1483208"/>
             </a:gdLst>
             <a:ahLst/>
             <a:cxnLst>
@@ -13263,165 +13261,101 @@
               <a:cxn ang="0">
                 <a:pos x="connsiteX18" y="connsiteY18"/>
               </a:cxn>
-              <a:cxn ang="0">
-                <a:pos x="connsiteX19" y="connsiteY19"/>
-              </a:cxn>
-              <a:cxn ang="0">
-                <a:pos x="connsiteX20" y="connsiteY20"/>
-              </a:cxn>
-              <a:cxn ang="0">
-                <a:pos x="connsiteX21" y="connsiteY21"/>
-              </a:cxn>
-              <a:cxn ang="0">
-                <a:pos x="connsiteX22" y="connsiteY22"/>
-              </a:cxn>
-              <a:cxn ang="0">
-                <a:pos x="connsiteX23" y="connsiteY23"/>
-              </a:cxn>
-              <a:cxn ang="0">
-                <a:pos x="connsiteX24" y="connsiteY24"/>
-              </a:cxn>
-              <a:cxn ang="0">
-                <a:pos x="connsiteX25" y="connsiteY25"/>
-              </a:cxn>
-              <a:cxn ang="0">
-                <a:pos x="connsiteX26" y="connsiteY26"/>
-              </a:cxn>
             </a:cxnLst>
             <a:rect l="l" t="t" r="r" b="b"/>
             <a:pathLst>
-              <a:path w="6685443" h="1815499" extrusionOk="0">
+              <a:path w="3984158" h="1483208" extrusionOk="0">
                 <a:moveTo>
                   <a:pt x="0" y="0"/>
                 </a:moveTo>
                 <a:cubicBezTo>
-                  <a:pt x="197687" y="5421"/>
-                  <a:pt x="392637" y="-27165"/>
-                  <a:pt x="601690" y="0"/>
-                </a:cubicBezTo>
-                <a:cubicBezTo>
-                  <a:pt x="810743" y="27165"/>
-                  <a:pt x="967174" y="20034"/>
-                  <a:pt x="1069671" y="0"/>
-                </a:cubicBezTo>
-                <a:cubicBezTo>
-                  <a:pt x="1172168" y="-20034"/>
-                  <a:pt x="1481114" y="26288"/>
-                  <a:pt x="1871924" y="0"/>
-                </a:cubicBezTo>
-                <a:cubicBezTo>
-                  <a:pt x="2262734" y="-26288"/>
-                  <a:pt x="2275646" y="9816"/>
-                  <a:pt x="2473614" y="0"/>
-                </a:cubicBezTo>
-                <a:cubicBezTo>
-                  <a:pt x="2671582" y="-9816"/>
-                  <a:pt x="2837715" y="-16866"/>
-                  <a:pt x="3075304" y="0"/>
-                </a:cubicBezTo>
-                <a:cubicBezTo>
-                  <a:pt x="3312893" y="16866"/>
-                  <a:pt x="3565082" y="13656"/>
-                  <a:pt x="3877557" y="0"/>
-                </a:cubicBezTo>
-                <a:cubicBezTo>
-                  <a:pt x="4190032" y="-13656"/>
-                  <a:pt x="4275680" y="23045"/>
-                  <a:pt x="4412392" y="0"/>
-                </a:cubicBezTo>
-                <a:cubicBezTo>
-                  <a:pt x="4549105" y="-23045"/>
-                  <a:pt x="4974381" y="13533"/>
-                  <a:pt x="5214646" y="0"/>
-                </a:cubicBezTo>
-                <a:cubicBezTo>
-                  <a:pt x="5454911" y="-13533"/>
-                  <a:pt x="5621382" y="6072"/>
-                  <a:pt x="6016899" y="0"/>
-                </a:cubicBezTo>
-                <a:cubicBezTo>
-                  <a:pt x="6412416" y="-6072"/>
-                  <a:pt x="6368099" y="-22480"/>
-                  <a:pt x="6685443" y="0"/>
-                </a:cubicBezTo>
-                <a:cubicBezTo>
-                  <a:pt x="6675060" y="141143"/>
-                  <a:pt x="6688790" y="422707"/>
-                  <a:pt x="6685443" y="641476"/>
-                </a:cubicBezTo>
-                <a:cubicBezTo>
-                  <a:pt x="6682096" y="860245"/>
-                  <a:pt x="6676921" y="1110529"/>
-                  <a:pt x="6685443" y="1264798"/>
-                </a:cubicBezTo>
-                <a:cubicBezTo>
-                  <a:pt x="6693965" y="1419067"/>
-                  <a:pt x="6712438" y="1626237"/>
-                  <a:pt x="6685443" y="1815499"/>
-                </a:cubicBezTo>
-                <a:cubicBezTo>
-                  <a:pt x="6531485" y="1826631"/>
-                  <a:pt x="6258288" y="1826162"/>
-                  <a:pt x="6016899" y="1815499"/>
-                </a:cubicBezTo>
-                <a:cubicBezTo>
-                  <a:pt x="5775510" y="1804836"/>
-                  <a:pt x="5635687" y="1808580"/>
-                  <a:pt x="5482063" y="1815499"/>
-                </a:cubicBezTo>
-                <a:cubicBezTo>
-                  <a:pt x="5328439" y="1822418"/>
-                  <a:pt x="4969533" y="1798322"/>
-                  <a:pt x="4813519" y="1815499"/>
-                </a:cubicBezTo>
-                <a:cubicBezTo>
-                  <a:pt x="4657505" y="1832676"/>
-                  <a:pt x="4277484" y="1797792"/>
-                  <a:pt x="4011266" y="1815499"/>
-                </a:cubicBezTo>
-                <a:cubicBezTo>
-                  <a:pt x="3745048" y="1833206"/>
-                  <a:pt x="3503887" y="1798854"/>
-                  <a:pt x="3342722" y="1815499"/>
-                </a:cubicBezTo>
-                <a:cubicBezTo>
-                  <a:pt x="3181557" y="1832144"/>
-                  <a:pt x="3094655" y="1808958"/>
-                  <a:pt x="2874740" y="1815499"/>
-                </a:cubicBezTo>
-                <a:cubicBezTo>
-                  <a:pt x="2654825" y="1822040"/>
-                  <a:pt x="2552356" y="1810430"/>
-                  <a:pt x="2339905" y="1815499"/>
-                </a:cubicBezTo>
-                <a:cubicBezTo>
-                  <a:pt x="2127454" y="1820568"/>
-                  <a:pt x="1825409" y="1807327"/>
-                  <a:pt x="1537652" y="1815499"/>
-                </a:cubicBezTo>
-                <a:cubicBezTo>
-                  <a:pt x="1249895" y="1823671"/>
-                  <a:pt x="1086879" y="1834794"/>
-                  <a:pt x="869108" y="1815499"/>
-                </a:cubicBezTo>
-                <a:cubicBezTo>
-                  <a:pt x="651337" y="1796204"/>
-                  <a:pt x="264417" y="1828267"/>
-                  <a:pt x="0" y="1815499"/>
-                </a:cubicBezTo>
-                <a:cubicBezTo>
-                  <a:pt x="8313" y="1520428"/>
-                  <a:pt x="-1936" y="1449694"/>
-                  <a:pt x="0" y="1210333"/>
-                </a:cubicBezTo>
-                <a:cubicBezTo>
-                  <a:pt x="1936" y="970972"/>
-                  <a:pt x="16209" y="905402"/>
-                  <a:pt x="0" y="659631"/>
-                </a:cubicBezTo>
-                <a:cubicBezTo>
-                  <a:pt x="-16209" y="413860"/>
-                  <a:pt x="-15680" y="309233"/>
+                  <a:pt x="183423" y="18876"/>
+                  <a:pt x="387432" y="11885"/>
+                  <a:pt x="624185" y="0"/>
+                </a:cubicBezTo>
+                <a:cubicBezTo>
+                  <a:pt x="860939" y="-11885"/>
+                  <a:pt x="1054606" y="-18463"/>
+                  <a:pt x="1168686" y="0"/>
+                </a:cubicBezTo>
+                <a:cubicBezTo>
+                  <a:pt x="1282766" y="18463"/>
+                  <a:pt x="1693901" y="35828"/>
+                  <a:pt x="1912396" y="0"/>
+                </a:cubicBezTo>
+                <a:cubicBezTo>
+                  <a:pt x="2130891" y="-35828"/>
+                  <a:pt x="2399161" y="-14960"/>
+                  <a:pt x="2536581" y="0"/>
+                </a:cubicBezTo>
+                <a:cubicBezTo>
+                  <a:pt x="2674002" y="14960"/>
+                  <a:pt x="2930878" y="25357"/>
+                  <a:pt x="3160765" y="0"/>
+                </a:cubicBezTo>
+                <a:cubicBezTo>
+                  <a:pt x="3390652" y="-25357"/>
+                  <a:pt x="3618233" y="22549"/>
+                  <a:pt x="3984158" y="0"/>
+                </a:cubicBezTo>
+                <a:cubicBezTo>
+                  <a:pt x="3984038" y="195374"/>
+                  <a:pt x="3982039" y="245726"/>
+                  <a:pt x="3984158" y="464739"/>
+                </a:cubicBezTo>
+                <a:cubicBezTo>
+                  <a:pt x="3986277" y="683752"/>
+                  <a:pt x="3968175" y="738445"/>
+                  <a:pt x="3984158" y="959141"/>
+                </a:cubicBezTo>
+                <a:cubicBezTo>
+                  <a:pt x="4000141" y="1179837"/>
+                  <a:pt x="4006929" y="1289598"/>
+                  <a:pt x="3984158" y="1483208"/>
+                </a:cubicBezTo>
+                <a:cubicBezTo>
+                  <a:pt x="3803422" y="1507410"/>
+                  <a:pt x="3621945" y="1507539"/>
+                  <a:pt x="3399815" y="1483208"/>
+                </a:cubicBezTo>
+                <a:cubicBezTo>
+                  <a:pt x="3177685" y="1458877"/>
+                  <a:pt x="2949391" y="1453742"/>
+                  <a:pt x="2735788" y="1483208"/>
+                </a:cubicBezTo>
+                <a:cubicBezTo>
+                  <a:pt x="2522185" y="1512674"/>
+                  <a:pt x="2346462" y="1470132"/>
+                  <a:pt x="2111604" y="1483208"/>
+                </a:cubicBezTo>
+                <a:cubicBezTo>
+                  <a:pt x="1876746" y="1496284"/>
+                  <a:pt x="1574870" y="1492723"/>
+                  <a:pt x="1367894" y="1483208"/>
+                </a:cubicBezTo>
+                <a:cubicBezTo>
+                  <a:pt x="1160918" y="1473694"/>
+                  <a:pt x="788357" y="1457438"/>
+                  <a:pt x="624185" y="1483208"/>
+                </a:cubicBezTo>
+                <a:cubicBezTo>
+                  <a:pt x="460013" y="1508978"/>
+                  <a:pt x="282889" y="1481339"/>
+                  <a:pt x="0" y="1483208"/>
+                </a:cubicBezTo>
+                <a:cubicBezTo>
+                  <a:pt x="24368" y="1316907"/>
+                  <a:pt x="-24567" y="1129752"/>
+                  <a:pt x="0" y="988805"/>
+                </a:cubicBezTo>
+                <a:cubicBezTo>
+                  <a:pt x="24567" y="847858"/>
+                  <a:pt x="2696" y="683175"/>
+                  <a:pt x="0" y="509235"/>
+                </a:cubicBezTo>
+                <a:cubicBezTo>
+                  <a:pt x="-2696" y="335295"/>
+                  <a:pt x="22160" y="109840"/>
                   <a:pt x="0" y="0"/>
                 </a:cubicBezTo>
                 <a:close/>
@@ -13665,6 +13599,44 @@
               <a:rPr lang="en-US" dirty="0"/>
               <a:t>./hello-world</a:t>
             </a:r>
+          </a:p>
+        </p:txBody>
+      </p:sp>
+      <p:sp>
+        <p:nvSpPr>
+          <p:cNvPr id="3" name="TextBox 2">
+            <a:extLst>
+              <a:ext uri="{FF2B5EF4-FFF2-40B4-BE49-F238E27FC236}">
+                <a16:creationId xmlns:a16="http://schemas.microsoft.com/office/drawing/2014/main" id="{CCA0A3CC-AF6B-1EF9-4D6D-4995DE07A3A3}"/>
+              </a:ext>
+            </a:extLst>
+          </p:cNvPr>
+          <p:cNvSpPr txBox="1"/>
+          <p:nvPr/>
+        </p:nvSpPr>
+        <p:spPr>
+          <a:xfrm>
+            <a:off x="156485" y="224498"/>
+            <a:ext cx="4829319" cy="369332"/>
+          </a:xfrm>
+          <a:prstGeom prst="rect">
+            <a:avLst/>
+          </a:prstGeom>
+          <a:noFill/>
+        </p:spPr>
+        <p:txBody>
+          <a:bodyPr wrap="square">
+            <a:spAutoFit/>
+          </a:bodyPr>
+          <a:lstStyle/>
+          <a:p>
+            <a:r>
+              <a:rPr lang="en-US" dirty="0">
+                <a:latin typeface="Gaegu" pitchFamily="2" charset="0"/>
+              </a:rPr>
+              <a:t>Program Execution and Sequence</a:t>
+            </a:r>
+            <a:endParaRPr lang="en-US" b="1" dirty="0"/>
           </a:p>
         </p:txBody>
       </p:sp>
@@ -15085,7 +15057,13 @@
               <a:buAutoNum type="arabicPeriod"/>
             </a:pPr>
             <a:r>
-              <a:rPr lang="en-US" dirty="0"/>
+              <a:rPr lang="en-US" dirty="0">
+                <a:solidFill>
+                  <a:schemeClr val="bg1">
+                    <a:lumMod val="65000"/>
+                  </a:schemeClr>
+                </a:solidFill>
+              </a:rPr>
               <a:t>1001</a:t>
             </a:r>
           </a:p>
@@ -15105,7 +15083,13 @@
               <a:buAutoNum type="arabicPeriod"/>
             </a:pPr>
             <a:r>
-              <a:rPr lang="en-US" dirty="0"/>
+              <a:rPr lang="en-US" dirty="0">
+                <a:solidFill>
+                  <a:schemeClr val="bg1">
+                    <a:lumMod val="65000"/>
+                  </a:schemeClr>
+                </a:solidFill>
+              </a:rPr>
               <a:t>1010</a:t>
             </a:r>
           </a:p>
@@ -15115,7 +15099,13 @@
               <a:buAutoNum type="arabicPeriod"/>
             </a:pPr>
             <a:r>
-              <a:rPr lang="en-US" dirty="0"/>
+              <a:rPr lang="en-US" dirty="0">
+                <a:solidFill>
+                  <a:schemeClr val="bg1">
+                    <a:lumMod val="65000"/>
+                  </a:schemeClr>
+                </a:solidFill>
+              </a:rPr>
               <a:t>1101</a:t>
             </a:r>
           </a:p>
@@ -15125,7 +15115,13 @@
               <a:buAutoNum type="arabicPeriod"/>
             </a:pPr>
             <a:r>
-              <a:rPr lang="en-US" dirty="0"/>
+              <a:rPr lang="en-US" dirty="0">
+                <a:solidFill>
+                  <a:schemeClr val="bg1">
+                    <a:lumMod val="65000"/>
+                  </a:schemeClr>
+                </a:solidFill>
+              </a:rPr>
               <a:t>1111</a:t>
             </a:r>
           </a:p>
@@ -15135,7 +15131,13 @@
               <a:buAutoNum type="arabicPeriod"/>
             </a:pPr>
             <a:r>
-              <a:rPr lang="en-US" dirty="0"/>
+              <a:rPr lang="en-US" dirty="0">
+                <a:solidFill>
+                  <a:schemeClr val="bg1">
+                    <a:lumMod val="65000"/>
+                  </a:schemeClr>
+                </a:solidFill>
+              </a:rPr>
               <a:t>1001</a:t>
             </a:r>
           </a:p>
@@ -15819,60 +15821,44 @@
           <a:custGeom>
             <a:avLst/>
             <a:gdLst>
-              <a:gd name="connsiteX0" fmla="*/ 0 w 6685443"/>
-              <a:gd name="connsiteY0" fmla="*/ 0 h 1815499"/>
-              <a:gd name="connsiteX1" fmla="*/ 601690 w 6685443"/>
-              <a:gd name="connsiteY1" fmla="*/ 0 h 1815499"/>
-              <a:gd name="connsiteX2" fmla="*/ 1069671 w 6685443"/>
-              <a:gd name="connsiteY2" fmla="*/ 0 h 1815499"/>
-              <a:gd name="connsiteX3" fmla="*/ 1871924 w 6685443"/>
-              <a:gd name="connsiteY3" fmla="*/ 0 h 1815499"/>
-              <a:gd name="connsiteX4" fmla="*/ 2473614 w 6685443"/>
-              <a:gd name="connsiteY4" fmla="*/ 0 h 1815499"/>
-              <a:gd name="connsiteX5" fmla="*/ 3075304 w 6685443"/>
-              <a:gd name="connsiteY5" fmla="*/ 0 h 1815499"/>
-              <a:gd name="connsiteX6" fmla="*/ 3877557 w 6685443"/>
-              <a:gd name="connsiteY6" fmla="*/ 0 h 1815499"/>
-              <a:gd name="connsiteX7" fmla="*/ 4412392 w 6685443"/>
-              <a:gd name="connsiteY7" fmla="*/ 0 h 1815499"/>
-              <a:gd name="connsiteX8" fmla="*/ 5214646 w 6685443"/>
-              <a:gd name="connsiteY8" fmla="*/ 0 h 1815499"/>
-              <a:gd name="connsiteX9" fmla="*/ 6016899 w 6685443"/>
-              <a:gd name="connsiteY9" fmla="*/ 0 h 1815499"/>
-              <a:gd name="connsiteX10" fmla="*/ 6685443 w 6685443"/>
-              <a:gd name="connsiteY10" fmla="*/ 0 h 1815499"/>
-              <a:gd name="connsiteX11" fmla="*/ 6685443 w 6685443"/>
-              <a:gd name="connsiteY11" fmla="*/ 641476 h 1815499"/>
-              <a:gd name="connsiteX12" fmla="*/ 6685443 w 6685443"/>
-              <a:gd name="connsiteY12" fmla="*/ 1264798 h 1815499"/>
-              <a:gd name="connsiteX13" fmla="*/ 6685443 w 6685443"/>
-              <a:gd name="connsiteY13" fmla="*/ 1815499 h 1815499"/>
-              <a:gd name="connsiteX14" fmla="*/ 6016899 w 6685443"/>
-              <a:gd name="connsiteY14" fmla="*/ 1815499 h 1815499"/>
-              <a:gd name="connsiteX15" fmla="*/ 5482063 w 6685443"/>
-              <a:gd name="connsiteY15" fmla="*/ 1815499 h 1815499"/>
-              <a:gd name="connsiteX16" fmla="*/ 4813519 w 6685443"/>
-              <a:gd name="connsiteY16" fmla="*/ 1815499 h 1815499"/>
-              <a:gd name="connsiteX17" fmla="*/ 4011266 w 6685443"/>
-              <a:gd name="connsiteY17" fmla="*/ 1815499 h 1815499"/>
-              <a:gd name="connsiteX18" fmla="*/ 3342722 w 6685443"/>
-              <a:gd name="connsiteY18" fmla="*/ 1815499 h 1815499"/>
-              <a:gd name="connsiteX19" fmla="*/ 2874740 w 6685443"/>
-              <a:gd name="connsiteY19" fmla="*/ 1815499 h 1815499"/>
-              <a:gd name="connsiteX20" fmla="*/ 2339905 w 6685443"/>
-              <a:gd name="connsiteY20" fmla="*/ 1815499 h 1815499"/>
-              <a:gd name="connsiteX21" fmla="*/ 1537652 w 6685443"/>
-              <a:gd name="connsiteY21" fmla="*/ 1815499 h 1815499"/>
-              <a:gd name="connsiteX22" fmla="*/ 869108 w 6685443"/>
-              <a:gd name="connsiteY22" fmla="*/ 1815499 h 1815499"/>
-              <a:gd name="connsiteX23" fmla="*/ 0 w 6685443"/>
-              <a:gd name="connsiteY23" fmla="*/ 1815499 h 1815499"/>
-              <a:gd name="connsiteX24" fmla="*/ 0 w 6685443"/>
-              <a:gd name="connsiteY24" fmla="*/ 1210333 h 1815499"/>
-              <a:gd name="connsiteX25" fmla="*/ 0 w 6685443"/>
-              <a:gd name="connsiteY25" fmla="*/ 659631 h 1815499"/>
-              <a:gd name="connsiteX26" fmla="*/ 0 w 6685443"/>
-              <a:gd name="connsiteY26" fmla="*/ 0 h 1815499"/>
+              <a:gd name="connsiteX0" fmla="*/ 0 w 3984158"/>
+              <a:gd name="connsiteY0" fmla="*/ 0 h 1483208"/>
+              <a:gd name="connsiteX1" fmla="*/ 624185 w 3984158"/>
+              <a:gd name="connsiteY1" fmla="*/ 0 h 1483208"/>
+              <a:gd name="connsiteX2" fmla="*/ 1168686 w 3984158"/>
+              <a:gd name="connsiteY2" fmla="*/ 0 h 1483208"/>
+              <a:gd name="connsiteX3" fmla="*/ 1912396 w 3984158"/>
+              <a:gd name="connsiteY3" fmla="*/ 0 h 1483208"/>
+              <a:gd name="connsiteX4" fmla="*/ 2536581 w 3984158"/>
+              <a:gd name="connsiteY4" fmla="*/ 0 h 1483208"/>
+              <a:gd name="connsiteX5" fmla="*/ 3160765 w 3984158"/>
+              <a:gd name="connsiteY5" fmla="*/ 0 h 1483208"/>
+              <a:gd name="connsiteX6" fmla="*/ 3984158 w 3984158"/>
+              <a:gd name="connsiteY6" fmla="*/ 0 h 1483208"/>
+              <a:gd name="connsiteX7" fmla="*/ 3984158 w 3984158"/>
+              <a:gd name="connsiteY7" fmla="*/ 464739 h 1483208"/>
+              <a:gd name="connsiteX8" fmla="*/ 3984158 w 3984158"/>
+              <a:gd name="connsiteY8" fmla="*/ 959141 h 1483208"/>
+              <a:gd name="connsiteX9" fmla="*/ 3984158 w 3984158"/>
+              <a:gd name="connsiteY9" fmla="*/ 1483208 h 1483208"/>
+              <a:gd name="connsiteX10" fmla="*/ 3399815 w 3984158"/>
+              <a:gd name="connsiteY10" fmla="*/ 1483208 h 1483208"/>
+              <a:gd name="connsiteX11" fmla="*/ 2735788 w 3984158"/>
+              <a:gd name="connsiteY11" fmla="*/ 1483208 h 1483208"/>
+              <a:gd name="connsiteX12" fmla="*/ 2111604 w 3984158"/>
+              <a:gd name="connsiteY12" fmla="*/ 1483208 h 1483208"/>
+              <a:gd name="connsiteX13" fmla="*/ 1367894 w 3984158"/>
+              <a:gd name="connsiteY13" fmla="*/ 1483208 h 1483208"/>
+              <a:gd name="connsiteX14" fmla="*/ 624185 w 3984158"/>
+              <a:gd name="connsiteY14" fmla="*/ 1483208 h 1483208"/>
+              <a:gd name="connsiteX15" fmla="*/ 0 w 3984158"/>
+              <a:gd name="connsiteY15" fmla="*/ 1483208 h 1483208"/>
+              <a:gd name="connsiteX16" fmla="*/ 0 w 3984158"/>
+              <a:gd name="connsiteY16" fmla="*/ 988805 h 1483208"/>
+              <a:gd name="connsiteX17" fmla="*/ 0 w 3984158"/>
+              <a:gd name="connsiteY17" fmla="*/ 509235 h 1483208"/>
+              <a:gd name="connsiteX18" fmla="*/ 0 w 3984158"/>
+              <a:gd name="connsiteY18" fmla="*/ 0 h 1483208"/>
             </a:gdLst>
             <a:ahLst/>
             <a:cxnLst>
@@ -15933,165 +15919,101 @@
               <a:cxn ang="0">
                 <a:pos x="connsiteX18" y="connsiteY18"/>
               </a:cxn>
-              <a:cxn ang="0">
-                <a:pos x="connsiteX19" y="connsiteY19"/>
-              </a:cxn>
-              <a:cxn ang="0">
-                <a:pos x="connsiteX20" y="connsiteY20"/>
-              </a:cxn>
-              <a:cxn ang="0">
-                <a:pos x="connsiteX21" y="connsiteY21"/>
-              </a:cxn>
-              <a:cxn ang="0">
-                <a:pos x="connsiteX22" y="connsiteY22"/>
-              </a:cxn>
-              <a:cxn ang="0">
-                <a:pos x="connsiteX23" y="connsiteY23"/>
-              </a:cxn>
-              <a:cxn ang="0">
-                <a:pos x="connsiteX24" y="connsiteY24"/>
-              </a:cxn>
-              <a:cxn ang="0">
-                <a:pos x="connsiteX25" y="connsiteY25"/>
-              </a:cxn>
-              <a:cxn ang="0">
-                <a:pos x="connsiteX26" y="connsiteY26"/>
-              </a:cxn>
             </a:cxnLst>
             <a:rect l="l" t="t" r="r" b="b"/>
             <a:pathLst>
-              <a:path w="6685443" h="1815499" extrusionOk="0">
+              <a:path w="3984158" h="1483208" extrusionOk="0">
                 <a:moveTo>
                   <a:pt x="0" y="0"/>
                 </a:moveTo>
                 <a:cubicBezTo>
-                  <a:pt x="197687" y="5421"/>
-                  <a:pt x="392637" y="-27165"/>
-                  <a:pt x="601690" y="0"/>
-                </a:cubicBezTo>
-                <a:cubicBezTo>
-                  <a:pt x="810743" y="27165"/>
-                  <a:pt x="967174" y="20034"/>
-                  <a:pt x="1069671" y="0"/>
-                </a:cubicBezTo>
-                <a:cubicBezTo>
-                  <a:pt x="1172168" y="-20034"/>
-                  <a:pt x="1481114" y="26288"/>
-                  <a:pt x="1871924" y="0"/>
-                </a:cubicBezTo>
-                <a:cubicBezTo>
-                  <a:pt x="2262734" y="-26288"/>
-                  <a:pt x="2275646" y="9816"/>
-                  <a:pt x="2473614" y="0"/>
-                </a:cubicBezTo>
-                <a:cubicBezTo>
-                  <a:pt x="2671582" y="-9816"/>
-                  <a:pt x="2837715" y="-16866"/>
-                  <a:pt x="3075304" y="0"/>
-                </a:cubicBezTo>
-                <a:cubicBezTo>
-                  <a:pt x="3312893" y="16866"/>
-                  <a:pt x="3565082" y="13656"/>
-                  <a:pt x="3877557" y="0"/>
-                </a:cubicBezTo>
-                <a:cubicBezTo>
-                  <a:pt x="4190032" y="-13656"/>
-                  <a:pt x="4275680" y="23045"/>
-                  <a:pt x="4412392" y="0"/>
-                </a:cubicBezTo>
-                <a:cubicBezTo>
-                  <a:pt x="4549105" y="-23045"/>
-                  <a:pt x="4974381" y="13533"/>
-                  <a:pt x="5214646" y="0"/>
-                </a:cubicBezTo>
-                <a:cubicBezTo>
-                  <a:pt x="5454911" y="-13533"/>
-                  <a:pt x="5621382" y="6072"/>
-                  <a:pt x="6016899" y="0"/>
-                </a:cubicBezTo>
-                <a:cubicBezTo>
-                  <a:pt x="6412416" y="-6072"/>
-                  <a:pt x="6368099" y="-22480"/>
-                  <a:pt x="6685443" y="0"/>
-                </a:cubicBezTo>
-                <a:cubicBezTo>
-                  <a:pt x="6675060" y="141143"/>
-                  <a:pt x="6688790" y="422707"/>
-                  <a:pt x="6685443" y="641476"/>
-                </a:cubicBezTo>
-                <a:cubicBezTo>
-                  <a:pt x="6682096" y="860245"/>
-                  <a:pt x="6676921" y="1110529"/>
-                  <a:pt x="6685443" y="1264798"/>
-                </a:cubicBezTo>
-                <a:cubicBezTo>
-                  <a:pt x="6693965" y="1419067"/>
-                  <a:pt x="6712438" y="1626237"/>
-                  <a:pt x="6685443" y="1815499"/>
-                </a:cubicBezTo>
-                <a:cubicBezTo>
-                  <a:pt x="6531485" y="1826631"/>
-                  <a:pt x="6258288" y="1826162"/>
-                  <a:pt x="6016899" y="1815499"/>
-                </a:cubicBezTo>
-                <a:cubicBezTo>
-                  <a:pt x="5775510" y="1804836"/>
-                  <a:pt x="5635687" y="1808580"/>
-                  <a:pt x="5482063" y="1815499"/>
-                </a:cubicBezTo>
-                <a:cubicBezTo>
-                  <a:pt x="5328439" y="1822418"/>
-                  <a:pt x="4969533" y="1798322"/>
-                  <a:pt x="4813519" y="1815499"/>
-                </a:cubicBezTo>
-                <a:cubicBezTo>
-                  <a:pt x="4657505" y="1832676"/>
-                  <a:pt x="4277484" y="1797792"/>
-                  <a:pt x="4011266" y="1815499"/>
-                </a:cubicBezTo>
-                <a:cubicBezTo>
-                  <a:pt x="3745048" y="1833206"/>
-                  <a:pt x="3503887" y="1798854"/>
-                  <a:pt x="3342722" y="1815499"/>
-                </a:cubicBezTo>
-                <a:cubicBezTo>
-                  <a:pt x="3181557" y="1832144"/>
-                  <a:pt x="3094655" y="1808958"/>
-                  <a:pt x="2874740" y="1815499"/>
-                </a:cubicBezTo>
-                <a:cubicBezTo>
-                  <a:pt x="2654825" y="1822040"/>
-                  <a:pt x="2552356" y="1810430"/>
-                  <a:pt x="2339905" y="1815499"/>
-                </a:cubicBezTo>
-                <a:cubicBezTo>
-                  <a:pt x="2127454" y="1820568"/>
-                  <a:pt x="1825409" y="1807327"/>
-                  <a:pt x="1537652" y="1815499"/>
-                </a:cubicBezTo>
-                <a:cubicBezTo>
-                  <a:pt x="1249895" y="1823671"/>
-                  <a:pt x="1086879" y="1834794"/>
-                  <a:pt x="869108" y="1815499"/>
-                </a:cubicBezTo>
-                <a:cubicBezTo>
-                  <a:pt x="651337" y="1796204"/>
-                  <a:pt x="264417" y="1828267"/>
-                  <a:pt x="0" y="1815499"/>
-                </a:cubicBezTo>
-                <a:cubicBezTo>
-                  <a:pt x="8313" y="1520428"/>
-                  <a:pt x="-1936" y="1449694"/>
-                  <a:pt x="0" y="1210333"/>
-                </a:cubicBezTo>
-                <a:cubicBezTo>
-                  <a:pt x="1936" y="970972"/>
-                  <a:pt x="16209" y="905402"/>
-                  <a:pt x="0" y="659631"/>
-                </a:cubicBezTo>
-                <a:cubicBezTo>
-                  <a:pt x="-16209" y="413860"/>
-                  <a:pt x="-15680" y="309233"/>
+                  <a:pt x="183423" y="18876"/>
+                  <a:pt x="387432" y="11885"/>
+                  <a:pt x="624185" y="0"/>
+                </a:cubicBezTo>
+                <a:cubicBezTo>
+                  <a:pt x="860939" y="-11885"/>
+                  <a:pt x="1054606" y="-18463"/>
+                  <a:pt x="1168686" y="0"/>
+                </a:cubicBezTo>
+                <a:cubicBezTo>
+                  <a:pt x="1282766" y="18463"/>
+                  <a:pt x="1693901" y="35828"/>
+                  <a:pt x="1912396" y="0"/>
+                </a:cubicBezTo>
+                <a:cubicBezTo>
+                  <a:pt x="2130891" y="-35828"/>
+                  <a:pt x="2399161" y="-14960"/>
+                  <a:pt x="2536581" y="0"/>
+                </a:cubicBezTo>
+                <a:cubicBezTo>
+                  <a:pt x="2674002" y="14960"/>
+                  <a:pt x="2930878" y="25357"/>
+                  <a:pt x="3160765" y="0"/>
+                </a:cubicBezTo>
+                <a:cubicBezTo>
+                  <a:pt x="3390652" y="-25357"/>
+                  <a:pt x="3618233" y="22549"/>
+                  <a:pt x="3984158" y="0"/>
+                </a:cubicBezTo>
+                <a:cubicBezTo>
+                  <a:pt x="3984038" y="195374"/>
+                  <a:pt x="3982039" y="245726"/>
+                  <a:pt x="3984158" y="464739"/>
+                </a:cubicBezTo>
+                <a:cubicBezTo>
+                  <a:pt x="3986277" y="683752"/>
+                  <a:pt x="3968175" y="738445"/>
+                  <a:pt x="3984158" y="959141"/>
+                </a:cubicBezTo>
+                <a:cubicBezTo>
+                  <a:pt x="4000141" y="1179837"/>
+                  <a:pt x="4006929" y="1289598"/>
+                  <a:pt x="3984158" y="1483208"/>
+                </a:cubicBezTo>
+                <a:cubicBezTo>
+                  <a:pt x="3803422" y="1507410"/>
+                  <a:pt x="3621945" y="1507539"/>
+                  <a:pt x="3399815" y="1483208"/>
+                </a:cubicBezTo>
+                <a:cubicBezTo>
+                  <a:pt x="3177685" y="1458877"/>
+                  <a:pt x="2949391" y="1453742"/>
+                  <a:pt x="2735788" y="1483208"/>
+                </a:cubicBezTo>
+                <a:cubicBezTo>
+                  <a:pt x="2522185" y="1512674"/>
+                  <a:pt x="2346462" y="1470132"/>
+                  <a:pt x="2111604" y="1483208"/>
+                </a:cubicBezTo>
+                <a:cubicBezTo>
+                  <a:pt x="1876746" y="1496284"/>
+                  <a:pt x="1574870" y="1492723"/>
+                  <a:pt x="1367894" y="1483208"/>
+                </a:cubicBezTo>
+                <a:cubicBezTo>
+                  <a:pt x="1160918" y="1473694"/>
+                  <a:pt x="788357" y="1457438"/>
+                  <a:pt x="624185" y="1483208"/>
+                </a:cubicBezTo>
+                <a:cubicBezTo>
+                  <a:pt x="460013" y="1508978"/>
+                  <a:pt x="282889" y="1481339"/>
+                  <a:pt x="0" y="1483208"/>
+                </a:cubicBezTo>
+                <a:cubicBezTo>
+                  <a:pt x="24368" y="1316907"/>
+                  <a:pt x="-24567" y="1129752"/>
+                  <a:pt x="0" y="988805"/>
+                </a:cubicBezTo>
+                <a:cubicBezTo>
+                  <a:pt x="24567" y="847858"/>
+                  <a:pt x="2696" y="683175"/>
+                  <a:pt x="0" y="509235"/>
+                </a:cubicBezTo>
+                <a:cubicBezTo>
+                  <a:pt x="-2696" y="335295"/>
+                  <a:pt x="22160" y="109840"/>
                   <a:pt x="0" y="0"/>
                 </a:cubicBezTo>
                 <a:close/>
@@ -16335,6 +16257,44 @@
               <a:rPr lang="en-US" dirty="0"/>
               <a:t>./hello-world</a:t>
             </a:r>
+          </a:p>
+        </p:txBody>
+      </p:sp>
+      <p:sp>
+        <p:nvSpPr>
+          <p:cNvPr id="3" name="TextBox 2">
+            <a:extLst>
+              <a:ext uri="{FF2B5EF4-FFF2-40B4-BE49-F238E27FC236}">
+                <a16:creationId xmlns:a16="http://schemas.microsoft.com/office/drawing/2014/main" id="{DE92BC4B-B002-C873-B4A1-C94250CC1377}"/>
+              </a:ext>
+            </a:extLst>
+          </p:cNvPr>
+          <p:cNvSpPr txBox="1"/>
+          <p:nvPr/>
+        </p:nvSpPr>
+        <p:spPr>
+          <a:xfrm>
+            <a:off x="156485" y="224498"/>
+            <a:ext cx="4829319" cy="369332"/>
+          </a:xfrm>
+          <a:prstGeom prst="rect">
+            <a:avLst/>
+          </a:prstGeom>
+          <a:noFill/>
+        </p:spPr>
+        <p:txBody>
+          <a:bodyPr wrap="square">
+            <a:spAutoFit/>
+          </a:bodyPr>
+          <a:lstStyle/>
+          <a:p>
+            <a:r>
+              <a:rPr lang="en-US" dirty="0">
+                <a:latin typeface="Gaegu" pitchFamily="2" charset="0"/>
+              </a:rPr>
+              <a:t>Program Execution and Sequence</a:t>
+            </a:r>
+            <a:endParaRPr lang="en-US" b="1" dirty="0"/>
           </a:p>
         </p:txBody>
       </p:sp>
@@ -17755,7 +17715,13 @@
               <a:buAutoNum type="arabicPeriod"/>
             </a:pPr>
             <a:r>
-              <a:rPr lang="en-US" dirty="0"/>
+              <a:rPr lang="en-US" dirty="0">
+                <a:solidFill>
+                  <a:schemeClr val="bg1">
+                    <a:lumMod val="65000"/>
+                  </a:schemeClr>
+                </a:solidFill>
+              </a:rPr>
               <a:t>1001</a:t>
             </a:r>
           </a:p>
@@ -17775,7 +17741,13 @@
               <a:buAutoNum type="arabicPeriod"/>
             </a:pPr>
             <a:r>
-              <a:rPr lang="en-US" dirty="0"/>
+              <a:rPr lang="en-US" dirty="0">
+                <a:solidFill>
+                  <a:schemeClr val="bg1">
+                    <a:lumMod val="65000"/>
+                  </a:schemeClr>
+                </a:solidFill>
+              </a:rPr>
               <a:t>1010</a:t>
             </a:r>
           </a:p>
@@ -17785,7 +17757,13 @@
               <a:buAutoNum type="arabicPeriod"/>
             </a:pPr>
             <a:r>
-              <a:rPr lang="en-US" dirty="0"/>
+              <a:rPr lang="en-US" dirty="0">
+                <a:solidFill>
+                  <a:schemeClr val="bg1">
+                    <a:lumMod val="65000"/>
+                  </a:schemeClr>
+                </a:solidFill>
+              </a:rPr>
               <a:t>1101</a:t>
             </a:r>
           </a:p>
@@ -17795,7 +17773,13 @@
               <a:buAutoNum type="arabicPeriod"/>
             </a:pPr>
             <a:r>
-              <a:rPr lang="en-US" dirty="0"/>
+              <a:rPr lang="en-US" dirty="0">
+                <a:solidFill>
+                  <a:schemeClr val="bg1">
+                    <a:lumMod val="65000"/>
+                  </a:schemeClr>
+                </a:solidFill>
+              </a:rPr>
               <a:t>1111</a:t>
             </a:r>
           </a:p>
@@ -17805,7 +17789,13 @@
               <a:buAutoNum type="arabicPeriod"/>
             </a:pPr>
             <a:r>
-              <a:rPr lang="en-US" dirty="0"/>
+              <a:rPr lang="en-US" dirty="0">
+                <a:solidFill>
+                  <a:schemeClr val="bg1">
+                    <a:lumMod val="65000"/>
+                  </a:schemeClr>
+                </a:solidFill>
+              </a:rPr>
               <a:t>1001</a:t>
             </a:r>
           </a:p>
@@ -18433,60 +18423,44 @@
           <a:custGeom>
             <a:avLst/>
             <a:gdLst>
-              <a:gd name="connsiteX0" fmla="*/ 0 w 6685443"/>
-              <a:gd name="connsiteY0" fmla="*/ 0 h 1815499"/>
-              <a:gd name="connsiteX1" fmla="*/ 601690 w 6685443"/>
-              <a:gd name="connsiteY1" fmla="*/ 0 h 1815499"/>
-              <a:gd name="connsiteX2" fmla="*/ 1069671 w 6685443"/>
-              <a:gd name="connsiteY2" fmla="*/ 0 h 1815499"/>
-              <a:gd name="connsiteX3" fmla="*/ 1871924 w 6685443"/>
-              <a:gd name="connsiteY3" fmla="*/ 0 h 1815499"/>
-              <a:gd name="connsiteX4" fmla="*/ 2473614 w 6685443"/>
-              <a:gd name="connsiteY4" fmla="*/ 0 h 1815499"/>
-              <a:gd name="connsiteX5" fmla="*/ 3075304 w 6685443"/>
-              <a:gd name="connsiteY5" fmla="*/ 0 h 1815499"/>
-              <a:gd name="connsiteX6" fmla="*/ 3877557 w 6685443"/>
-              <a:gd name="connsiteY6" fmla="*/ 0 h 1815499"/>
-              <a:gd name="connsiteX7" fmla="*/ 4412392 w 6685443"/>
-              <a:gd name="connsiteY7" fmla="*/ 0 h 1815499"/>
-              <a:gd name="connsiteX8" fmla="*/ 5214646 w 6685443"/>
-              <a:gd name="connsiteY8" fmla="*/ 0 h 1815499"/>
-              <a:gd name="connsiteX9" fmla="*/ 6016899 w 6685443"/>
-              <a:gd name="connsiteY9" fmla="*/ 0 h 1815499"/>
-              <a:gd name="connsiteX10" fmla="*/ 6685443 w 6685443"/>
-              <a:gd name="connsiteY10" fmla="*/ 0 h 1815499"/>
-              <a:gd name="connsiteX11" fmla="*/ 6685443 w 6685443"/>
-              <a:gd name="connsiteY11" fmla="*/ 641476 h 1815499"/>
-              <a:gd name="connsiteX12" fmla="*/ 6685443 w 6685443"/>
-              <a:gd name="connsiteY12" fmla="*/ 1264798 h 1815499"/>
-              <a:gd name="connsiteX13" fmla="*/ 6685443 w 6685443"/>
-              <a:gd name="connsiteY13" fmla="*/ 1815499 h 1815499"/>
-              <a:gd name="connsiteX14" fmla="*/ 6016899 w 6685443"/>
-              <a:gd name="connsiteY14" fmla="*/ 1815499 h 1815499"/>
-              <a:gd name="connsiteX15" fmla="*/ 5482063 w 6685443"/>
-              <a:gd name="connsiteY15" fmla="*/ 1815499 h 1815499"/>
-              <a:gd name="connsiteX16" fmla="*/ 4813519 w 6685443"/>
-              <a:gd name="connsiteY16" fmla="*/ 1815499 h 1815499"/>
-              <a:gd name="connsiteX17" fmla="*/ 4011266 w 6685443"/>
-              <a:gd name="connsiteY17" fmla="*/ 1815499 h 1815499"/>
-              <a:gd name="connsiteX18" fmla="*/ 3342722 w 6685443"/>
-              <a:gd name="connsiteY18" fmla="*/ 1815499 h 1815499"/>
-              <a:gd name="connsiteX19" fmla="*/ 2874740 w 6685443"/>
-              <a:gd name="connsiteY19" fmla="*/ 1815499 h 1815499"/>
-              <a:gd name="connsiteX20" fmla="*/ 2339905 w 6685443"/>
-              <a:gd name="connsiteY20" fmla="*/ 1815499 h 1815499"/>
-              <a:gd name="connsiteX21" fmla="*/ 1537652 w 6685443"/>
-              <a:gd name="connsiteY21" fmla="*/ 1815499 h 1815499"/>
-              <a:gd name="connsiteX22" fmla="*/ 869108 w 6685443"/>
-              <a:gd name="connsiteY22" fmla="*/ 1815499 h 1815499"/>
-              <a:gd name="connsiteX23" fmla="*/ 0 w 6685443"/>
-              <a:gd name="connsiteY23" fmla="*/ 1815499 h 1815499"/>
-              <a:gd name="connsiteX24" fmla="*/ 0 w 6685443"/>
-              <a:gd name="connsiteY24" fmla="*/ 1210333 h 1815499"/>
-              <a:gd name="connsiteX25" fmla="*/ 0 w 6685443"/>
-              <a:gd name="connsiteY25" fmla="*/ 659631 h 1815499"/>
-              <a:gd name="connsiteX26" fmla="*/ 0 w 6685443"/>
-              <a:gd name="connsiteY26" fmla="*/ 0 h 1815499"/>
+              <a:gd name="connsiteX0" fmla="*/ 0 w 3984158"/>
+              <a:gd name="connsiteY0" fmla="*/ 0 h 1483208"/>
+              <a:gd name="connsiteX1" fmla="*/ 624185 w 3984158"/>
+              <a:gd name="connsiteY1" fmla="*/ 0 h 1483208"/>
+              <a:gd name="connsiteX2" fmla="*/ 1168686 w 3984158"/>
+              <a:gd name="connsiteY2" fmla="*/ 0 h 1483208"/>
+              <a:gd name="connsiteX3" fmla="*/ 1912396 w 3984158"/>
+              <a:gd name="connsiteY3" fmla="*/ 0 h 1483208"/>
+              <a:gd name="connsiteX4" fmla="*/ 2536581 w 3984158"/>
+              <a:gd name="connsiteY4" fmla="*/ 0 h 1483208"/>
+              <a:gd name="connsiteX5" fmla="*/ 3160765 w 3984158"/>
+              <a:gd name="connsiteY5" fmla="*/ 0 h 1483208"/>
+              <a:gd name="connsiteX6" fmla="*/ 3984158 w 3984158"/>
+              <a:gd name="connsiteY6" fmla="*/ 0 h 1483208"/>
+              <a:gd name="connsiteX7" fmla="*/ 3984158 w 3984158"/>
+              <a:gd name="connsiteY7" fmla="*/ 464739 h 1483208"/>
+              <a:gd name="connsiteX8" fmla="*/ 3984158 w 3984158"/>
+              <a:gd name="connsiteY8" fmla="*/ 959141 h 1483208"/>
+              <a:gd name="connsiteX9" fmla="*/ 3984158 w 3984158"/>
+              <a:gd name="connsiteY9" fmla="*/ 1483208 h 1483208"/>
+              <a:gd name="connsiteX10" fmla="*/ 3399815 w 3984158"/>
+              <a:gd name="connsiteY10" fmla="*/ 1483208 h 1483208"/>
+              <a:gd name="connsiteX11" fmla="*/ 2735788 w 3984158"/>
+              <a:gd name="connsiteY11" fmla="*/ 1483208 h 1483208"/>
+              <a:gd name="connsiteX12" fmla="*/ 2111604 w 3984158"/>
+              <a:gd name="connsiteY12" fmla="*/ 1483208 h 1483208"/>
+              <a:gd name="connsiteX13" fmla="*/ 1367894 w 3984158"/>
+              <a:gd name="connsiteY13" fmla="*/ 1483208 h 1483208"/>
+              <a:gd name="connsiteX14" fmla="*/ 624185 w 3984158"/>
+              <a:gd name="connsiteY14" fmla="*/ 1483208 h 1483208"/>
+              <a:gd name="connsiteX15" fmla="*/ 0 w 3984158"/>
+              <a:gd name="connsiteY15" fmla="*/ 1483208 h 1483208"/>
+              <a:gd name="connsiteX16" fmla="*/ 0 w 3984158"/>
+              <a:gd name="connsiteY16" fmla="*/ 988805 h 1483208"/>
+              <a:gd name="connsiteX17" fmla="*/ 0 w 3984158"/>
+              <a:gd name="connsiteY17" fmla="*/ 509235 h 1483208"/>
+              <a:gd name="connsiteX18" fmla="*/ 0 w 3984158"/>
+              <a:gd name="connsiteY18" fmla="*/ 0 h 1483208"/>
             </a:gdLst>
             <a:ahLst/>
             <a:cxnLst>
@@ -18547,165 +18521,101 @@
               <a:cxn ang="0">
                 <a:pos x="connsiteX18" y="connsiteY18"/>
               </a:cxn>
-              <a:cxn ang="0">
-                <a:pos x="connsiteX19" y="connsiteY19"/>
-              </a:cxn>
-              <a:cxn ang="0">
-                <a:pos x="connsiteX20" y="connsiteY20"/>
-              </a:cxn>
-              <a:cxn ang="0">
-                <a:pos x="connsiteX21" y="connsiteY21"/>
-              </a:cxn>
-              <a:cxn ang="0">
-                <a:pos x="connsiteX22" y="connsiteY22"/>
-              </a:cxn>
-              <a:cxn ang="0">
-                <a:pos x="connsiteX23" y="connsiteY23"/>
-              </a:cxn>
-              <a:cxn ang="0">
-                <a:pos x="connsiteX24" y="connsiteY24"/>
-              </a:cxn>
-              <a:cxn ang="0">
-                <a:pos x="connsiteX25" y="connsiteY25"/>
-              </a:cxn>
-              <a:cxn ang="0">
-                <a:pos x="connsiteX26" y="connsiteY26"/>
-              </a:cxn>
             </a:cxnLst>
             <a:rect l="l" t="t" r="r" b="b"/>
             <a:pathLst>
-              <a:path w="6685443" h="1815499" extrusionOk="0">
+              <a:path w="3984158" h="1483208" extrusionOk="0">
                 <a:moveTo>
                   <a:pt x="0" y="0"/>
                 </a:moveTo>
                 <a:cubicBezTo>
-                  <a:pt x="197687" y="5421"/>
-                  <a:pt x="392637" y="-27165"/>
-                  <a:pt x="601690" y="0"/>
-                </a:cubicBezTo>
-                <a:cubicBezTo>
-                  <a:pt x="810743" y="27165"/>
-                  <a:pt x="967174" y="20034"/>
-                  <a:pt x="1069671" y="0"/>
-                </a:cubicBezTo>
-                <a:cubicBezTo>
-                  <a:pt x="1172168" y="-20034"/>
-                  <a:pt x="1481114" y="26288"/>
-                  <a:pt x="1871924" y="0"/>
-                </a:cubicBezTo>
-                <a:cubicBezTo>
-                  <a:pt x="2262734" y="-26288"/>
-                  <a:pt x="2275646" y="9816"/>
-                  <a:pt x="2473614" y="0"/>
-                </a:cubicBezTo>
-                <a:cubicBezTo>
-                  <a:pt x="2671582" y="-9816"/>
-                  <a:pt x="2837715" y="-16866"/>
-                  <a:pt x="3075304" y="0"/>
-                </a:cubicBezTo>
-                <a:cubicBezTo>
-                  <a:pt x="3312893" y="16866"/>
-                  <a:pt x="3565082" y="13656"/>
-                  <a:pt x="3877557" y="0"/>
-                </a:cubicBezTo>
-                <a:cubicBezTo>
-                  <a:pt x="4190032" y="-13656"/>
-                  <a:pt x="4275680" y="23045"/>
-                  <a:pt x="4412392" y="0"/>
-                </a:cubicBezTo>
-                <a:cubicBezTo>
-                  <a:pt x="4549105" y="-23045"/>
-                  <a:pt x="4974381" y="13533"/>
-                  <a:pt x="5214646" y="0"/>
-                </a:cubicBezTo>
-                <a:cubicBezTo>
-                  <a:pt x="5454911" y="-13533"/>
-                  <a:pt x="5621382" y="6072"/>
-                  <a:pt x="6016899" y="0"/>
-                </a:cubicBezTo>
-                <a:cubicBezTo>
-                  <a:pt x="6412416" y="-6072"/>
-                  <a:pt x="6368099" y="-22480"/>
-                  <a:pt x="6685443" y="0"/>
-                </a:cubicBezTo>
-                <a:cubicBezTo>
-                  <a:pt x="6675060" y="141143"/>
-                  <a:pt x="6688790" y="422707"/>
-                  <a:pt x="6685443" y="641476"/>
-                </a:cubicBezTo>
-                <a:cubicBezTo>
-                  <a:pt x="6682096" y="860245"/>
-                  <a:pt x="6676921" y="1110529"/>
-                  <a:pt x="6685443" y="1264798"/>
-                </a:cubicBezTo>
-                <a:cubicBezTo>
-                  <a:pt x="6693965" y="1419067"/>
-                  <a:pt x="6712438" y="1626237"/>
-                  <a:pt x="6685443" y="1815499"/>
-                </a:cubicBezTo>
-                <a:cubicBezTo>
-                  <a:pt x="6531485" y="1826631"/>
-                  <a:pt x="6258288" y="1826162"/>
-                  <a:pt x="6016899" y="1815499"/>
-                </a:cubicBezTo>
-                <a:cubicBezTo>
-                  <a:pt x="5775510" y="1804836"/>
-                  <a:pt x="5635687" y="1808580"/>
-                  <a:pt x="5482063" y="1815499"/>
-                </a:cubicBezTo>
-                <a:cubicBezTo>
-                  <a:pt x="5328439" y="1822418"/>
-                  <a:pt x="4969533" y="1798322"/>
-                  <a:pt x="4813519" y="1815499"/>
-                </a:cubicBezTo>
-                <a:cubicBezTo>
-                  <a:pt x="4657505" y="1832676"/>
-                  <a:pt x="4277484" y="1797792"/>
-                  <a:pt x="4011266" y="1815499"/>
-                </a:cubicBezTo>
-                <a:cubicBezTo>
-                  <a:pt x="3745048" y="1833206"/>
-                  <a:pt x="3503887" y="1798854"/>
-                  <a:pt x="3342722" y="1815499"/>
-                </a:cubicBezTo>
-                <a:cubicBezTo>
-                  <a:pt x="3181557" y="1832144"/>
-                  <a:pt x="3094655" y="1808958"/>
-                  <a:pt x="2874740" y="1815499"/>
-                </a:cubicBezTo>
-                <a:cubicBezTo>
-                  <a:pt x="2654825" y="1822040"/>
-                  <a:pt x="2552356" y="1810430"/>
-                  <a:pt x="2339905" y="1815499"/>
-                </a:cubicBezTo>
-                <a:cubicBezTo>
-                  <a:pt x="2127454" y="1820568"/>
-                  <a:pt x="1825409" y="1807327"/>
-                  <a:pt x="1537652" y="1815499"/>
-                </a:cubicBezTo>
-                <a:cubicBezTo>
-                  <a:pt x="1249895" y="1823671"/>
-                  <a:pt x="1086879" y="1834794"/>
-                  <a:pt x="869108" y="1815499"/>
-                </a:cubicBezTo>
-                <a:cubicBezTo>
-                  <a:pt x="651337" y="1796204"/>
-                  <a:pt x="264417" y="1828267"/>
-                  <a:pt x="0" y="1815499"/>
-                </a:cubicBezTo>
-                <a:cubicBezTo>
-                  <a:pt x="8313" y="1520428"/>
-                  <a:pt x="-1936" y="1449694"/>
-                  <a:pt x="0" y="1210333"/>
-                </a:cubicBezTo>
-                <a:cubicBezTo>
-                  <a:pt x="1936" y="970972"/>
-                  <a:pt x="16209" y="905402"/>
-                  <a:pt x="0" y="659631"/>
-                </a:cubicBezTo>
-                <a:cubicBezTo>
-                  <a:pt x="-16209" y="413860"/>
-                  <a:pt x="-15680" y="309233"/>
+                  <a:pt x="183423" y="18876"/>
+                  <a:pt x="387432" y="11885"/>
+                  <a:pt x="624185" y="0"/>
+                </a:cubicBezTo>
+                <a:cubicBezTo>
+                  <a:pt x="860939" y="-11885"/>
+                  <a:pt x="1054606" y="-18463"/>
+                  <a:pt x="1168686" y="0"/>
+                </a:cubicBezTo>
+                <a:cubicBezTo>
+                  <a:pt x="1282766" y="18463"/>
+                  <a:pt x="1693901" y="35828"/>
+                  <a:pt x="1912396" y="0"/>
+                </a:cubicBezTo>
+                <a:cubicBezTo>
+                  <a:pt x="2130891" y="-35828"/>
+                  <a:pt x="2399161" y="-14960"/>
+                  <a:pt x="2536581" y="0"/>
+                </a:cubicBezTo>
+                <a:cubicBezTo>
+                  <a:pt x="2674002" y="14960"/>
+                  <a:pt x="2930878" y="25357"/>
+                  <a:pt x="3160765" y="0"/>
+                </a:cubicBezTo>
+                <a:cubicBezTo>
+                  <a:pt x="3390652" y="-25357"/>
+                  <a:pt x="3618233" y="22549"/>
+                  <a:pt x="3984158" y="0"/>
+                </a:cubicBezTo>
+                <a:cubicBezTo>
+                  <a:pt x="3984038" y="195374"/>
+                  <a:pt x="3982039" y="245726"/>
+                  <a:pt x="3984158" y="464739"/>
+                </a:cubicBezTo>
+                <a:cubicBezTo>
+                  <a:pt x="3986277" y="683752"/>
+                  <a:pt x="3968175" y="738445"/>
+                  <a:pt x="3984158" y="959141"/>
+                </a:cubicBezTo>
+                <a:cubicBezTo>
+                  <a:pt x="4000141" y="1179837"/>
+                  <a:pt x="4006929" y="1289598"/>
+                  <a:pt x="3984158" y="1483208"/>
+                </a:cubicBezTo>
+                <a:cubicBezTo>
+                  <a:pt x="3803422" y="1507410"/>
+                  <a:pt x="3621945" y="1507539"/>
+                  <a:pt x="3399815" y="1483208"/>
+                </a:cubicBezTo>
+                <a:cubicBezTo>
+                  <a:pt x="3177685" y="1458877"/>
+                  <a:pt x="2949391" y="1453742"/>
+                  <a:pt x="2735788" y="1483208"/>
+                </a:cubicBezTo>
+                <a:cubicBezTo>
+                  <a:pt x="2522185" y="1512674"/>
+                  <a:pt x="2346462" y="1470132"/>
+                  <a:pt x="2111604" y="1483208"/>
+                </a:cubicBezTo>
+                <a:cubicBezTo>
+                  <a:pt x="1876746" y="1496284"/>
+                  <a:pt x="1574870" y="1492723"/>
+                  <a:pt x="1367894" y="1483208"/>
+                </a:cubicBezTo>
+                <a:cubicBezTo>
+                  <a:pt x="1160918" y="1473694"/>
+                  <a:pt x="788357" y="1457438"/>
+                  <a:pt x="624185" y="1483208"/>
+                </a:cubicBezTo>
+                <a:cubicBezTo>
+                  <a:pt x="460013" y="1508978"/>
+                  <a:pt x="282889" y="1481339"/>
+                  <a:pt x="0" y="1483208"/>
+                </a:cubicBezTo>
+                <a:cubicBezTo>
+                  <a:pt x="24368" y="1316907"/>
+                  <a:pt x="-24567" y="1129752"/>
+                  <a:pt x="0" y="988805"/>
+                </a:cubicBezTo>
+                <a:cubicBezTo>
+                  <a:pt x="24567" y="847858"/>
+                  <a:pt x="2696" y="683175"/>
+                  <a:pt x="0" y="509235"/>
+                </a:cubicBezTo>
+                <a:cubicBezTo>
+                  <a:pt x="-2696" y="335295"/>
+                  <a:pt x="22160" y="109840"/>
                   <a:pt x="0" y="0"/>
                 </a:cubicBezTo>
                 <a:close/>
@@ -18949,6 +18859,44 @@
               <a:rPr lang="en-US" dirty="0"/>
               <a:t>./hello-world</a:t>
             </a:r>
+          </a:p>
+        </p:txBody>
+      </p:sp>
+      <p:sp>
+        <p:nvSpPr>
+          <p:cNvPr id="3" name="TextBox 2">
+            <a:extLst>
+              <a:ext uri="{FF2B5EF4-FFF2-40B4-BE49-F238E27FC236}">
+                <a16:creationId xmlns:a16="http://schemas.microsoft.com/office/drawing/2014/main" id="{7FF8E2B5-1EBA-266F-E754-414A6704AE5C}"/>
+              </a:ext>
+            </a:extLst>
+          </p:cNvPr>
+          <p:cNvSpPr txBox="1"/>
+          <p:nvPr/>
+        </p:nvSpPr>
+        <p:spPr>
+          <a:xfrm>
+            <a:off x="156485" y="224498"/>
+            <a:ext cx="4829319" cy="369332"/>
+          </a:xfrm>
+          <a:prstGeom prst="rect">
+            <a:avLst/>
+          </a:prstGeom>
+          <a:noFill/>
+        </p:spPr>
+        <p:txBody>
+          <a:bodyPr wrap="square">
+            <a:spAutoFit/>
+          </a:bodyPr>
+          <a:lstStyle/>
+          <a:p>
+            <a:r>
+              <a:rPr lang="en-US" dirty="0">
+                <a:latin typeface="Gaegu" pitchFamily="2" charset="0"/>
+              </a:rPr>
+              <a:t>Program Execution and Sequence</a:t>
+            </a:r>
+            <a:endParaRPr lang="en-US" b="1" dirty="0"/>
           </a:p>
         </p:txBody>
       </p:sp>
@@ -20929,7 +20877,13 @@
               <a:buAutoNum type="arabicPeriod"/>
             </a:pPr>
             <a:r>
-              <a:rPr lang="en-US" dirty="0"/>
+              <a:rPr lang="en-US" dirty="0">
+                <a:solidFill>
+                  <a:schemeClr val="bg1">
+                    <a:lumMod val="65000"/>
+                  </a:schemeClr>
+                </a:solidFill>
+              </a:rPr>
               <a:t>1001</a:t>
             </a:r>
           </a:p>
@@ -20939,7 +20893,13 @@
               <a:buAutoNum type="arabicPeriod"/>
             </a:pPr>
             <a:r>
-              <a:rPr lang="en-US" dirty="0"/>
+              <a:rPr lang="en-US" dirty="0">
+                <a:solidFill>
+                  <a:schemeClr val="bg1">
+                    <a:lumMod val="65000"/>
+                  </a:schemeClr>
+                </a:solidFill>
+              </a:rPr>
               <a:t>0010</a:t>
             </a:r>
           </a:p>
@@ -20959,7 +20919,13 @@
               <a:buAutoNum type="arabicPeriod"/>
             </a:pPr>
             <a:r>
-              <a:rPr lang="en-US" dirty="0"/>
+              <a:rPr lang="en-US" dirty="0">
+                <a:solidFill>
+                  <a:schemeClr val="bg1">
+                    <a:lumMod val="65000"/>
+                  </a:schemeClr>
+                </a:solidFill>
+              </a:rPr>
               <a:t>1101</a:t>
             </a:r>
           </a:p>
@@ -20969,7 +20935,13 @@
               <a:buAutoNum type="arabicPeriod"/>
             </a:pPr>
             <a:r>
-              <a:rPr lang="en-US" dirty="0"/>
+              <a:rPr lang="en-US" dirty="0">
+                <a:solidFill>
+                  <a:schemeClr val="bg1">
+                    <a:lumMod val="65000"/>
+                  </a:schemeClr>
+                </a:solidFill>
+              </a:rPr>
               <a:t>1111</a:t>
             </a:r>
           </a:p>
@@ -20979,7 +20951,13 @@
               <a:buAutoNum type="arabicPeriod"/>
             </a:pPr>
             <a:r>
-              <a:rPr lang="en-US" dirty="0"/>
+              <a:rPr lang="en-US" dirty="0">
+                <a:solidFill>
+                  <a:schemeClr val="bg1">
+                    <a:lumMod val="65000"/>
+                  </a:schemeClr>
+                </a:solidFill>
+              </a:rPr>
               <a:t>1001</a:t>
             </a:r>
           </a:p>
@@ -21643,6 +21621,44 @@
           </a:fontRef>
         </p:style>
       </p:cxnSp>
+      <p:sp>
+        <p:nvSpPr>
+          <p:cNvPr id="7" name="TextBox 6">
+            <a:extLst>
+              <a:ext uri="{FF2B5EF4-FFF2-40B4-BE49-F238E27FC236}">
+                <a16:creationId xmlns:a16="http://schemas.microsoft.com/office/drawing/2014/main" id="{357676B2-B907-D2AE-A0EF-29A6EA763C58}"/>
+              </a:ext>
+            </a:extLst>
+          </p:cNvPr>
+          <p:cNvSpPr txBox="1"/>
+          <p:nvPr/>
+        </p:nvSpPr>
+        <p:spPr>
+          <a:xfrm>
+            <a:off x="156485" y="224498"/>
+            <a:ext cx="4829319" cy="369332"/>
+          </a:xfrm>
+          <a:prstGeom prst="rect">
+            <a:avLst/>
+          </a:prstGeom>
+          <a:noFill/>
+        </p:spPr>
+        <p:txBody>
+          <a:bodyPr wrap="square">
+            <a:spAutoFit/>
+          </a:bodyPr>
+          <a:lstStyle/>
+          <a:p>
+            <a:r>
+              <a:rPr lang="en-US" dirty="0">
+                <a:latin typeface="Gaegu" pitchFamily="2" charset="0"/>
+              </a:rPr>
+              <a:t>Program Execution and Sequence</a:t>
+            </a:r>
+            <a:endParaRPr lang="en-US" b="1" dirty="0"/>
+          </a:p>
+        </p:txBody>
+      </p:sp>
     </p:spTree>
     <p:extLst>
       <p:ext uri="{BB962C8B-B14F-4D97-AF65-F5344CB8AC3E}">

--- a/resources/ppt-slides/sequence-data-sequence.pptx
+++ b/resources/ppt-slides/sequence-data-sequence.pptx
@@ -249,7 +249,7 @@
           <a:p>
             <a:fld id="{964302DC-9F53-934F-AE4D-0F1F197008C1}" type="datetimeFigureOut">
               <a:rPr lang="en-US" smtClean="0"/>
-              <a:t>11/27/23</a:t>
+              <a:t>1/3/24</a:t>
             </a:fld>
             <a:endParaRPr lang="en-US"/>
           </a:p>
@@ -419,7 +419,7 @@
           <a:p>
             <a:fld id="{964302DC-9F53-934F-AE4D-0F1F197008C1}" type="datetimeFigureOut">
               <a:rPr lang="en-US" smtClean="0"/>
-              <a:t>11/27/23</a:t>
+              <a:t>1/3/24</a:t>
             </a:fld>
             <a:endParaRPr lang="en-US"/>
           </a:p>
@@ -599,7 +599,7 @@
           <a:p>
             <a:fld id="{964302DC-9F53-934F-AE4D-0F1F197008C1}" type="datetimeFigureOut">
               <a:rPr lang="en-US" smtClean="0"/>
-              <a:t>11/27/23</a:t>
+              <a:t>1/3/24</a:t>
             </a:fld>
             <a:endParaRPr lang="en-US"/>
           </a:p>
@@ -769,7 +769,7 @@
           <a:p>
             <a:fld id="{964302DC-9F53-934F-AE4D-0F1F197008C1}" type="datetimeFigureOut">
               <a:rPr lang="en-US" smtClean="0"/>
-              <a:t>11/27/23</a:t>
+              <a:t>1/3/24</a:t>
             </a:fld>
             <a:endParaRPr lang="en-US"/>
           </a:p>
@@ -1013,7 +1013,7 @@
           <a:p>
             <a:fld id="{964302DC-9F53-934F-AE4D-0F1F197008C1}" type="datetimeFigureOut">
               <a:rPr lang="en-US" smtClean="0"/>
-              <a:t>11/27/23</a:t>
+              <a:t>1/3/24</a:t>
             </a:fld>
             <a:endParaRPr lang="en-US"/>
           </a:p>
@@ -1245,7 +1245,7 @@
           <a:p>
             <a:fld id="{964302DC-9F53-934F-AE4D-0F1F197008C1}" type="datetimeFigureOut">
               <a:rPr lang="en-US" smtClean="0"/>
-              <a:t>11/27/23</a:t>
+              <a:t>1/3/24</a:t>
             </a:fld>
             <a:endParaRPr lang="en-US"/>
           </a:p>
@@ -1612,7 +1612,7 @@
           <a:p>
             <a:fld id="{964302DC-9F53-934F-AE4D-0F1F197008C1}" type="datetimeFigureOut">
               <a:rPr lang="en-US" smtClean="0"/>
-              <a:t>11/27/23</a:t>
+              <a:t>1/3/24</a:t>
             </a:fld>
             <a:endParaRPr lang="en-US"/>
           </a:p>
@@ -1730,7 +1730,7 @@
           <a:p>
             <a:fld id="{964302DC-9F53-934F-AE4D-0F1F197008C1}" type="datetimeFigureOut">
               <a:rPr lang="en-US" smtClean="0"/>
-              <a:t>11/27/23</a:t>
+              <a:t>1/3/24</a:t>
             </a:fld>
             <a:endParaRPr lang="en-US"/>
           </a:p>
@@ -1825,7 +1825,7 @@
           <a:p>
             <a:fld id="{964302DC-9F53-934F-AE4D-0F1F197008C1}" type="datetimeFigureOut">
               <a:rPr lang="en-US" smtClean="0"/>
-              <a:t>11/27/23</a:t>
+              <a:t>1/3/24</a:t>
             </a:fld>
             <a:endParaRPr lang="en-US"/>
           </a:p>
@@ -2102,7 +2102,7 @@
           <a:p>
             <a:fld id="{964302DC-9F53-934F-AE4D-0F1F197008C1}" type="datetimeFigureOut">
               <a:rPr lang="en-US" smtClean="0"/>
-              <a:t>11/27/23</a:t>
+              <a:t>1/3/24</a:t>
             </a:fld>
             <a:endParaRPr lang="en-US"/>
           </a:p>
@@ -2359,7 +2359,7 @@
           <a:p>
             <a:fld id="{964302DC-9F53-934F-AE4D-0F1F197008C1}" type="datetimeFigureOut">
               <a:rPr lang="en-US" smtClean="0"/>
-              <a:t>11/27/23</a:t>
+              <a:t>1/3/24</a:t>
             </a:fld>
             <a:endParaRPr lang="en-US"/>
           </a:p>
@@ -2572,7 +2572,7 @@
           <a:p>
             <a:fld id="{964302DC-9F53-934F-AE4D-0F1F197008C1}" type="datetimeFigureOut">
               <a:rPr lang="en-US" smtClean="0"/>
-              <a:t>11/27/23</a:t>
+              <a:t>1/3/24</a:t>
             </a:fld>
             <a:endParaRPr lang="en-US"/>
           </a:p>
@@ -5659,44 +5659,6 @@
           </a:p>
         </p:txBody>
       </p:sp>
-      <p:sp>
-        <p:nvSpPr>
-          <p:cNvPr id="19" name="TextBox 18">
-            <a:extLst>
-              <a:ext uri="{FF2B5EF4-FFF2-40B4-BE49-F238E27FC236}">
-                <a16:creationId xmlns:a16="http://schemas.microsoft.com/office/drawing/2014/main" id="{BBC4C83A-5166-58A4-1F2A-B52ADEC80AEE}"/>
-              </a:ext>
-            </a:extLst>
-          </p:cNvPr>
-          <p:cNvSpPr txBox="1"/>
-          <p:nvPr/>
-        </p:nvSpPr>
-        <p:spPr>
-          <a:xfrm>
-            <a:off x="156485" y="224498"/>
-            <a:ext cx="4829319" cy="369332"/>
-          </a:xfrm>
-          <a:prstGeom prst="rect">
-            <a:avLst/>
-          </a:prstGeom>
-          <a:noFill/>
-        </p:spPr>
-        <p:txBody>
-          <a:bodyPr wrap="square">
-            <a:spAutoFit/>
-          </a:bodyPr>
-          <a:lstStyle/>
-          <a:p>
-            <a:r>
-              <a:rPr lang="en-US" dirty="0">
-                <a:latin typeface="Gaegu" pitchFamily="2" charset="0"/>
-              </a:rPr>
-              <a:t>Program Execution and Sequence</a:t>
-            </a:r>
-            <a:endParaRPr lang="en-US" b="1" dirty="0"/>
-          </a:p>
-        </p:txBody>
-      </p:sp>
     </p:spTree>
     <p:extLst>
       <p:ext uri="{BB962C8B-B14F-4D97-AF65-F5344CB8AC3E}">
@@ -8262,44 +8224,6 @@
               <a:rPr lang="en-US" dirty="0"/>
               <a:t>./hello-world</a:t>
             </a:r>
-          </a:p>
-        </p:txBody>
-      </p:sp>
-      <p:sp>
-        <p:nvSpPr>
-          <p:cNvPr id="3" name="TextBox 2">
-            <a:extLst>
-              <a:ext uri="{FF2B5EF4-FFF2-40B4-BE49-F238E27FC236}">
-                <a16:creationId xmlns:a16="http://schemas.microsoft.com/office/drawing/2014/main" id="{60459823-A484-EC6A-8881-6DECE32BE3BF}"/>
-              </a:ext>
-            </a:extLst>
-          </p:cNvPr>
-          <p:cNvSpPr txBox="1"/>
-          <p:nvPr/>
-        </p:nvSpPr>
-        <p:spPr>
-          <a:xfrm>
-            <a:off x="156485" y="224498"/>
-            <a:ext cx="4829319" cy="369332"/>
-          </a:xfrm>
-          <a:prstGeom prst="rect">
-            <a:avLst/>
-          </a:prstGeom>
-          <a:noFill/>
-        </p:spPr>
-        <p:txBody>
-          <a:bodyPr wrap="square">
-            <a:spAutoFit/>
-          </a:bodyPr>
-          <a:lstStyle/>
-          <a:p>
-            <a:r>
-              <a:rPr lang="en-US" dirty="0">
-                <a:latin typeface="Gaegu" pitchFamily="2" charset="0"/>
-              </a:rPr>
-              <a:t>Program Execution and Sequence</a:t>
-            </a:r>
-            <a:endParaRPr lang="en-US" b="1" dirty="0"/>
           </a:p>
         </p:txBody>
       </p:sp>
@@ -10997,44 +10921,6 @@
               <a:rPr lang="en-US" dirty="0"/>
               <a:t>./hello-world</a:t>
             </a:r>
-          </a:p>
-        </p:txBody>
-      </p:sp>
-      <p:sp>
-        <p:nvSpPr>
-          <p:cNvPr id="3" name="TextBox 2">
-            <a:extLst>
-              <a:ext uri="{FF2B5EF4-FFF2-40B4-BE49-F238E27FC236}">
-                <a16:creationId xmlns:a16="http://schemas.microsoft.com/office/drawing/2014/main" id="{D4B81D6B-CB52-2587-E0AA-D4640619FFF1}"/>
-              </a:ext>
-            </a:extLst>
-          </p:cNvPr>
-          <p:cNvSpPr txBox="1"/>
-          <p:nvPr/>
-        </p:nvSpPr>
-        <p:spPr>
-          <a:xfrm>
-            <a:off x="156485" y="224498"/>
-            <a:ext cx="4829319" cy="369332"/>
-          </a:xfrm>
-          <a:prstGeom prst="rect">
-            <a:avLst/>
-          </a:prstGeom>
-          <a:noFill/>
-        </p:spPr>
-        <p:txBody>
-          <a:bodyPr wrap="square">
-            <a:spAutoFit/>
-          </a:bodyPr>
-          <a:lstStyle/>
-          <a:p>
-            <a:r>
-              <a:rPr lang="en-US" dirty="0">
-                <a:latin typeface="Gaegu" pitchFamily="2" charset="0"/>
-              </a:rPr>
-              <a:t>Program Execution and Sequence</a:t>
-            </a:r>
-            <a:endParaRPr lang="en-US" b="1" dirty="0"/>
           </a:p>
         </p:txBody>
       </p:sp>
@@ -13599,44 +13485,6 @@
               <a:rPr lang="en-US" dirty="0"/>
               <a:t>./hello-world</a:t>
             </a:r>
-          </a:p>
-        </p:txBody>
-      </p:sp>
-      <p:sp>
-        <p:nvSpPr>
-          <p:cNvPr id="3" name="TextBox 2">
-            <a:extLst>
-              <a:ext uri="{FF2B5EF4-FFF2-40B4-BE49-F238E27FC236}">
-                <a16:creationId xmlns:a16="http://schemas.microsoft.com/office/drawing/2014/main" id="{CCA0A3CC-AF6B-1EF9-4D6D-4995DE07A3A3}"/>
-              </a:ext>
-            </a:extLst>
-          </p:cNvPr>
-          <p:cNvSpPr txBox="1"/>
-          <p:nvPr/>
-        </p:nvSpPr>
-        <p:spPr>
-          <a:xfrm>
-            <a:off x="156485" y="224498"/>
-            <a:ext cx="4829319" cy="369332"/>
-          </a:xfrm>
-          <a:prstGeom prst="rect">
-            <a:avLst/>
-          </a:prstGeom>
-          <a:noFill/>
-        </p:spPr>
-        <p:txBody>
-          <a:bodyPr wrap="square">
-            <a:spAutoFit/>
-          </a:bodyPr>
-          <a:lstStyle/>
-          <a:p>
-            <a:r>
-              <a:rPr lang="en-US" dirty="0">
-                <a:latin typeface="Gaegu" pitchFamily="2" charset="0"/>
-              </a:rPr>
-              <a:t>Program Execution and Sequence</a:t>
-            </a:r>
-            <a:endParaRPr lang="en-US" b="1" dirty="0"/>
           </a:p>
         </p:txBody>
       </p:sp>
@@ -16257,44 +16105,6 @@
               <a:rPr lang="en-US" dirty="0"/>
               <a:t>./hello-world</a:t>
             </a:r>
-          </a:p>
-        </p:txBody>
-      </p:sp>
-      <p:sp>
-        <p:nvSpPr>
-          <p:cNvPr id="3" name="TextBox 2">
-            <a:extLst>
-              <a:ext uri="{FF2B5EF4-FFF2-40B4-BE49-F238E27FC236}">
-                <a16:creationId xmlns:a16="http://schemas.microsoft.com/office/drawing/2014/main" id="{DE92BC4B-B002-C873-B4A1-C94250CC1377}"/>
-              </a:ext>
-            </a:extLst>
-          </p:cNvPr>
-          <p:cNvSpPr txBox="1"/>
-          <p:nvPr/>
-        </p:nvSpPr>
-        <p:spPr>
-          <a:xfrm>
-            <a:off x="156485" y="224498"/>
-            <a:ext cx="4829319" cy="369332"/>
-          </a:xfrm>
-          <a:prstGeom prst="rect">
-            <a:avLst/>
-          </a:prstGeom>
-          <a:noFill/>
-        </p:spPr>
-        <p:txBody>
-          <a:bodyPr wrap="square">
-            <a:spAutoFit/>
-          </a:bodyPr>
-          <a:lstStyle/>
-          <a:p>
-            <a:r>
-              <a:rPr lang="en-US" dirty="0">
-                <a:latin typeface="Gaegu" pitchFamily="2" charset="0"/>
-              </a:rPr>
-              <a:t>Program Execution and Sequence</a:t>
-            </a:r>
-            <a:endParaRPr lang="en-US" b="1" dirty="0"/>
           </a:p>
         </p:txBody>
       </p:sp>
@@ -18890,12 +18700,6 @@
           </a:bodyPr>
           <a:lstStyle/>
           <a:p>
-            <a:r>
-              <a:rPr lang="en-US" dirty="0">
-                <a:latin typeface="Gaegu" pitchFamily="2" charset="0"/>
-              </a:rPr>
-              <a:t>Program Execution and Sequence</a:t>
-            </a:r>
             <a:endParaRPr lang="en-US" b="1" dirty="0"/>
           </a:p>
         </p:txBody>
@@ -21649,12 +21453,6 @@
           </a:bodyPr>
           <a:lstStyle/>
           <a:p>
-            <a:r>
-              <a:rPr lang="en-US" dirty="0">
-                <a:latin typeface="Gaegu" pitchFamily="2" charset="0"/>
-              </a:rPr>
-              <a:t>Program Execution and Sequence</a:t>
-            </a:r>
             <a:endParaRPr lang="en-US" b="1" dirty="0"/>
           </a:p>
         </p:txBody>

--- a/resources/ppt-slides/sequence-data-sequence.pptx
+++ b/resources/ppt-slides/sequence-data-sequence.pptx
@@ -18672,38 +18672,6 @@
           </a:p>
         </p:txBody>
       </p:sp>
-      <p:sp>
-        <p:nvSpPr>
-          <p:cNvPr id="3" name="TextBox 2">
-            <a:extLst>
-              <a:ext uri="{FF2B5EF4-FFF2-40B4-BE49-F238E27FC236}">
-                <a16:creationId xmlns:a16="http://schemas.microsoft.com/office/drawing/2014/main" id="{7FF8E2B5-1EBA-266F-E754-414A6704AE5C}"/>
-              </a:ext>
-            </a:extLst>
-          </p:cNvPr>
-          <p:cNvSpPr txBox="1"/>
-          <p:nvPr/>
-        </p:nvSpPr>
-        <p:spPr>
-          <a:xfrm>
-            <a:off x="156485" y="224498"/>
-            <a:ext cx="4829319" cy="369332"/>
-          </a:xfrm>
-          <a:prstGeom prst="rect">
-            <a:avLst/>
-          </a:prstGeom>
-          <a:noFill/>
-        </p:spPr>
-        <p:txBody>
-          <a:bodyPr wrap="square">
-            <a:spAutoFit/>
-          </a:bodyPr>
-          <a:lstStyle/>
-          <a:p>
-            <a:endParaRPr lang="en-US" b="1" dirty="0"/>
-          </a:p>
-        </p:txBody>
-      </p:sp>
     </p:spTree>
     <p:extLst>
       <p:ext uri="{BB962C8B-B14F-4D97-AF65-F5344CB8AC3E}">
@@ -21425,38 +21393,6 @@
           </a:fontRef>
         </p:style>
       </p:cxnSp>
-      <p:sp>
-        <p:nvSpPr>
-          <p:cNvPr id="7" name="TextBox 6">
-            <a:extLst>
-              <a:ext uri="{FF2B5EF4-FFF2-40B4-BE49-F238E27FC236}">
-                <a16:creationId xmlns:a16="http://schemas.microsoft.com/office/drawing/2014/main" id="{357676B2-B907-D2AE-A0EF-29A6EA763C58}"/>
-              </a:ext>
-            </a:extLst>
-          </p:cNvPr>
-          <p:cNvSpPr txBox="1"/>
-          <p:nvPr/>
-        </p:nvSpPr>
-        <p:spPr>
-          <a:xfrm>
-            <a:off x="156485" y="224498"/>
-            <a:ext cx="4829319" cy="369332"/>
-          </a:xfrm>
-          <a:prstGeom prst="rect">
-            <a:avLst/>
-          </a:prstGeom>
-          <a:noFill/>
-        </p:spPr>
-        <p:txBody>
-          <a:bodyPr wrap="square">
-            <a:spAutoFit/>
-          </a:bodyPr>
-          <a:lstStyle/>
-          <a:p>
-            <a:endParaRPr lang="en-US" b="1" dirty="0"/>
-          </a:p>
-        </p:txBody>
-      </p:sp>
     </p:spTree>
     <p:extLst>
       <p:ext uri="{BB962C8B-B14F-4D97-AF65-F5344CB8AC3E}">

--- a/resources/ppt-slides/sequence-data-sequence.pptx
+++ b/resources/ppt-slides/sequence-data-sequence.pptx
@@ -249,7 +249,7 @@
           <a:p>
             <a:fld id="{964302DC-9F53-934F-AE4D-0F1F197008C1}" type="datetimeFigureOut">
               <a:rPr lang="en-US" smtClean="0"/>
-              <a:t>1/3/24</a:t>
+              <a:t>1/22/24</a:t>
             </a:fld>
             <a:endParaRPr lang="en-US"/>
           </a:p>
@@ -419,7 +419,7 @@
           <a:p>
             <a:fld id="{964302DC-9F53-934F-AE4D-0F1F197008C1}" type="datetimeFigureOut">
               <a:rPr lang="en-US" smtClean="0"/>
-              <a:t>1/3/24</a:t>
+              <a:t>1/22/24</a:t>
             </a:fld>
             <a:endParaRPr lang="en-US"/>
           </a:p>
@@ -599,7 +599,7 @@
           <a:p>
             <a:fld id="{964302DC-9F53-934F-AE4D-0F1F197008C1}" type="datetimeFigureOut">
               <a:rPr lang="en-US" smtClean="0"/>
-              <a:t>1/3/24</a:t>
+              <a:t>1/22/24</a:t>
             </a:fld>
             <a:endParaRPr lang="en-US"/>
           </a:p>
@@ -769,7 +769,7 @@
           <a:p>
             <a:fld id="{964302DC-9F53-934F-AE4D-0F1F197008C1}" type="datetimeFigureOut">
               <a:rPr lang="en-US" smtClean="0"/>
-              <a:t>1/3/24</a:t>
+              <a:t>1/22/24</a:t>
             </a:fld>
             <a:endParaRPr lang="en-US"/>
           </a:p>
@@ -1013,7 +1013,7 @@
           <a:p>
             <a:fld id="{964302DC-9F53-934F-AE4D-0F1F197008C1}" type="datetimeFigureOut">
               <a:rPr lang="en-US" smtClean="0"/>
-              <a:t>1/3/24</a:t>
+              <a:t>1/22/24</a:t>
             </a:fld>
             <a:endParaRPr lang="en-US"/>
           </a:p>
@@ -1245,7 +1245,7 @@
           <a:p>
             <a:fld id="{964302DC-9F53-934F-AE4D-0F1F197008C1}" type="datetimeFigureOut">
               <a:rPr lang="en-US" smtClean="0"/>
-              <a:t>1/3/24</a:t>
+              <a:t>1/22/24</a:t>
             </a:fld>
             <a:endParaRPr lang="en-US"/>
           </a:p>
@@ -1612,7 +1612,7 @@
           <a:p>
             <a:fld id="{964302DC-9F53-934F-AE4D-0F1F197008C1}" type="datetimeFigureOut">
               <a:rPr lang="en-US" smtClean="0"/>
-              <a:t>1/3/24</a:t>
+              <a:t>1/22/24</a:t>
             </a:fld>
             <a:endParaRPr lang="en-US"/>
           </a:p>
@@ -1730,7 +1730,7 @@
           <a:p>
             <a:fld id="{964302DC-9F53-934F-AE4D-0F1F197008C1}" type="datetimeFigureOut">
               <a:rPr lang="en-US" smtClean="0"/>
-              <a:t>1/3/24</a:t>
+              <a:t>1/22/24</a:t>
             </a:fld>
             <a:endParaRPr lang="en-US"/>
           </a:p>
@@ -1825,7 +1825,7 @@
           <a:p>
             <a:fld id="{964302DC-9F53-934F-AE4D-0F1F197008C1}" type="datetimeFigureOut">
               <a:rPr lang="en-US" smtClean="0"/>
-              <a:t>1/3/24</a:t>
+              <a:t>1/22/24</a:t>
             </a:fld>
             <a:endParaRPr lang="en-US"/>
           </a:p>
@@ -2102,7 +2102,7 @@
           <a:p>
             <a:fld id="{964302DC-9F53-934F-AE4D-0F1F197008C1}" type="datetimeFigureOut">
               <a:rPr lang="en-US" smtClean="0"/>
-              <a:t>1/3/24</a:t>
+              <a:t>1/22/24</a:t>
             </a:fld>
             <a:endParaRPr lang="en-US"/>
           </a:p>
@@ -2359,7 +2359,7 @@
           <a:p>
             <a:fld id="{964302DC-9F53-934F-AE4D-0F1F197008C1}" type="datetimeFigureOut">
               <a:rPr lang="en-US" smtClean="0"/>
-              <a:t>1/3/24</a:t>
+              <a:t>1/22/24</a:t>
             </a:fld>
             <a:endParaRPr lang="en-US"/>
           </a:p>
@@ -2424,9 +2424,18 @@
 <p:sldMaster xmlns:a="http://schemas.openxmlformats.org/drawingml/2006/main" xmlns:r="http://schemas.openxmlformats.org/officeDocument/2006/relationships" xmlns:p="http://schemas.openxmlformats.org/presentationml/2006/main">
   <p:cSld>
     <p:bg>
-      <p:bgRef idx="1001">
-        <a:schemeClr val="bg1"/>
-      </p:bgRef>
+      <p:bgPr>
+        <a:blipFill dpi="0" rotWithShape="1">
+          <a:blip r:embed="rId13">
+            <a:lum/>
+          </a:blip>
+          <a:srcRect/>
+          <a:stretch>
+            <a:fillRect t="-56000" b="-56000"/>
+          </a:stretch>
+        </a:blipFill>
+        <a:effectLst/>
+      </p:bgPr>
     </p:bg>
     <p:spTree>
       <p:nvGrpSpPr>
@@ -2572,7 +2581,7 @@
           <a:p>
             <a:fld id="{964302DC-9F53-934F-AE4D-0F1F197008C1}" type="datetimeFigureOut">
               <a:rPr lang="en-US" smtClean="0"/>
-              <a:t>1/3/24</a:t>
+              <a:t>1/22/24</a:t>
             </a:fld>
             <a:endParaRPr lang="en-US"/>
           </a:p>
@@ -2963,20 +2972,6 @@
 <file path=ppt/slides/slide1.xml><?xml version="1.0" encoding="utf-8"?>
 <p:sld xmlns:a="http://schemas.openxmlformats.org/drawingml/2006/main" xmlns:r="http://schemas.openxmlformats.org/officeDocument/2006/relationships" xmlns:p="http://schemas.openxmlformats.org/presentationml/2006/main">
   <p:cSld>
-    <p:bg>
-      <p:bgPr>
-        <a:blipFill dpi="0" rotWithShape="1">
-          <a:blip r:embed="rId2">
-            <a:lum/>
-          </a:blip>
-          <a:srcRect/>
-          <a:stretch>
-            <a:fillRect/>
-          </a:stretch>
-        </a:blipFill>
-        <a:effectLst/>
-      </p:bgPr>
-    </p:bg>
     <p:spTree>
       <p:nvGrpSpPr>
         <p:cNvPr id="1" name=""/>
@@ -3088,7 +3083,7 @@
               <p:nvPr/>
             </p:nvPicPr>
             <p:blipFill>
-              <a:blip r:embed="rId3">
+              <a:blip r:embed="rId2">
                 <a:alphaModFix/>
               </a:blip>
               <a:stretch>
@@ -4758,7 +4753,7 @@
             <p:nvPr/>
           </p:nvPicPr>
           <p:blipFill>
-            <a:blip r:embed="rId4">
+            <a:blip r:embed="rId3">
               <a:alphaModFix/>
             </a:blip>
             <a:stretch>
@@ -5416,7 +5411,7 @@
           <p:nvPr/>
         </p:nvPicPr>
         <p:blipFill>
-          <a:blip r:embed="rId5"/>
+          <a:blip r:embed="rId4"/>
           <a:stretch>
             <a:fillRect/>
           </a:stretch>
@@ -5675,20 +5670,6 @@
 <file path=ppt/slides/slide2.xml><?xml version="1.0" encoding="utf-8"?>
 <p:sld xmlns:a="http://schemas.openxmlformats.org/drawingml/2006/main" xmlns:r="http://schemas.openxmlformats.org/officeDocument/2006/relationships" xmlns:p="http://schemas.openxmlformats.org/presentationml/2006/main">
   <p:cSld>
-    <p:bg>
-      <p:bgPr>
-        <a:blipFill dpi="0" rotWithShape="1">
-          <a:blip r:embed="rId2">
-            <a:lum/>
-          </a:blip>
-          <a:srcRect/>
-          <a:stretch>
-            <a:fillRect/>
-          </a:stretch>
-        </a:blipFill>
-        <a:effectLst/>
-      </p:bgPr>
-    </p:bg>
     <p:spTree>
       <p:nvGrpSpPr>
         <p:cNvPr id="1" name=""/>
@@ -5800,7 +5781,7 @@
               <p:nvPr/>
             </p:nvPicPr>
             <p:blipFill>
-              <a:blip r:embed="rId3">
+              <a:blip r:embed="rId2">
                 <a:alphaModFix/>
               </a:blip>
               <a:stretch>
@@ -7244,7 +7225,7 @@
           <p:nvPr/>
         </p:nvPicPr>
         <p:blipFill>
-          <a:blip r:embed="rId4"/>
+          <a:blip r:embed="rId3"/>
           <a:stretch>
             <a:fillRect/>
           </a:stretch>
@@ -8132,7 +8113,7 @@
           <p:nvPr/>
         </p:nvPicPr>
         <p:blipFill>
-          <a:blip r:embed="rId5">
+          <a:blip r:embed="rId4">
             <a:alphaModFix/>
           </a:blip>
           <a:stretch>
@@ -8243,20 +8224,6 @@
 <file path=ppt/slides/slide3.xml><?xml version="1.0" encoding="utf-8"?>
 <p:sld xmlns:a="http://schemas.openxmlformats.org/drawingml/2006/main" xmlns:r="http://schemas.openxmlformats.org/officeDocument/2006/relationships" xmlns:p="http://schemas.openxmlformats.org/presentationml/2006/main">
   <p:cSld>
-    <p:bg>
-      <p:bgPr>
-        <a:blipFill dpi="0" rotWithShape="1">
-          <a:blip r:embed="rId2">
-            <a:lum/>
-          </a:blip>
-          <a:srcRect/>
-          <a:stretch>
-            <a:fillRect/>
-          </a:stretch>
-        </a:blipFill>
-        <a:effectLst/>
-      </p:bgPr>
-    </p:bg>
     <p:spTree>
       <p:nvGrpSpPr>
         <p:cNvPr id="1" name=""/>
@@ -8368,7 +8335,7 @@
               <p:nvPr/>
             </p:nvPicPr>
             <p:blipFill>
-              <a:blip r:embed="rId3">
+              <a:blip r:embed="rId2">
                 <a:alphaModFix/>
               </a:blip>
               <a:stretch>
@@ -9812,7 +9779,7 @@
           <p:nvPr/>
         </p:nvPicPr>
         <p:blipFill>
-          <a:blip r:embed="rId4"/>
+          <a:blip r:embed="rId3"/>
           <a:stretch>
             <a:fillRect/>
           </a:stretch>
@@ -10829,7 +10796,7 @@
           <p:nvPr/>
         </p:nvPicPr>
         <p:blipFill>
-          <a:blip r:embed="rId5">
+          <a:blip r:embed="rId4">
             <a:alphaModFix/>
           </a:blip>
           <a:stretch>
@@ -10940,20 +10907,6 @@
 <file path=ppt/slides/slide4.xml><?xml version="1.0" encoding="utf-8"?>
 <p:sld xmlns:a="http://schemas.openxmlformats.org/drawingml/2006/main" xmlns:r="http://schemas.openxmlformats.org/officeDocument/2006/relationships" xmlns:p="http://schemas.openxmlformats.org/presentationml/2006/main">
   <p:cSld>
-    <p:bg>
-      <p:bgPr>
-        <a:blipFill dpi="0" rotWithShape="1">
-          <a:blip r:embed="rId2">
-            <a:lum/>
-          </a:blip>
-          <a:srcRect/>
-          <a:stretch>
-            <a:fillRect/>
-          </a:stretch>
-        </a:blipFill>
-        <a:effectLst/>
-      </p:bgPr>
-    </p:bg>
     <p:spTree>
       <p:nvGrpSpPr>
         <p:cNvPr id="1" name=""/>
@@ -11065,7 +11018,7 @@
               <p:nvPr/>
             </p:nvPicPr>
             <p:blipFill>
-              <a:blip r:embed="rId3">
+              <a:blip r:embed="rId2">
                 <a:alphaModFix/>
               </a:blip>
               <a:stretch>
@@ -13393,7 +13346,7 @@
           <p:nvPr/>
         </p:nvPicPr>
         <p:blipFill>
-          <a:blip r:embed="rId4">
+          <a:blip r:embed="rId3">
             <a:alphaModFix/>
           </a:blip>
           <a:stretch>
@@ -13504,20 +13457,6 @@
 <file path=ppt/slides/slide5.xml><?xml version="1.0" encoding="utf-8"?>
 <p:sld xmlns:a="http://schemas.openxmlformats.org/drawingml/2006/main" xmlns:r="http://schemas.openxmlformats.org/officeDocument/2006/relationships" xmlns:p="http://schemas.openxmlformats.org/presentationml/2006/main">
   <p:cSld>
-    <p:bg>
-      <p:bgPr>
-        <a:blipFill dpi="0" rotWithShape="1">
-          <a:blip r:embed="rId2">
-            <a:lum/>
-          </a:blip>
-          <a:srcRect/>
-          <a:stretch>
-            <a:fillRect/>
-          </a:stretch>
-        </a:blipFill>
-        <a:effectLst/>
-      </p:bgPr>
-    </p:bg>
     <p:spTree>
       <p:nvGrpSpPr>
         <p:cNvPr id="1" name=""/>
@@ -13629,7 +13568,7 @@
               <p:nvPr/>
             </p:nvPicPr>
             <p:blipFill>
-              <a:blip r:embed="rId3">
+              <a:blip r:embed="rId2">
                 <a:alphaModFix/>
               </a:blip>
               <a:stretch>
@@ -16013,7 +15952,7 @@
           <p:nvPr/>
         </p:nvPicPr>
         <p:blipFill>
-          <a:blip r:embed="rId4">
+          <a:blip r:embed="rId3">
             <a:alphaModFix/>
           </a:blip>
           <a:stretch>
@@ -16124,20 +16063,6 @@
 <file path=ppt/slides/slide6.xml><?xml version="1.0" encoding="utf-8"?>
 <p:sld xmlns:a="http://schemas.openxmlformats.org/drawingml/2006/main" xmlns:r="http://schemas.openxmlformats.org/officeDocument/2006/relationships" xmlns:p="http://schemas.openxmlformats.org/presentationml/2006/main">
   <p:cSld>
-    <p:bg>
-      <p:bgPr>
-        <a:blipFill dpi="0" rotWithShape="1">
-          <a:blip r:embed="rId2">
-            <a:lum/>
-          </a:blip>
-          <a:srcRect/>
-          <a:stretch>
-            <a:fillRect/>
-          </a:stretch>
-        </a:blipFill>
-        <a:effectLst/>
-      </p:bgPr>
-    </p:bg>
     <p:spTree>
       <p:nvGrpSpPr>
         <p:cNvPr id="1" name=""/>
@@ -16249,7 +16174,7 @@
               <p:nvPr/>
             </p:nvPicPr>
             <p:blipFill>
-              <a:blip r:embed="rId3">
+              <a:blip r:embed="rId2">
                 <a:alphaModFix/>
               </a:blip>
               <a:stretch>
@@ -18577,7 +18502,7 @@
           <p:nvPr/>
         </p:nvPicPr>
         <p:blipFill>
-          <a:blip r:embed="rId4">
+          <a:blip r:embed="rId3">
             <a:alphaModFix/>
           </a:blip>
           <a:stretch>
@@ -18688,20 +18613,6 @@
 <file path=ppt/slides/slide7.xml><?xml version="1.0" encoding="utf-8"?>
 <p:sld xmlns:a="http://schemas.openxmlformats.org/drawingml/2006/main" xmlns:r="http://schemas.openxmlformats.org/officeDocument/2006/relationships" xmlns:p="http://schemas.openxmlformats.org/presentationml/2006/main">
   <p:cSld>
-    <p:bg>
-      <p:bgPr>
-        <a:blipFill dpi="0" rotWithShape="1">
-          <a:blip r:embed="rId2">
-            <a:lum/>
-          </a:blip>
-          <a:srcRect/>
-          <a:stretch>
-            <a:fillRect/>
-          </a:stretch>
-        </a:blipFill>
-        <a:effectLst/>
-      </p:bgPr>
-    </p:bg>
     <p:spTree>
       <p:nvGrpSpPr>
         <p:cNvPr id="1" name=""/>
@@ -18813,7 +18724,7 @@
               <p:nvPr/>
             </p:nvPicPr>
             <p:blipFill>
-              <a:blip r:embed="rId3">
+              <a:blip r:embed="rId2">
                 <a:alphaModFix/>
               </a:blip>
               <a:stretch>
@@ -20483,7 +20394,7 @@
             <p:nvPr/>
           </p:nvPicPr>
           <p:blipFill>
-            <a:blip r:embed="rId4">
+            <a:blip r:embed="rId3">
               <a:alphaModFix/>
             </a:blip>
             <a:stretch>

--- a/resources/ppt-slides/sequence-data-sequence.pptx
+++ b/resources/ppt-slides/sequence-data-sequence.pptx
@@ -249,7 +249,7 @@
           <a:p>
             <a:fld id="{964302DC-9F53-934F-AE4D-0F1F197008C1}" type="datetimeFigureOut">
               <a:rPr lang="en-US" smtClean="0"/>
-              <a:t>1/22/24</a:t>
+              <a:t>1/23/24</a:t>
             </a:fld>
             <a:endParaRPr lang="en-US"/>
           </a:p>
@@ -419,7 +419,7 @@
           <a:p>
             <a:fld id="{964302DC-9F53-934F-AE4D-0F1F197008C1}" type="datetimeFigureOut">
               <a:rPr lang="en-US" smtClean="0"/>
-              <a:t>1/22/24</a:t>
+              <a:t>1/23/24</a:t>
             </a:fld>
             <a:endParaRPr lang="en-US"/>
           </a:p>
@@ -599,7 +599,7 @@
           <a:p>
             <a:fld id="{964302DC-9F53-934F-AE4D-0F1F197008C1}" type="datetimeFigureOut">
               <a:rPr lang="en-US" smtClean="0"/>
-              <a:t>1/22/24</a:t>
+              <a:t>1/23/24</a:t>
             </a:fld>
             <a:endParaRPr lang="en-US"/>
           </a:p>
@@ -769,7 +769,7 @@
           <a:p>
             <a:fld id="{964302DC-9F53-934F-AE4D-0F1F197008C1}" type="datetimeFigureOut">
               <a:rPr lang="en-US" smtClean="0"/>
-              <a:t>1/22/24</a:t>
+              <a:t>1/23/24</a:t>
             </a:fld>
             <a:endParaRPr lang="en-US"/>
           </a:p>
@@ -1013,7 +1013,7 @@
           <a:p>
             <a:fld id="{964302DC-9F53-934F-AE4D-0F1F197008C1}" type="datetimeFigureOut">
               <a:rPr lang="en-US" smtClean="0"/>
-              <a:t>1/22/24</a:t>
+              <a:t>1/23/24</a:t>
             </a:fld>
             <a:endParaRPr lang="en-US"/>
           </a:p>
@@ -1245,7 +1245,7 @@
           <a:p>
             <a:fld id="{964302DC-9F53-934F-AE4D-0F1F197008C1}" type="datetimeFigureOut">
               <a:rPr lang="en-US" smtClean="0"/>
-              <a:t>1/22/24</a:t>
+              <a:t>1/23/24</a:t>
             </a:fld>
             <a:endParaRPr lang="en-US"/>
           </a:p>
@@ -1612,7 +1612,7 @@
           <a:p>
             <a:fld id="{964302DC-9F53-934F-AE4D-0F1F197008C1}" type="datetimeFigureOut">
               <a:rPr lang="en-US" smtClean="0"/>
-              <a:t>1/22/24</a:t>
+              <a:t>1/23/24</a:t>
             </a:fld>
             <a:endParaRPr lang="en-US"/>
           </a:p>
@@ -1730,7 +1730,7 @@
           <a:p>
             <a:fld id="{964302DC-9F53-934F-AE4D-0F1F197008C1}" type="datetimeFigureOut">
               <a:rPr lang="en-US" smtClean="0"/>
-              <a:t>1/22/24</a:t>
+              <a:t>1/23/24</a:t>
             </a:fld>
             <a:endParaRPr lang="en-US"/>
           </a:p>
@@ -1825,7 +1825,7 @@
           <a:p>
             <a:fld id="{964302DC-9F53-934F-AE4D-0F1F197008C1}" type="datetimeFigureOut">
               <a:rPr lang="en-US" smtClean="0"/>
-              <a:t>1/22/24</a:t>
+              <a:t>1/23/24</a:t>
             </a:fld>
             <a:endParaRPr lang="en-US"/>
           </a:p>
@@ -2102,7 +2102,7 @@
           <a:p>
             <a:fld id="{964302DC-9F53-934F-AE4D-0F1F197008C1}" type="datetimeFigureOut">
               <a:rPr lang="en-US" smtClean="0"/>
-              <a:t>1/22/24</a:t>
+              <a:t>1/23/24</a:t>
             </a:fld>
             <a:endParaRPr lang="en-US"/>
           </a:p>
@@ -2359,7 +2359,7 @@
           <a:p>
             <a:fld id="{964302DC-9F53-934F-AE4D-0F1F197008C1}" type="datetimeFigureOut">
               <a:rPr lang="en-US" smtClean="0"/>
-              <a:t>1/22/24</a:t>
+              <a:t>1/23/24</a:t>
             </a:fld>
             <a:endParaRPr lang="en-US"/>
           </a:p>
@@ -2581,7 +2581,7 @@
           <a:p>
             <a:fld id="{964302DC-9F53-934F-AE4D-0F1F197008C1}" type="datetimeFigureOut">
               <a:rPr lang="en-US" smtClean="0"/>
-              <a:t>1/22/24</a:t>
+              <a:t>1/23/24</a:t>
             </a:fld>
             <a:endParaRPr lang="en-US"/>
           </a:p>
@@ -3138,43 +3138,6 @@
             </p:txBody>
           </p:sp>
         </p:grpSp>
-        <p:sp>
-          <p:nvSpPr>
-            <p:cNvPr id="2" name="TextBox 1">
-              <a:extLst>
-                <a:ext uri="{FF2B5EF4-FFF2-40B4-BE49-F238E27FC236}">
-                  <a16:creationId xmlns:a16="http://schemas.microsoft.com/office/drawing/2014/main" id="{7896A7BA-08CF-32E6-6836-EBE01A61209D}"/>
-                </a:ext>
-              </a:extLst>
-            </p:cNvPr>
-            <p:cNvSpPr txBox="1"/>
-            <p:nvPr/>
-          </p:nvSpPr>
-          <p:spPr>
-            <a:xfrm>
-              <a:off x="487351" y="-2537265"/>
-              <a:ext cx="1119217" cy="369332"/>
-            </a:xfrm>
-            <a:prstGeom prst="rect">
-              <a:avLst/>
-            </a:prstGeom>
-            <a:noFill/>
-          </p:spPr>
-          <p:txBody>
-            <a:bodyPr wrap="none" rtlCol="0">
-              <a:spAutoFit/>
-            </a:bodyPr>
-            <a:lstStyle/>
-            <a:p>
-              <a:r>
-                <a:rPr lang="en-US" dirty="0">
-                  <a:latin typeface="Gaegu" pitchFamily="2" charset="0"/>
-                </a:rPr>
-                <a:t>The Stack</a:t>
-              </a:r>
-            </a:p>
-          </p:txBody>
-        </p:sp>
         <p:grpSp>
           <p:nvGrpSpPr>
             <p:cNvPr id="52" name="Group 51">
@@ -5836,43 +5799,6 @@
             </p:txBody>
           </p:sp>
         </p:grpSp>
-        <p:sp>
-          <p:nvSpPr>
-            <p:cNvPr id="2" name="TextBox 1">
-              <a:extLst>
-                <a:ext uri="{FF2B5EF4-FFF2-40B4-BE49-F238E27FC236}">
-                  <a16:creationId xmlns:a16="http://schemas.microsoft.com/office/drawing/2014/main" id="{7896A7BA-08CF-32E6-6836-EBE01A61209D}"/>
-                </a:ext>
-              </a:extLst>
-            </p:cNvPr>
-            <p:cNvSpPr txBox="1"/>
-            <p:nvPr/>
-          </p:nvSpPr>
-          <p:spPr>
-            <a:xfrm>
-              <a:off x="487351" y="-2537265"/>
-              <a:ext cx="1119217" cy="369332"/>
-            </a:xfrm>
-            <a:prstGeom prst="rect">
-              <a:avLst/>
-            </a:prstGeom>
-            <a:noFill/>
-          </p:spPr>
-          <p:txBody>
-            <a:bodyPr wrap="none" rtlCol="0">
-              <a:spAutoFit/>
-            </a:bodyPr>
-            <a:lstStyle/>
-            <a:p>
-              <a:r>
-                <a:rPr lang="en-US" dirty="0">
-                  <a:latin typeface="Gaegu" pitchFamily="2" charset="0"/>
-                </a:rPr>
-                <a:t>The Stack</a:t>
-              </a:r>
-            </a:p>
-          </p:txBody>
-        </p:sp>
         <p:grpSp>
           <p:nvGrpSpPr>
             <p:cNvPr id="52" name="Group 51">
@@ -8390,43 +8316,6 @@
             </p:txBody>
           </p:sp>
         </p:grpSp>
-        <p:sp>
-          <p:nvSpPr>
-            <p:cNvPr id="2" name="TextBox 1">
-              <a:extLst>
-                <a:ext uri="{FF2B5EF4-FFF2-40B4-BE49-F238E27FC236}">
-                  <a16:creationId xmlns:a16="http://schemas.microsoft.com/office/drawing/2014/main" id="{7896A7BA-08CF-32E6-6836-EBE01A61209D}"/>
-                </a:ext>
-              </a:extLst>
-            </p:cNvPr>
-            <p:cNvSpPr txBox="1"/>
-            <p:nvPr/>
-          </p:nvSpPr>
-          <p:spPr>
-            <a:xfrm>
-              <a:off x="487351" y="-2537265"/>
-              <a:ext cx="1119217" cy="369332"/>
-            </a:xfrm>
-            <a:prstGeom prst="rect">
-              <a:avLst/>
-            </a:prstGeom>
-            <a:noFill/>
-          </p:spPr>
-          <p:txBody>
-            <a:bodyPr wrap="none" rtlCol="0">
-              <a:spAutoFit/>
-            </a:bodyPr>
-            <a:lstStyle/>
-            <a:p>
-              <a:r>
-                <a:rPr lang="en-US" dirty="0">
-                  <a:latin typeface="Gaegu" pitchFamily="2" charset="0"/>
-                </a:rPr>
-                <a:t>The Stack</a:t>
-              </a:r>
-            </a:p>
-          </p:txBody>
-        </p:sp>
         <p:grpSp>
           <p:nvGrpSpPr>
             <p:cNvPr id="52" name="Group 51">
@@ -11073,43 +10962,6 @@
             </p:txBody>
           </p:sp>
         </p:grpSp>
-        <p:sp>
-          <p:nvSpPr>
-            <p:cNvPr id="2" name="TextBox 1">
-              <a:extLst>
-                <a:ext uri="{FF2B5EF4-FFF2-40B4-BE49-F238E27FC236}">
-                  <a16:creationId xmlns:a16="http://schemas.microsoft.com/office/drawing/2014/main" id="{7896A7BA-08CF-32E6-6836-EBE01A61209D}"/>
-                </a:ext>
-              </a:extLst>
-            </p:cNvPr>
-            <p:cNvSpPr txBox="1"/>
-            <p:nvPr/>
-          </p:nvSpPr>
-          <p:spPr>
-            <a:xfrm>
-              <a:off x="487351" y="-2537265"/>
-              <a:ext cx="1119217" cy="369332"/>
-            </a:xfrm>
-            <a:prstGeom prst="rect">
-              <a:avLst/>
-            </a:prstGeom>
-            <a:noFill/>
-          </p:spPr>
-          <p:txBody>
-            <a:bodyPr wrap="none" rtlCol="0">
-              <a:spAutoFit/>
-            </a:bodyPr>
-            <a:lstStyle/>
-            <a:p>
-              <a:r>
-                <a:rPr lang="en-US" dirty="0">
-                  <a:latin typeface="Gaegu" pitchFamily="2" charset="0"/>
-                </a:rPr>
-                <a:t>The Stack</a:t>
-              </a:r>
-            </a:p>
-          </p:txBody>
-        </p:sp>
         <p:grpSp>
           <p:nvGrpSpPr>
             <p:cNvPr id="52" name="Group 51">
@@ -13623,43 +13475,6 @@
             </p:txBody>
           </p:sp>
         </p:grpSp>
-        <p:sp>
-          <p:nvSpPr>
-            <p:cNvPr id="2" name="TextBox 1">
-              <a:extLst>
-                <a:ext uri="{FF2B5EF4-FFF2-40B4-BE49-F238E27FC236}">
-                  <a16:creationId xmlns:a16="http://schemas.microsoft.com/office/drawing/2014/main" id="{7896A7BA-08CF-32E6-6836-EBE01A61209D}"/>
-                </a:ext>
-              </a:extLst>
-            </p:cNvPr>
-            <p:cNvSpPr txBox="1"/>
-            <p:nvPr/>
-          </p:nvSpPr>
-          <p:spPr>
-            <a:xfrm>
-              <a:off x="487351" y="-2537265"/>
-              <a:ext cx="1119217" cy="369332"/>
-            </a:xfrm>
-            <a:prstGeom prst="rect">
-              <a:avLst/>
-            </a:prstGeom>
-            <a:noFill/>
-          </p:spPr>
-          <p:txBody>
-            <a:bodyPr wrap="none" rtlCol="0">
-              <a:spAutoFit/>
-            </a:bodyPr>
-            <a:lstStyle/>
-            <a:p>
-              <a:r>
-                <a:rPr lang="en-US" dirty="0">
-                  <a:latin typeface="Gaegu" pitchFamily="2" charset="0"/>
-                </a:rPr>
-                <a:t>The Stack</a:t>
-              </a:r>
-            </a:p>
-          </p:txBody>
-        </p:sp>
         <p:grpSp>
           <p:nvGrpSpPr>
             <p:cNvPr id="52" name="Group 51">
@@ -16229,43 +16044,6 @@
             </p:txBody>
           </p:sp>
         </p:grpSp>
-        <p:sp>
-          <p:nvSpPr>
-            <p:cNvPr id="2" name="TextBox 1">
-              <a:extLst>
-                <a:ext uri="{FF2B5EF4-FFF2-40B4-BE49-F238E27FC236}">
-                  <a16:creationId xmlns:a16="http://schemas.microsoft.com/office/drawing/2014/main" id="{7896A7BA-08CF-32E6-6836-EBE01A61209D}"/>
-                </a:ext>
-              </a:extLst>
-            </p:cNvPr>
-            <p:cNvSpPr txBox="1"/>
-            <p:nvPr/>
-          </p:nvSpPr>
-          <p:spPr>
-            <a:xfrm>
-              <a:off x="487351" y="-2537265"/>
-              <a:ext cx="1119217" cy="369332"/>
-            </a:xfrm>
-            <a:prstGeom prst="rect">
-              <a:avLst/>
-            </a:prstGeom>
-            <a:noFill/>
-          </p:spPr>
-          <p:txBody>
-            <a:bodyPr wrap="none" rtlCol="0">
-              <a:spAutoFit/>
-            </a:bodyPr>
-            <a:lstStyle/>
-            <a:p>
-              <a:r>
-                <a:rPr lang="en-US" dirty="0">
-                  <a:latin typeface="Gaegu" pitchFamily="2" charset="0"/>
-                </a:rPr>
-                <a:t>The Stack</a:t>
-              </a:r>
-            </a:p>
-          </p:txBody>
-        </p:sp>
         <p:grpSp>
           <p:nvGrpSpPr>
             <p:cNvPr id="52" name="Group 51">
@@ -18779,43 +18557,6 @@
             </p:txBody>
           </p:sp>
         </p:grpSp>
-        <p:sp>
-          <p:nvSpPr>
-            <p:cNvPr id="2" name="TextBox 1">
-              <a:extLst>
-                <a:ext uri="{FF2B5EF4-FFF2-40B4-BE49-F238E27FC236}">
-                  <a16:creationId xmlns:a16="http://schemas.microsoft.com/office/drawing/2014/main" id="{7896A7BA-08CF-32E6-6836-EBE01A61209D}"/>
-                </a:ext>
-              </a:extLst>
-            </p:cNvPr>
-            <p:cNvSpPr txBox="1"/>
-            <p:nvPr/>
-          </p:nvSpPr>
-          <p:spPr>
-            <a:xfrm>
-              <a:off x="487351" y="-2537265"/>
-              <a:ext cx="1119217" cy="369332"/>
-            </a:xfrm>
-            <a:prstGeom prst="rect">
-              <a:avLst/>
-            </a:prstGeom>
-            <a:noFill/>
-          </p:spPr>
-          <p:txBody>
-            <a:bodyPr wrap="none" rtlCol="0">
-              <a:spAutoFit/>
-            </a:bodyPr>
-            <a:lstStyle/>
-            <a:p>
-              <a:r>
-                <a:rPr lang="en-US" dirty="0">
-                  <a:latin typeface="Gaegu" pitchFamily="2" charset="0"/>
-                </a:rPr>
-                <a:t>The Stack</a:t>
-              </a:r>
-            </a:p>
-          </p:txBody>
-        </p:sp>
         <p:grpSp>
           <p:nvGrpSpPr>
             <p:cNvPr id="52" name="Group 51">

--- a/resources/ppt-slides/sequence-data-sequence.pptx
+++ b/resources/ppt-slides/sequence-data-sequence.pptx
@@ -249,7 +249,7 @@
           <a:p>
             <a:fld id="{964302DC-9F53-934F-AE4D-0F1F197008C1}" type="datetimeFigureOut">
               <a:rPr lang="en-US" smtClean="0"/>
-              <a:t>1/23/24</a:t>
+              <a:t>2/9/24</a:t>
             </a:fld>
             <a:endParaRPr lang="en-US"/>
           </a:p>
@@ -419,7 +419,7 @@
           <a:p>
             <a:fld id="{964302DC-9F53-934F-AE4D-0F1F197008C1}" type="datetimeFigureOut">
               <a:rPr lang="en-US" smtClean="0"/>
-              <a:t>1/23/24</a:t>
+              <a:t>2/9/24</a:t>
             </a:fld>
             <a:endParaRPr lang="en-US"/>
           </a:p>
@@ -599,7 +599,7 @@
           <a:p>
             <a:fld id="{964302DC-9F53-934F-AE4D-0F1F197008C1}" type="datetimeFigureOut">
               <a:rPr lang="en-US" smtClean="0"/>
-              <a:t>1/23/24</a:t>
+              <a:t>2/9/24</a:t>
             </a:fld>
             <a:endParaRPr lang="en-US"/>
           </a:p>
@@ -769,7 +769,7 @@
           <a:p>
             <a:fld id="{964302DC-9F53-934F-AE4D-0F1F197008C1}" type="datetimeFigureOut">
               <a:rPr lang="en-US" smtClean="0"/>
-              <a:t>1/23/24</a:t>
+              <a:t>2/9/24</a:t>
             </a:fld>
             <a:endParaRPr lang="en-US"/>
           </a:p>
@@ -1013,7 +1013,7 @@
           <a:p>
             <a:fld id="{964302DC-9F53-934F-AE4D-0F1F197008C1}" type="datetimeFigureOut">
               <a:rPr lang="en-US" smtClean="0"/>
-              <a:t>1/23/24</a:t>
+              <a:t>2/9/24</a:t>
             </a:fld>
             <a:endParaRPr lang="en-US"/>
           </a:p>
@@ -1245,7 +1245,7 @@
           <a:p>
             <a:fld id="{964302DC-9F53-934F-AE4D-0F1F197008C1}" type="datetimeFigureOut">
               <a:rPr lang="en-US" smtClean="0"/>
-              <a:t>1/23/24</a:t>
+              <a:t>2/9/24</a:t>
             </a:fld>
             <a:endParaRPr lang="en-US"/>
           </a:p>
@@ -1612,7 +1612,7 @@
           <a:p>
             <a:fld id="{964302DC-9F53-934F-AE4D-0F1F197008C1}" type="datetimeFigureOut">
               <a:rPr lang="en-US" smtClean="0"/>
-              <a:t>1/23/24</a:t>
+              <a:t>2/9/24</a:t>
             </a:fld>
             <a:endParaRPr lang="en-US"/>
           </a:p>
@@ -1730,7 +1730,7 @@
           <a:p>
             <a:fld id="{964302DC-9F53-934F-AE4D-0F1F197008C1}" type="datetimeFigureOut">
               <a:rPr lang="en-US" smtClean="0"/>
-              <a:t>1/23/24</a:t>
+              <a:t>2/9/24</a:t>
             </a:fld>
             <a:endParaRPr lang="en-US"/>
           </a:p>
@@ -1825,7 +1825,7 @@
           <a:p>
             <a:fld id="{964302DC-9F53-934F-AE4D-0F1F197008C1}" type="datetimeFigureOut">
               <a:rPr lang="en-US" smtClean="0"/>
-              <a:t>1/23/24</a:t>
+              <a:t>2/9/24</a:t>
             </a:fld>
             <a:endParaRPr lang="en-US"/>
           </a:p>
@@ -2102,7 +2102,7 @@
           <a:p>
             <a:fld id="{964302DC-9F53-934F-AE4D-0F1F197008C1}" type="datetimeFigureOut">
               <a:rPr lang="en-US" smtClean="0"/>
-              <a:t>1/23/24</a:t>
+              <a:t>2/9/24</a:t>
             </a:fld>
             <a:endParaRPr lang="en-US"/>
           </a:p>
@@ -2359,7 +2359,7 @@
           <a:p>
             <a:fld id="{964302DC-9F53-934F-AE4D-0F1F197008C1}" type="datetimeFigureOut">
               <a:rPr lang="en-US" smtClean="0"/>
-              <a:t>1/23/24</a:t>
+              <a:t>2/9/24</a:t>
             </a:fld>
             <a:endParaRPr lang="en-US"/>
           </a:p>
@@ -2581,7 +2581,7 @@
           <a:p>
             <a:fld id="{964302DC-9F53-934F-AE4D-0F1F197008C1}" type="datetimeFigureOut">
               <a:rPr lang="en-US" smtClean="0"/>
-              <a:t>1/23/24</a:t>
+              <a:t>2/9/24</a:t>
             </a:fld>
             <a:endParaRPr lang="en-US"/>
           </a:p>
@@ -7306,222 +7306,6 @@
       </p:sp>
       <p:sp>
         <p:nvSpPr>
-          <p:cNvPr id="27" name="Rectangle 26">
-            <a:extLst>
-              <a:ext uri="{FF2B5EF4-FFF2-40B4-BE49-F238E27FC236}">
-                <a16:creationId xmlns:a16="http://schemas.microsoft.com/office/drawing/2014/main" id="{81B64E77-848B-DD58-27DD-4EBB38725456}"/>
-              </a:ext>
-            </a:extLst>
-          </p:cNvPr>
-          <p:cNvSpPr/>
-          <p:nvPr/>
-        </p:nvSpPr>
-        <p:spPr>
-          <a:xfrm>
-            <a:off x="3006083" y="2673820"/>
-            <a:ext cx="1654299" cy="215009"/>
-          </a:xfrm>
-          <a:custGeom>
-            <a:avLst/>
-            <a:gdLst>
-              <a:gd name="connsiteX0" fmla="*/ 0 w 1654299"/>
-              <a:gd name="connsiteY0" fmla="*/ 0 h 215009"/>
-              <a:gd name="connsiteX1" fmla="*/ 584519 w 1654299"/>
-              <a:gd name="connsiteY1" fmla="*/ 0 h 215009"/>
-              <a:gd name="connsiteX2" fmla="*/ 1152495 w 1654299"/>
-              <a:gd name="connsiteY2" fmla="*/ 0 h 215009"/>
-              <a:gd name="connsiteX3" fmla="*/ 1654299 w 1654299"/>
-              <a:gd name="connsiteY3" fmla="*/ 0 h 215009"/>
-              <a:gd name="connsiteX4" fmla="*/ 1654299 w 1654299"/>
-              <a:gd name="connsiteY4" fmla="*/ 215009 h 215009"/>
-              <a:gd name="connsiteX5" fmla="*/ 1135952 w 1654299"/>
-              <a:gd name="connsiteY5" fmla="*/ 215009 h 215009"/>
-              <a:gd name="connsiteX6" fmla="*/ 584519 w 1654299"/>
-              <a:gd name="connsiteY6" fmla="*/ 215009 h 215009"/>
-              <a:gd name="connsiteX7" fmla="*/ 0 w 1654299"/>
-              <a:gd name="connsiteY7" fmla="*/ 215009 h 215009"/>
-              <a:gd name="connsiteX8" fmla="*/ 0 w 1654299"/>
-              <a:gd name="connsiteY8" fmla="*/ 0 h 215009"/>
-            </a:gdLst>
-            <a:ahLst/>
-            <a:cxnLst>
-              <a:cxn ang="0">
-                <a:pos x="connsiteX0" y="connsiteY0"/>
-              </a:cxn>
-              <a:cxn ang="0">
-                <a:pos x="connsiteX1" y="connsiteY1"/>
-              </a:cxn>
-              <a:cxn ang="0">
-                <a:pos x="connsiteX2" y="connsiteY2"/>
-              </a:cxn>
-              <a:cxn ang="0">
-                <a:pos x="connsiteX3" y="connsiteY3"/>
-              </a:cxn>
-              <a:cxn ang="0">
-                <a:pos x="connsiteX4" y="connsiteY4"/>
-              </a:cxn>
-              <a:cxn ang="0">
-                <a:pos x="connsiteX5" y="connsiteY5"/>
-              </a:cxn>
-              <a:cxn ang="0">
-                <a:pos x="connsiteX6" y="connsiteY6"/>
-              </a:cxn>
-              <a:cxn ang="0">
-                <a:pos x="connsiteX7" y="connsiteY7"/>
-              </a:cxn>
-              <a:cxn ang="0">
-                <a:pos x="connsiteX8" y="connsiteY8"/>
-              </a:cxn>
-            </a:cxnLst>
-            <a:rect l="l" t="t" r="r" b="b"/>
-            <a:pathLst>
-              <a:path w="1654299" h="215009" fill="none" extrusionOk="0">
-                <a:moveTo>
-                  <a:pt x="0" y="0"/>
-                </a:moveTo>
-                <a:cubicBezTo>
-                  <a:pt x="210479" y="15519"/>
-                  <a:pt x="441142" y="5848"/>
-                  <a:pt x="584519" y="0"/>
-                </a:cubicBezTo>
-                <a:cubicBezTo>
-                  <a:pt x="727896" y="-5848"/>
-                  <a:pt x="990191" y="28206"/>
-                  <a:pt x="1152495" y="0"/>
-                </a:cubicBezTo>
-                <a:cubicBezTo>
-                  <a:pt x="1314799" y="-28206"/>
-                  <a:pt x="1409920" y="-13119"/>
-                  <a:pt x="1654299" y="0"/>
-                </a:cubicBezTo>
-                <a:cubicBezTo>
-                  <a:pt x="1649031" y="80377"/>
-                  <a:pt x="1652697" y="113549"/>
-                  <a:pt x="1654299" y="215009"/>
-                </a:cubicBezTo>
-                <a:cubicBezTo>
-                  <a:pt x="1506384" y="218396"/>
-                  <a:pt x="1272831" y="229618"/>
-                  <a:pt x="1135952" y="215009"/>
-                </a:cubicBezTo>
-                <a:cubicBezTo>
-                  <a:pt x="999073" y="200400"/>
-                  <a:pt x="848198" y="226202"/>
-                  <a:pt x="584519" y="215009"/>
-                </a:cubicBezTo>
-                <a:cubicBezTo>
-                  <a:pt x="320840" y="203816"/>
-                  <a:pt x="273152" y="222675"/>
-                  <a:pt x="0" y="215009"/>
-                </a:cubicBezTo>
-                <a:cubicBezTo>
-                  <a:pt x="-2438" y="123297"/>
-                  <a:pt x="-3410" y="83469"/>
-                  <a:pt x="0" y="0"/>
-                </a:cubicBezTo>
-                <a:close/>
-              </a:path>
-              <a:path w="1654299" h="215009" stroke="0" extrusionOk="0">
-                <a:moveTo>
-                  <a:pt x="0" y="0"/>
-                </a:moveTo>
-                <a:cubicBezTo>
-                  <a:pt x="216923" y="-21430"/>
-                  <a:pt x="293677" y="-7800"/>
-                  <a:pt x="534890" y="0"/>
-                </a:cubicBezTo>
-                <a:cubicBezTo>
-                  <a:pt x="776103" y="7800"/>
-                  <a:pt x="821079" y="-7366"/>
-                  <a:pt x="1036694" y="0"/>
-                </a:cubicBezTo>
-                <a:cubicBezTo>
-                  <a:pt x="1252309" y="7366"/>
-                  <a:pt x="1442164" y="16616"/>
-                  <a:pt x="1654299" y="0"/>
-                </a:cubicBezTo>
-                <a:cubicBezTo>
-                  <a:pt x="1661184" y="67152"/>
-                  <a:pt x="1644782" y="156295"/>
-                  <a:pt x="1654299" y="215009"/>
-                </a:cubicBezTo>
-                <a:cubicBezTo>
-                  <a:pt x="1396623" y="238631"/>
-                  <a:pt x="1378947" y="202620"/>
-                  <a:pt x="1135952" y="215009"/>
-                </a:cubicBezTo>
-                <a:cubicBezTo>
-                  <a:pt x="892957" y="227398"/>
-                  <a:pt x="765362" y="229871"/>
-                  <a:pt x="551433" y="215009"/>
-                </a:cubicBezTo>
-                <a:cubicBezTo>
-                  <a:pt x="337504" y="200147"/>
-                  <a:pt x="219438" y="194351"/>
-                  <a:pt x="0" y="215009"/>
-                </a:cubicBezTo>
-                <a:cubicBezTo>
-                  <a:pt x="5572" y="114517"/>
-                  <a:pt x="-6554" y="52986"/>
-                  <a:pt x="0" y="0"/>
-                </a:cubicBezTo>
-                <a:close/>
-              </a:path>
-            </a:pathLst>
-          </a:custGeom>
-          <a:solidFill>
-            <a:schemeClr val="accent4">
-              <a:lumMod val="60000"/>
-              <a:lumOff val="40000"/>
-            </a:schemeClr>
-          </a:solidFill>
-          <a:ln w="12700">
-            <a:solidFill>
-              <a:schemeClr val="tx1"/>
-            </a:solidFill>
-            <a:extLst>
-              <a:ext uri="{C807C97D-BFC1-408E-A445-0C87EB9F89A2}">
-                <ask:lineSketchStyleProps xmlns:ask="http://schemas.microsoft.com/office/drawing/2018/sketchyshapes" sd="1219033472">
-                  <a:prstGeom prst="rect">
-                    <a:avLst/>
-                  </a:prstGeom>
-                  <ask:type>
-                    <ask:lineSketchFreehand/>
-                  </ask:type>
-                </ask:lineSketchStyleProps>
-              </a:ext>
-            </a:extLst>
-          </a:ln>
-          <a:effectLst/>
-        </p:spPr>
-        <p:style>
-          <a:lnRef idx="1">
-            <a:schemeClr val="accent4"/>
-          </a:lnRef>
-          <a:fillRef idx="2">
-            <a:schemeClr val="accent4"/>
-          </a:fillRef>
-          <a:effectRef idx="1">
-            <a:schemeClr val="accent4"/>
-          </a:effectRef>
-          <a:fontRef idx="minor">
-            <a:schemeClr val="dk1"/>
-          </a:fontRef>
-        </p:style>
-        <p:txBody>
-          <a:bodyPr rtlCol="0" anchor="ctr"/>
-          <a:lstStyle/>
-          <a:p>
-            <a:pPr algn="ctr"/>
-            <a:r>
-              <a:rPr lang="en-US" sz="1200" dirty="0"/>
-              <a:t>Load into memory</a:t>
-            </a:r>
-          </a:p>
-        </p:txBody>
-      </p:sp>
-      <p:sp>
-        <p:nvSpPr>
           <p:cNvPr id="28" name="TextBox 27">
             <a:extLst>
               <a:ext uri="{FF2B5EF4-FFF2-40B4-BE49-F238E27FC236}">
@@ -9957,276 +9741,6 @@
           </p:txBody>
         </p:sp>
       </p:grpSp>
-      <p:sp>
-        <p:nvSpPr>
-          <p:cNvPr id="4" name="Oval 3">
-            <a:extLst>
-              <a:ext uri="{FF2B5EF4-FFF2-40B4-BE49-F238E27FC236}">
-                <a16:creationId xmlns:a16="http://schemas.microsoft.com/office/drawing/2014/main" id="{401C84FC-30BB-CF33-190C-9F4EC3A56DA8}"/>
-              </a:ext>
-            </a:extLst>
-          </p:cNvPr>
-          <p:cNvSpPr/>
-          <p:nvPr/>
-        </p:nvSpPr>
-        <p:spPr>
-          <a:xfrm>
-            <a:off x="87231" y="3308561"/>
-            <a:ext cx="2008257" cy="646907"/>
-          </a:xfrm>
-          <a:prstGeom prst="ellipse">
-            <a:avLst/>
-          </a:prstGeom>
-          <a:noFill/>
-          <a:ln w="34925">
-            <a:solidFill>
-              <a:schemeClr val="accent2">
-                <a:lumMod val="75000"/>
-              </a:schemeClr>
-            </a:solidFill>
-          </a:ln>
-        </p:spPr>
-        <p:style>
-          <a:lnRef idx="2">
-            <a:schemeClr val="accent1">
-              <a:shade val="15000"/>
-            </a:schemeClr>
-          </a:lnRef>
-          <a:fillRef idx="1">
-            <a:schemeClr val="accent1"/>
-          </a:fillRef>
-          <a:effectRef idx="0">
-            <a:schemeClr val="accent1"/>
-          </a:effectRef>
-          <a:fontRef idx="minor">
-            <a:schemeClr val="lt1"/>
-          </a:fontRef>
-        </p:style>
-        <p:txBody>
-          <a:bodyPr rtlCol="0" anchor="ctr"/>
-          <a:lstStyle/>
-          <a:p>
-            <a:pPr algn="ctr"/>
-            <a:endParaRPr lang="en-US"/>
-          </a:p>
-        </p:txBody>
-      </p:sp>
-      <p:sp>
-        <p:nvSpPr>
-          <p:cNvPr id="6" name="Rectangle 5">
-            <a:extLst>
-              <a:ext uri="{FF2B5EF4-FFF2-40B4-BE49-F238E27FC236}">
-                <a16:creationId xmlns:a16="http://schemas.microsoft.com/office/drawing/2014/main" id="{35570A78-7506-95C2-007C-30FA4D3BF37C}"/>
-              </a:ext>
-            </a:extLst>
-          </p:cNvPr>
-          <p:cNvSpPr/>
-          <p:nvPr/>
-        </p:nvSpPr>
-        <p:spPr>
-          <a:xfrm>
-            <a:off x="101460" y="2652820"/>
-            <a:ext cx="1654299" cy="215009"/>
-          </a:xfrm>
-          <a:custGeom>
-            <a:avLst/>
-            <a:gdLst>
-              <a:gd name="connsiteX0" fmla="*/ 0 w 1654299"/>
-              <a:gd name="connsiteY0" fmla="*/ 0 h 215009"/>
-              <a:gd name="connsiteX1" fmla="*/ 584519 w 1654299"/>
-              <a:gd name="connsiteY1" fmla="*/ 0 h 215009"/>
-              <a:gd name="connsiteX2" fmla="*/ 1152495 w 1654299"/>
-              <a:gd name="connsiteY2" fmla="*/ 0 h 215009"/>
-              <a:gd name="connsiteX3" fmla="*/ 1654299 w 1654299"/>
-              <a:gd name="connsiteY3" fmla="*/ 0 h 215009"/>
-              <a:gd name="connsiteX4" fmla="*/ 1654299 w 1654299"/>
-              <a:gd name="connsiteY4" fmla="*/ 215009 h 215009"/>
-              <a:gd name="connsiteX5" fmla="*/ 1135952 w 1654299"/>
-              <a:gd name="connsiteY5" fmla="*/ 215009 h 215009"/>
-              <a:gd name="connsiteX6" fmla="*/ 584519 w 1654299"/>
-              <a:gd name="connsiteY6" fmla="*/ 215009 h 215009"/>
-              <a:gd name="connsiteX7" fmla="*/ 0 w 1654299"/>
-              <a:gd name="connsiteY7" fmla="*/ 215009 h 215009"/>
-              <a:gd name="connsiteX8" fmla="*/ 0 w 1654299"/>
-              <a:gd name="connsiteY8" fmla="*/ 0 h 215009"/>
-            </a:gdLst>
-            <a:ahLst/>
-            <a:cxnLst>
-              <a:cxn ang="0">
-                <a:pos x="connsiteX0" y="connsiteY0"/>
-              </a:cxn>
-              <a:cxn ang="0">
-                <a:pos x="connsiteX1" y="connsiteY1"/>
-              </a:cxn>
-              <a:cxn ang="0">
-                <a:pos x="connsiteX2" y="connsiteY2"/>
-              </a:cxn>
-              <a:cxn ang="0">
-                <a:pos x="connsiteX3" y="connsiteY3"/>
-              </a:cxn>
-              <a:cxn ang="0">
-                <a:pos x="connsiteX4" y="connsiteY4"/>
-              </a:cxn>
-              <a:cxn ang="0">
-                <a:pos x="connsiteX5" y="connsiteY5"/>
-              </a:cxn>
-              <a:cxn ang="0">
-                <a:pos x="connsiteX6" y="connsiteY6"/>
-              </a:cxn>
-              <a:cxn ang="0">
-                <a:pos x="connsiteX7" y="connsiteY7"/>
-              </a:cxn>
-              <a:cxn ang="0">
-                <a:pos x="connsiteX8" y="connsiteY8"/>
-              </a:cxn>
-            </a:cxnLst>
-            <a:rect l="l" t="t" r="r" b="b"/>
-            <a:pathLst>
-              <a:path w="1654299" h="215009" fill="none" extrusionOk="0">
-                <a:moveTo>
-                  <a:pt x="0" y="0"/>
-                </a:moveTo>
-                <a:cubicBezTo>
-                  <a:pt x="210479" y="15519"/>
-                  <a:pt x="441142" y="5848"/>
-                  <a:pt x="584519" y="0"/>
-                </a:cubicBezTo>
-                <a:cubicBezTo>
-                  <a:pt x="727896" y="-5848"/>
-                  <a:pt x="990191" y="28206"/>
-                  <a:pt x="1152495" y="0"/>
-                </a:cubicBezTo>
-                <a:cubicBezTo>
-                  <a:pt x="1314799" y="-28206"/>
-                  <a:pt x="1409920" y="-13119"/>
-                  <a:pt x="1654299" y="0"/>
-                </a:cubicBezTo>
-                <a:cubicBezTo>
-                  <a:pt x="1649031" y="80377"/>
-                  <a:pt x="1652697" y="113549"/>
-                  <a:pt x="1654299" y="215009"/>
-                </a:cubicBezTo>
-                <a:cubicBezTo>
-                  <a:pt x="1506384" y="218396"/>
-                  <a:pt x="1272831" y="229618"/>
-                  <a:pt x="1135952" y="215009"/>
-                </a:cubicBezTo>
-                <a:cubicBezTo>
-                  <a:pt x="999073" y="200400"/>
-                  <a:pt x="848198" y="226202"/>
-                  <a:pt x="584519" y="215009"/>
-                </a:cubicBezTo>
-                <a:cubicBezTo>
-                  <a:pt x="320840" y="203816"/>
-                  <a:pt x="273152" y="222675"/>
-                  <a:pt x="0" y="215009"/>
-                </a:cubicBezTo>
-                <a:cubicBezTo>
-                  <a:pt x="-2438" y="123297"/>
-                  <a:pt x="-3410" y="83469"/>
-                  <a:pt x="0" y="0"/>
-                </a:cubicBezTo>
-                <a:close/>
-              </a:path>
-              <a:path w="1654299" h="215009" stroke="0" extrusionOk="0">
-                <a:moveTo>
-                  <a:pt x="0" y="0"/>
-                </a:moveTo>
-                <a:cubicBezTo>
-                  <a:pt x="216923" y="-21430"/>
-                  <a:pt x="293677" y="-7800"/>
-                  <a:pt x="534890" y="0"/>
-                </a:cubicBezTo>
-                <a:cubicBezTo>
-                  <a:pt x="776103" y="7800"/>
-                  <a:pt x="821079" y="-7366"/>
-                  <a:pt x="1036694" y="0"/>
-                </a:cubicBezTo>
-                <a:cubicBezTo>
-                  <a:pt x="1252309" y="7366"/>
-                  <a:pt x="1442164" y="16616"/>
-                  <a:pt x="1654299" y="0"/>
-                </a:cubicBezTo>
-                <a:cubicBezTo>
-                  <a:pt x="1661184" y="67152"/>
-                  <a:pt x="1644782" y="156295"/>
-                  <a:pt x="1654299" y="215009"/>
-                </a:cubicBezTo>
-                <a:cubicBezTo>
-                  <a:pt x="1396623" y="238631"/>
-                  <a:pt x="1378947" y="202620"/>
-                  <a:pt x="1135952" y="215009"/>
-                </a:cubicBezTo>
-                <a:cubicBezTo>
-                  <a:pt x="892957" y="227398"/>
-                  <a:pt x="765362" y="229871"/>
-                  <a:pt x="551433" y="215009"/>
-                </a:cubicBezTo>
-                <a:cubicBezTo>
-                  <a:pt x="337504" y="200147"/>
-                  <a:pt x="219438" y="194351"/>
-                  <a:pt x="0" y="215009"/>
-                </a:cubicBezTo>
-                <a:cubicBezTo>
-                  <a:pt x="5572" y="114517"/>
-                  <a:pt x="-6554" y="52986"/>
-                  <a:pt x="0" y="0"/>
-                </a:cubicBezTo>
-                <a:close/>
-              </a:path>
-            </a:pathLst>
-          </a:custGeom>
-          <a:solidFill>
-            <a:schemeClr val="accent4">
-              <a:lumMod val="60000"/>
-              <a:lumOff val="40000"/>
-            </a:schemeClr>
-          </a:solidFill>
-          <a:ln w="12700">
-            <a:solidFill>
-              <a:schemeClr val="tx1"/>
-            </a:solidFill>
-            <a:extLst>
-              <a:ext uri="{C807C97D-BFC1-408E-A445-0C87EB9F89A2}">
-                <ask:lineSketchStyleProps xmlns:ask="http://schemas.microsoft.com/office/drawing/2018/sketchyshapes" sd="1219033472">
-                  <a:prstGeom prst="rect">
-                    <a:avLst/>
-                  </a:prstGeom>
-                  <ask:type>
-                    <ask:lineSketchFreehand/>
-                  </ask:type>
-                </ask:lineSketchStyleProps>
-              </a:ext>
-            </a:extLst>
-          </a:ln>
-          <a:effectLst/>
-        </p:spPr>
-        <p:style>
-          <a:lnRef idx="1">
-            <a:schemeClr val="accent4"/>
-          </a:lnRef>
-          <a:fillRef idx="2">
-            <a:schemeClr val="accent4"/>
-          </a:fillRef>
-          <a:effectRef idx="1">
-            <a:schemeClr val="accent4"/>
-          </a:effectRef>
-          <a:fontRef idx="minor">
-            <a:schemeClr val="dk1"/>
-          </a:fontRef>
-        </p:style>
-        <p:txBody>
-          <a:bodyPr rtlCol="0" anchor="ctr"/>
-          <a:lstStyle/>
-          <a:p>
-            <a:pPr algn="ctr"/>
-            <a:r>
-              <a:rPr lang="en-US" sz="1200" dirty="0"/>
-              <a:t>Program counter</a:t>
-            </a:r>
-          </a:p>
-        </p:txBody>
-      </p:sp>
       <p:cxnSp>
         <p:nvCxnSpPr>
           <p:cNvPr id="20" name="Straight Arrow Connector 18">
@@ -10238,15 +9752,14 @@
           </p:cNvPr>
           <p:cNvCxnSpPr>
             <a:cxnSpLocks/>
-            <a:stCxn id="6" idx="0"/>
             <a:endCxn id="16" idx="1"/>
           </p:cNvCxnSpPr>
           <p:nvPr/>
         </p:nvCxnSpPr>
         <p:spPr>
           <a:xfrm rot="5400000" flipH="1" flipV="1">
-            <a:off x="665449" y="1066805"/>
-            <a:ext cx="1849177" cy="1322855"/>
+            <a:off x="324878" y="1407377"/>
+            <a:ext cx="2530320" cy="1322853"/>
           </a:xfrm>
           <a:prstGeom prst="curvedConnector2">
             <a:avLst/>
@@ -10256,54 +9769,6 @@
               <a:schemeClr val="accent2"/>
             </a:solidFill>
             <a:tailEnd type="arrow"/>
-          </a:ln>
-        </p:spPr>
-        <p:style>
-          <a:lnRef idx="1">
-            <a:schemeClr val="accent1"/>
-          </a:lnRef>
-          <a:fillRef idx="0">
-            <a:schemeClr val="accent1"/>
-          </a:fillRef>
-          <a:effectRef idx="0">
-            <a:schemeClr val="accent1"/>
-          </a:effectRef>
-          <a:fontRef idx="minor">
-            <a:schemeClr val="tx1"/>
-          </a:fontRef>
-        </p:style>
-      </p:cxnSp>
-      <p:cxnSp>
-        <p:nvCxnSpPr>
-          <p:cNvPr id="34" name="Straight Arrow Connector 18">
-            <a:extLst>
-              <a:ext uri="{FF2B5EF4-FFF2-40B4-BE49-F238E27FC236}">
-                <a16:creationId xmlns:a16="http://schemas.microsoft.com/office/drawing/2014/main" id="{FB21E11A-5E05-DC1C-B4D1-D69BF63BC7D2}"/>
-              </a:ext>
-            </a:extLst>
-          </p:cNvPr>
-          <p:cNvCxnSpPr>
-            <a:cxnSpLocks/>
-            <a:stCxn id="4" idx="0"/>
-            <a:endCxn id="6" idx="2"/>
-          </p:cNvCxnSpPr>
-          <p:nvPr/>
-        </p:nvCxnSpPr>
-        <p:spPr>
-          <a:xfrm rot="16200000" flipV="1">
-            <a:off x="789619" y="3006820"/>
-            <a:ext cx="440732" cy="162750"/>
-          </a:xfrm>
-          <a:prstGeom prst="curvedConnector3">
-            <a:avLst>
-              <a:gd name="adj1" fmla="val 50000"/>
-            </a:avLst>
-          </a:prstGeom>
-          <a:ln w="38100">
-            <a:solidFill>
-              <a:schemeClr val="accent2"/>
-            </a:solidFill>
-            <a:tailEnd type="triangle"/>
           </a:ln>
         </p:spPr>
         <p:style>
@@ -10777,6 +10242,60 @@
               <a:rPr lang="en-US" dirty="0"/>
               <a:t>./hello-world</a:t>
             </a:r>
+          </a:p>
+        </p:txBody>
+      </p:sp>
+      <p:sp>
+        <p:nvSpPr>
+          <p:cNvPr id="4" name="Oval 3">
+            <a:extLst>
+              <a:ext uri="{FF2B5EF4-FFF2-40B4-BE49-F238E27FC236}">
+                <a16:creationId xmlns:a16="http://schemas.microsoft.com/office/drawing/2014/main" id="{401C84FC-30BB-CF33-190C-9F4EC3A56DA8}"/>
+              </a:ext>
+            </a:extLst>
+          </p:cNvPr>
+          <p:cNvSpPr/>
+          <p:nvPr/>
+        </p:nvSpPr>
+        <p:spPr>
+          <a:xfrm>
+            <a:off x="87231" y="3308561"/>
+            <a:ext cx="2008257" cy="646907"/>
+          </a:xfrm>
+          <a:prstGeom prst="ellipse">
+            <a:avLst/>
+          </a:prstGeom>
+          <a:noFill/>
+          <a:ln w="34925">
+            <a:solidFill>
+              <a:schemeClr val="accent2">
+                <a:lumMod val="75000"/>
+              </a:schemeClr>
+            </a:solidFill>
+          </a:ln>
+        </p:spPr>
+        <p:style>
+          <a:lnRef idx="2">
+            <a:schemeClr val="accent1">
+              <a:shade val="15000"/>
+            </a:schemeClr>
+          </a:lnRef>
+          <a:fillRef idx="1">
+            <a:schemeClr val="accent1"/>
+          </a:fillRef>
+          <a:effectRef idx="0">
+            <a:schemeClr val="accent1"/>
+          </a:effectRef>
+          <a:fontRef idx="minor">
+            <a:schemeClr val="lt1"/>
+          </a:fontRef>
+        </p:style>
+        <p:txBody>
+          <a:bodyPr rtlCol="0" anchor="ctr"/>
+          <a:lstStyle/>
+          <a:p>
+            <a:pPr algn="ctr"/>
+            <a:endParaRPr lang="en-US"/>
           </a:p>
         </p:txBody>
       </p:sp>
@@ -12387,222 +11906,6 @@
           </p:txBody>
         </p:sp>
       </p:grpSp>
-      <p:sp>
-        <p:nvSpPr>
-          <p:cNvPr id="6" name="Rectangle 5">
-            <a:extLst>
-              <a:ext uri="{FF2B5EF4-FFF2-40B4-BE49-F238E27FC236}">
-                <a16:creationId xmlns:a16="http://schemas.microsoft.com/office/drawing/2014/main" id="{35570A78-7506-95C2-007C-30FA4D3BF37C}"/>
-              </a:ext>
-            </a:extLst>
-          </p:cNvPr>
-          <p:cNvSpPr/>
-          <p:nvPr/>
-        </p:nvSpPr>
-        <p:spPr>
-          <a:xfrm>
-            <a:off x="3249742" y="690741"/>
-            <a:ext cx="1654299" cy="215009"/>
-          </a:xfrm>
-          <a:custGeom>
-            <a:avLst/>
-            <a:gdLst>
-              <a:gd name="connsiteX0" fmla="*/ 0 w 1654299"/>
-              <a:gd name="connsiteY0" fmla="*/ 0 h 215009"/>
-              <a:gd name="connsiteX1" fmla="*/ 584519 w 1654299"/>
-              <a:gd name="connsiteY1" fmla="*/ 0 h 215009"/>
-              <a:gd name="connsiteX2" fmla="*/ 1152495 w 1654299"/>
-              <a:gd name="connsiteY2" fmla="*/ 0 h 215009"/>
-              <a:gd name="connsiteX3" fmla="*/ 1654299 w 1654299"/>
-              <a:gd name="connsiteY3" fmla="*/ 0 h 215009"/>
-              <a:gd name="connsiteX4" fmla="*/ 1654299 w 1654299"/>
-              <a:gd name="connsiteY4" fmla="*/ 215009 h 215009"/>
-              <a:gd name="connsiteX5" fmla="*/ 1135952 w 1654299"/>
-              <a:gd name="connsiteY5" fmla="*/ 215009 h 215009"/>
-              <a:gd name="connsiteX6" fmla="*/ 584519 w 1654299"/>
-              <a:gd name="connsiteY6" fmla="*/ 215009 h 215009"/>
-              <a:gd name="connsiteX7" fmla="*/ 0 w 1654299"/>
-              <a:gd name="connsiteY7" fmla="*/ 215009 h 215009"/>
-              <a:gd name="connsiteX8" fmla="*/ 0 w 1654299"/>
-              <a:gd name="connsiteY8" fmla="*/ 0 h 215009"/>
-            </a:gdLst>
-            <a:ahLst/>
-            <a:cxnLst>
-              <a:cxn ang="0">
-                <a:pos x="connsiteX0" y="connsiteY0"/>
-              </a:cxn>
-              <a:cxn ang="0">
-                <a:pos x="connsiteX1" y="connsiteY1"/>
-              </a:cxn>
-              <a:cxn ang="0">
-                <a:pos x="connsiteX2" y="connsiteY2"/>
-              </a:cxn>
-              <a:cxn ang="0">
-                <a:pos x="connsiteX3" y="connsiteY3"/>
-              </a:cxn>
-              <a:cxn ang="0">
-                <a:pos x="connsiteX4" y="connsiteY4"/>
-              </a:cxn>
-              <a:cxn ang="0">
-                <a:pos x="connsiteX5" y="connsiteY5"/>
-              </a:cxn>
-              <a:cxn ang="0">
-                <a:pos x="connsiteX6" y="connsiteY6"/>
-              </a:cxn>
-              <a:cxn ang="0">
-                <a:pos x="connsiteX7" y="connsiteY7"/>
-              </a:cxn>
-              <a:cxn ang="0">
-                <a:pos x="connsiteX8" y="connsiteY8"/>
-              </a:cxn>
-            </a:cxnLst>
-            <a:rect l="l" t="t" r="r" b="b"/>
-            <a:pathLst>
-              <a:path w="1654299" h="215009" fill="none" extrusionOk="0">
-                <a:moveTo>
-                  <a:pt x="0" y="0"/>
-                </a:moveTo>
-                <a:cubicBezTo>
-                  <a:pt x="210479" y="15519"/>
-                  <a:pt x="441142" y="5848"/>
-                  <a:pt x="584519" y="0"/>
-                </a:cubicBezTo>
-                <a:cubicBezTo>
-                  <a:pt x="727896" y="-5848"/>
-                  <a:pt x="990191" y="28206"/>
-                  <a:pt x="1152495" y="0"/>
-                </a:cubicBezTo>
-                <a:cubicBezTo>
-                  <a:pt x="1314799" y="-28206"/>
-                  <a:pt x="1409920" y="-13119"/>
-                  <a:pt x="1654299" y="0"/>
-                </a:cubicBezTo>
-                <a:cubicBezTo>
-                  <a:pt x="1649031" y="80377"/>
-                  <a:pt x="1652697" y="113549"/>
-                  <a:pt x="1654299" y="215009"/>
-                </a:cubicBezTo>
-                <a:cubicBezTo>
-                  <a:pt x="1506384" y="218396"/>
-                  <a:pt x="1272831" y="229618"/>
-                  <a:pt x="1135952" y="215009"/>
-                </a:cubicBezTo>
-                <a:cubicBezTo>
-                  <a:pt x="999073" y="200400"/>
-                  <a:pt x="848198" y="226202"/>
-                  <a:pt x="584519" y="215009"/>
-                </a:cubicBezTo>
-                <a:cubicBezTo>
-                  <a:pt x="320840" y="203816"/>
-                  <a:pt x="273152" y="222675"/>
-                  <a:pt x="0" y="215009"/>
-                </a:cubicBezTo>
-                <a:cubicBezTo>
-                  <a:pt x="-2438" y="123297"/>
-                  <a:pt x="-3410" y="83469"/>
-                  <a:pt x="0" y="0"/>
-                </a:cubicBezTo>
-                <a:close/>
-              </a:path>
-              <a:path w="1654299" h="215009" stroke="0" extrusionOk="0">
-                <a:moveTo>
-                  <a:pt x="0" y="0"/>
-                </a:moveTo>
-                <a:cubicBezTo>
-                  <a:pt x="216923" y="-21430"/>
-                  <a:pt x="293677" y="-7800"/>
-                  <a:pt x="534890" y="0"/>
-                </a:cubicBezTo>
-                <a:cubicBezTo>
-                  <a:pt x="776103" y="7800"/>
-                  <a:pt x="821079" y="-7366"/>
-                  <a:pt x="1036694" y="0"/>
-                </a:cubicBezTo>
-                <a:cubicBezTo>
-                  <a:pt x="1252309" y="7366"/>
-                  <a:pt x="1442164" y="16616"/>
-                  <a:pt x="1654299" y="0"/>
-                </a:cubicBezTo>
-                <a:cubicBezTo>
-                  <a:pt x="1661184" y="67152"/>
-                  <a:pt x="1644782" y="156295"/>
-                  <a:pt x="1654299" y="215009"/>
-                </a:cubicBezTo>
-                <a:cubicBezTo>
-                  <a:pt x="1396623" y="238631"/>
-                  <a:pt x="1378947" y="202620"/>
-                  <a:pt x="1135952" y="215009"/>
-                </a:cubicBezTo>
-                <a:cubicBezTo>
-                  <a:pt x="892957" y="227398"/>
-                  <a:pt x="765362" y="229871"/>
-                  <a:pt x="551433" y="215009"/>
-                </a:cubicBezTo>
-                <a:cubicBezTo>
-                  <a:pt x="337504" y="200147"/>
-                  <a:pt x="219438" y="194351"/>
-                  <a:pt x="0" y="215009"/>
-                </a:cubicBezTo>
-                <a:cubicBezTo>
-                  <a:pt x="5572" y="114517"/>
-                  <a:pt x="-6554" y="52986"/>
-                  <a:pt x="0" y="0"/>
-                </a:cubicBezTo>
-                <a:close/>
-              </a:path>
-            </a:pathLst>
-          </a:custGeom>
-          <a:solidFill>
-            <a:schemeClr val="accent4">
-              <a:lumMod val="60000"/>
-              <a:lumOff val="40000"/>
-            </a:schemeClr>
-          </a:solidFill>
-          <a:ln w="12700">
-            <a:solidFill>
-              <a:schemeClr val="tx1"/>
-            </a:solidFill>
-            <a:extLst>
-              <a:ext uri="{C807C97D-BFC1-408E-A445-0C87EB9F89A2}">
-                <ask:lineSketchStyleProps xmlns:ask="http://schemas.microsoft.com/office/drawing/2018/sketchyshapes" sd="1219033472">
-                  <a:prstGeom prst="rect">
-                    <a:avLst/>
-                  </a:prstGeom>
-                  <ask:type>
-                    <ask:lineSketchFreehand/>
-                  </ask:type>
-                </ask:lineSketchStyleProps>
-              </a:ext>
-            </a:extLst>
-          </a:ln>
-          <a:effectLst/>
-        </p:spPr>
-        <p:style>
-          <a:lnRef idx="1">
-            <a:schemeClr val="accent4"/>
-          </a:lnRef>
-          <a:fillRef idx="2">
-            <a:schemeClr val="accent4"/>
-          </a:fillRef>
-          <a:effectRef idx="1">
-            <a:schemeClr val="accent4"/>
-          </a:effectRef>
-          <a:fontRef idx="minor">
-            <a:schemeClr val="dk1"/>
-          </a:fontRef>
-        </p:style>
-        <p:txBody>
-          <a:bodyPr rtlCol="0" anchor="ctr"/>
-          <a:lstStyle/>
-          <a:p>
-            <a:pPr algn="ctr"/>
-            <a:r>
-              <a:rPr lang="en-US" sz="1200" dirty="0"/>
-              <a:t>Read into CPU</a:t>
-            </a:r>
-          </a:p>
-        </p:txBody>
-      </p:sp>
       <p:cxnSp>
         <p:nvCxnSpPr>
           <p:cNvPr id="20" name="Straight Arrow Connector 18">
@@ -12614,18 +11917,19 @@
           </p:cNvPr>
           <p:cNvCxnSpPr>
             <a:cxnSpLocks/>
-            <a:stCxn id="6" idx="2"/>
-            <a:endCxn id="22" idx="3"/>
+            <a:endCxn id="22" idx="0"/>
           </p:cNvCxnSpPr>
           <p:nvPr/>
         </p:nvCxnSpPr>
         <p:spPr>
           <a:xfrm rot="5400000">
-            <a:off x="1441447" y="1641723"/>
-            <a:ext cx="3371418" cy="1899472"/>
+            <a:off x="757685" y="1913037"/>
+            <a:ext cx="3202830" cy="1217654"/>
           </a:xfrm>
-          <a:prstGeom prst="curvedConnector2">
-            <a:avLst/>
+          <a:prstGeom prst="curvedConnector3">
+            <a:avLst>
+              <a:gd name="adj1" fmla="val 50000"/>
+            </a:avLst>
           </a:prstGeom>
           <a:ln w="38100">
             <a:solidFill>
@@ -14910,222 +14214,6 @@
           </p:txBody>
         </p:sp>
       </p:grpSp>
-      <p:sp>
-        <p:nvSpPr>
-          <p:cNvPr id="6" name="Rectangle 5">
-            <a:extLst>
-              <a:ext uri="{FF2B5EF4-FFF2-40B4-BE49-F238E27FC236}">
-                <a16:creationId xmlns:a16="http://schemas.microsoft.com/office/drawing/2014/main" id="{35570A78-7506-95C2-007C-30FA4D3BF37C}"/>
-              </a:ext>
-            </a:extLst>
-          </p:cNvPr>
-          <p:cNvSpPr/>
-          <p:nvPr/>
-        </p:nvSpPr>
-        <p:spPr>
-          <a:xfrm>
-            <a:off x="3230078" y="956214"/>
-            <a:ext cx="1995270" cy="238101"/>
-          </a:xfrm>
-          <a:custGeom>
-            <a:avLst/>
-            <a:gdLst>
-              <a:gd name="connsiteX0" fmla="*/ 0 w 1995270"/>
-              <a:gd name="connsiteY0" fmla="*/ 0 h 238101"/>
-              <a:gd name="connsiteX1" fmla="*/ 704995 w 1995270"/>
-              <a:gd name="connsiteY1" fmla="*/ 0 h 238101"/>
-              <a:gd name="connsiteX2" fmla="*/ 1390038 w 1995270"/>
-              <a:gd name="connsiteY2" fmla="*/ 0 h 238101"/>
-              <a:gd name="connsiteX3" fmla="*/ 1995270 w 1995270"/>
-              <a:gd name="connsiteY3" fmla="*/ 0 h 238101"/>
-              <a:gd name="connsiteX4" fmla="*/ 1995270 w 1995270"/>
-              <a:gd name="connsiteY4" fmla="*/ 238101 h 238101"/>
-              <a:gd name="connsiteX5" fmla="*/ 1370085 w 1995270"/>
-              <a:gd name="connsiteY5" fmla="*/ 238101 h 238101"/>
-              <a:gd name="connsiteX6" fmla="*/ 704995 w 1995270"/>
-              <a:gd name="connsiteY6" fmla="*/ 238101 h 238101"/>
-              <a:gd name="connsiteX7" fmla="*/ 0 w 1995270"/>
-              <a:gd name="connsiteY7" fmla="*/ 238101 h 238101"/>
-              <a:gd name="connsiteX8" fmla="*/ 0 w 1995270"/>
-              <a:gd name="connsiteY8" fmla="*/ 0 h 238101"/>
-            </a:gdLst>
-            <a:ahLst/>
-            <a:cxnLst>
-              <a:cxn ang="0">
-                <a:pos x="connsiteX0" y="connsiteY0"/>
-              </a:cxn>
-              <a:cxn ang="0">
-                <a:pos x="connsiteX1" y="connsiteY1"/>
-              </a:cxn>
-              <a:cxn ang="0">
-                <a:pos x="connsiteX2" y="connsiteY2"/>
-              </a:cxn>
-              <a:cxn ang="0">
-                <a:pos x="connsiteX3" y="connsiteY3"/>
-              </a:cxn>
-              <a:cxn ang="0">
-                <a:pos x="connsiteX4" y="connsiteY4"/>
-              </a:cxn>
-              <a:cxn ang="0">
-                <a:pos x="connsiteX5" y="connsiteY5"/>
-              </a:cxn>
-              <a:cxn ang="0">
-                <a:pos x="connsiteX6" y="connsiteY6"/>
-              </a:cxn>
-              <a:cxn ang="0">
-                <a:pos x="connsiteX7" y="connsiteY7"/>
-              </a:cxn>
-              <a:cxn ang="0">
-                <a:pos x="connsiteX8" y="connsiteY8"/>
-              </a:cxn>
-            </a:cxnLst>
-            <a:rect l="l" t="t" r="r" b="b"/>
-            <a:pathLst>
-              <a:path w="1995270" h="238101" fill="none" extrusionOk="0">
-                <a:moveTo>
-                  <a:pt x="0" y="0"/>
-                </a:moveTo>
-                <a:cubicBezTo>
-                  <a:pt x="270374" y="32118"/>
-                  <a:pt x="380831" y="-13488"/>
-                  <a:pt x="704995" y="0"/>
-                </a:cubicBezTo>
-                <a:cubicBezTo>
-                  <a:pt x="1029159" y="13488"/>
-                  <a:pt x="1152758" y="-24956"/>
-                  <a:pt x="1390038" y="0"/>
-                </a:cubicBezTo>
-                <a:cubicBezTo>
-                  <a:pt x="1627318" y="24956"/>
-                  <a:pt x="1731260" y="-8981"/>
-                  <a:pt x="1995270" y="0"/>
-                </a:cubicBezTo>
-                <a:cubicBezTo>
-                  <a:pt x="2002053" y="91700"/>
-                  <a:pt x="1998989" y="119685"/>
-                  <a:pt x="1995270" y="238101"/>
-                </a:cubicBezTo>
-                <a:cubicBezTo>
-                  <a:pt x="1802325" y="251597"/>
-                  <a:pt x="1619833" y="240547"/>
-                  <a:pt x="1370085" y="238101"/>
-                </a:cubicBezTo>
-                <a:cubicBezTo>
-                  <a:pt x="1120338" y="235655"/>
-                  <a:pt x="939235" y="245748"/>
-                  <a:pt x="704995" y="238101"/>
-                </a:cubicBezTo>
-                <a:cubicBezTo>
-                  <a:pt x="470755" y="230455"/>
-                  <a:pt x="171832" y="216948"/>
-                  <a:pt x="0" y="238101"/>
-                </a:cubicBezTo>
-                <a:cubicBezTo>
-                  <a:pt x="6521" y="143111"/>
-                  <a:pt x="4779" y="106560"/>
-                  <a:pt x="0" y="0"/>
-                </a:cubicBezTo>
-                <a:close/>
-              </a:path>
-              <a:path w="1995270" h="238101" stroke="0" extrusionOk="0">
-                <a:moveTo>
-                  <a:pt x="0" y="0"/>
-                </a:moveTo>
-                <a:cubicBezTo>
-                  <a:pt x="305296" y="-10615"/>
-                  <a:pt x="463082" y="-26080"/>
-                  <a:pt x="645137" y="0"/>
-                </a:cubicBezTo>
-                <a:cubicBezTo>
-                  <a:pt x="827192" y="26080"/>
-                  <a:pt x="1084759" y="13339"/>
-                  <a:pt x="1250369" y="0"/>
-                </a:cubicBezTo>
-                <a:cubicBezTo>
-                  <a:pt x="1415979" y="-13339"/>
-                  <a:pt x="1783286" y="36868"/>
-                  <a:pt x="1995270" y="0"/>
-                </a:cubicBezTo>
-                <a:cubicBezTo>
-                  <a:pt x="1984287" y="104354"/>
-                  <a:pt x="1987705" y="131812"/>
-                  <a:pt x="1995270" y="238101"/>
-                </a:cubicBezTo>
-                <a:cubicBezTo>
-                  <a:pt x="1705065" y="221477"/>
-                  <a:pt x="1509339" y="254296"/>
-                  <a:pt x="1370085" y="238101"/>
-                </a:cubicBezTo>
-                <a:cubicBezTo>
-                  <a:pt x="1230832" y="221906"/>
-                  <a:pt x="967949" y="238723"/>
-                  <a:pt x="665090" y="238101"/>
-                </a:cubicBezTo>
-                <a:cubicBezTo>
-                  <a:pt x="362232" y="237479"/>
-                  <a:pt x="166522" y="242224"/>
-                  <a:pt x="0" y="238101"/>
-                </a:cubicBezTo>
-                <a:cubicBezTo>
-                  <a:pt x="4378" y="189432"/>
-                  <a:pt x="4974" y="117930"/>
-                  <a:pt x="0" y="0"/>
-                </a:cubicBezTo>
-                <a:close/>
-              </a:path>
-            </a:pathLst>
-          </a:custGeom>
-          <a:solidFill>
-            <a:schemeClr val="accent4">
-              <a:lumMod val="60000"/>
-              <a:lumOff val="40000"/>
-            </a:schemeClr>
-          </a:solidFill>
-          <a:ln w="12700">
-            <a:solidFill>
-              <a:schemeClr val="tx1"/>
-            </a:solidFill>
-            <a:extLst>
-              <a:ext uri="{C807C97D-BFC1-408E-A445-0C87EB9F89A2}">
-                <ask:lineSketchStyleProps xmlns:ask="http://schemas.microsoft.com/office/drawing/2018/sketchyshapes" sd="1219033472">
-                  <a:prstGeom prst="rect">
-                    <a:avLst/>
-                  </a:prstGeom>
-                  <ask:type>
-                    <ask:lineSketchFreehand/>
-                  </ask:type>
-                </ask:lineSketchStyleProps>
-              </a:ext>
-            </a:extLst>
-          </a:ln>
-          <a:effectLst/>
-        </p:spPr>
-        <p:style>
-          <a:lnRef idx="1">
-            <a:schemeClr val="accent4"/>
-          </a:lnRef>
-          <a:fillRef idx="2">
-            <a:schemeClr val="accent4"/>
-          </a:fillRef>
-          <a:effectRef idx="1">
-            <a:schemeClr val="accent4"/>
-          </a:effectRef>
-          <a:fontRef idx="minor">
-            <a:schemeClr val="dk1"/>
-          </a:fontRef>
-        </p:style>
-        <p:txBody>
-          <a:bodyPr rtlCol="0" anchor="ctr"/>
-          <a:lstStyle/>
-          <a:p>
-            <a:pPr algn="ctr"/>
-            <a:r>
-              <a:rPr lang="en-US" sz="1200" dirty="0"/>
-              <a:t>Increment program counter</a:t>
-            </a:r>
-          </a:p>
-        </p:txBody>
-      </p:sp>
       <p:cxnSp>
         <p:nvCxnSpPr>
           <p:cNvPr id="20" name="Straight Arrow Connector 18">
@@ -15137,18 +14225,19 @@
           </p:cNvPr>
           <p:cNvCxnSpPr>
             <a:cxnSpLocks/>
-            <a:stCxn id="6" idx="2"/>
-            <a:endCxn id="17" idx="3"/>
+            <a:endCxn id="28" idx="0"/>
           </p:cNvCxnSpPr>
           <p:nvPr/>
         </p:nvCxnSpPr>
         <p:spPr>
           <a:xfrm rot="5400000">
-            <a:off x="1823304" y="1247490"/>
-            <a:ext cx="2457584" cy="2351235"/>
+            <a:off x="789621" y="1818461"/>
+            <a:ext cx="2282674" cy="1004554"/>
           </a:xfrm>
-          <a:prstGeom prst="curvedConnector2">
-            <a:avLst/>
+          <a:prstGeom prst="curvedConnector3">
+            <a:avLst>
+              <a:gd name="adj1" fmla="val 50000"/>
+            </a:avLst>
           </a:prstGeom>
           <a:ln w="38100">
             <a:solidFill>
@@ -17654,222 +16743,6 @@
           </a:p>
         </p:txBody>
       </p:sp>
-      <p:sp>
-        <p:nvSpPr>
-          <p:cNvPr id="7" name="Rectangle 6">
-            <a:extLst>
-              <a:ext uri="{FF2B5EF4-FFF2-40B4-BE49-F238E27FC236}">
-                <a16:creationId xmlns:a16="http://schemas.microsoft.com/office/drawing/2014/main" id="{646943BB-B8A6-B7FB-3ABD-809039250ACD}"/>
-              </a:ext>
-            </a:extLst>
-          </p:cNvPr>
-          <p:cNvSpPr/>
-          <p:nvPr/>
-        </p:nvSpPr>
-        <p:spPr>
-          <a:xfrm>
-            <a:off x="3249743" y="946379"/>
-            <a:ext cx="2089174" cy="247936"/>
-          </a:xfrm>
-          <a:custGeom>
-            <a:avLst/>
-            <a:gdLst>
-              <a:gd name="connsiteX0" fmla="*/ 0 w 2089174"/>
-              <a:gd name="connsiteY0" fmla="*/ 0 h 247936"/>
-              <a:gd name="connsiteX1" fmla="*/ 738175 w 2089174"/>
-              <a:gd name="connsiteY1" fmla="*/ 0 h 247936"/>
-              <a:gd name="connsiteX2" fmla="*/ 1455458 w 2089174"/>
-              <a:gd name="connsiteY2" fmla="*/ 0 h 247936"/>
-              <a:gd name="connsiteX3" fmla="*/ 2089174 w 2089174"/>
-              <a:gd name="connsiteY3" fmla="*/ 0 h 247936"/>
-              <a:gd name="connsiteX4" fmla="*/ 2089174 w 2089174"/>
-              <a:gd name="connsiteY4" fmla="*/ 247936 h 247936"/>
-              <a:gd name="connsiteX5" fmla="*/ 1434566 w 2089174"/>
-              <a:gd name="connsiteY5" fmla="*/ 247936 h 247936"/>
-              <a:gd name="connsiteX6" fmla="*/ 738175 w 2089174"/>
-              <a:gd name="connsiteY6" fmla="*/ 247936 h 247936"/>
-              <a:gd name="connsiteX7" fmla="*/ 0 w 2089174"/>
-              <a:gd name="connsiteY7" fmla="*/ 247936 h 247936"/>
-              <a:gd name="connsiteX8" fmla="*/ 0 w 2089174"/>
-              <a:gd name="connsiteY8" fmla="*/ 0 h 247936"/>
-            </a:gdLst>
-            <a:ahLst/>
-            <a:cxnLst>
-              <a:cxn ang="0">
-                <a:pos x="connsiteX0" y="connsiteY0"/>
-              </a:cxn>
-              <a:cxn ang="0">
-                <a:pos x="connsiteX1" y="connsiteY1"/>
-              </a:cxn>
-              <a:cxn ang="0">
-                <a:pos x="connsiteX2" y="connsiteY2"/>
-              </a:cxn>
-              <a:cxn ang="0">
-                <a:pos x="connsiteX3" y="connsiteY3"/>
-              </a:cxn>
-              <a:cxn ang="0">
-                <a:pos x="connsiteX4" y="connsiteY4"/>
-              </a:cxn>
-              <a:cxn ang="0">
-                <a:pos x="connsiteX5" y="connsiteY5"/>
-              </a:cxn>
-              <a:cxn ang="0">
-                <a:pos x="connsiteX6" y="connsiteY6"/>
-              </a:cxn>
-              <a:cxn ang="0">
-                <a:pos x="connsiteX7" y="connsiteY7"/>
-              </a:cxn>
-              <a:cxn ang="0">
-                <a:pos x="connsiteX8" y="connsiteY8"/>
-              </a:cxn>
-            </a:cxnLst>
-            <a:rect l="l" t="t" r="r" b="b"/>
-            <a:pathLst>
-              <a:path w="2089174" h="247936" fill="none" extrusionOk="0">
-                <a:moveTo>
-                  <a:pt x="0" y="0"/>
-                </a:moveTo>
-                <a:cubicBezTo>
-                  <a:pt x="319199" y="25158"/>
-                  <a:pt x="425259" y="-3538"/>
-                  <a:pt x="738175" y="0"/>
-                </a:cubicBezTo>
-                <a:cubicBezTo>
-                  <a:pt x="1051092" y="3538"/>
-                  <a:pt x="1259226" y="33945"/>
-                  <a:pt x="1455458" y="0"/>
-                </a:cubicBezTo>
-                <a:cubicBezTo>
-                  <a:pt x="1651690" y="-33945"/>
-                  <a:pt x="1790183" y="-12672"/>
-                  <a:pt x="2089174" y="0"/>
-                </a:cubicBezTo>
-                <a:cubicBezTo>
-                  <a:pt x="2098681" y="123467"/>
-                  <a:pt x="2090992" y="124590"/>
-                  <a:pt x="2089174" y="247936"/>
-                </a:cubicBezTo>
-                <a:cubicBezTo>
-                  <a:pt x="1908078" y="226201"/>
-                  <a:pt x="1746567" y="230865"/>
-                  <a:pt x="1434566" y="247936"/>
-                </a:cubicBezTo>
-                <a:cubicBezTo>
-                  <a:pt x="1122565" y="265007"/>
-                  <a:pt x="1032640" y="252235"/>
-                  <a:pt x="738175" y="247936"/>
-                </a:cubicBezTo>
-                <a:cubicBezTo>
-                  <a:pt x="443710" y="243637"/>
-                  <a:pt x="352581" y="260115"/>
-                  <a:pt x="0" y="247936"/>
-                </a:cubicBezTo>
-                <a:cubicBezTo>
-                  <a:pt x="2093" y="193031"/>
-                  <a:pt x="3636" y="63140"/>
-                  <a:pt x="0" y="0"/>
-                </a:cubicBezTo>
-                <a:close/>
-              </a:path>
-              <a:path w="2089174" h="247936" stroke="0" extrusionOk="0">
-                <a:moveTo>
-                  <a:pt x="0" y="0"/>
-                </a:moveTo>
-                <a:cubicBezTo>
-                  <a:pt x="161538" y="30812"/>
-                  <a:pt x="515527" y="33282"/>
-                  <a:pt x="675500" y="0"/>
-                </a:cubicBezTo>
-                <a:cubicBezTo>
-                  <a:pt x="835473" y="-33282"/>
-                  <a:pt x="1066292" y="1902"/>
-                  <a:pt x="1309216" y="0"/>
-                </a:cubicBezTo>
-                <a:cubicBezTo>
-                  <a:pt x="1552140" y="-1902"/>
-                  <a:pt x="1896471" y="-1764"/>
-                  <a:pt x="2089174" y="0"/>
-                </a:cubicBezTo>
-                <a:cubicBezTo>
-                  <a:pt x="2097799" y="89466"/>
-                  <a:pt x="2096403" y="146197"/>
-                  <a:pt x="2089174" y="247936"/>
-                </a:cubicBezTo>
-                <a:cubicBezTo>
-                  <a:pt x="1942691" y="251460"/>
-                  <a:pt x="1694023" y="269007"/>
-                  <a:pt x="1434566" y="247936"/>
-                </a:cubicBezTo>
-                <a:cubicBezTo>
-                  <a:pt x="1175109" y="226865"/>
-                  <a:pt x="969400" y="269428"/>
-                  <a:pt x="696391" y="247936"/>
-                </a:cubicBezTo>
-                <a:cubicBezTo>
-                  <a:pt x="423382" y="226444"/>
-                  <a:pt x="257422" y="219910"/>
-                  <a:pt x="0" y="247936"/>
-                </a:cubicBezTo>
-                <a:cubicBezTo>
-                  <a:pt x="-5061" y="137898"/>
-                  <a:pt x="-4893" y="122328"/>
-                  <a:pt x="0" y="0"/>
-                </a:cubicBezTo>
-                <a:close/>
-              </a:path>
-            </a:pathLst>
-          </a:custGeom>
-          <a:solidFill>
-            <a:schemeClr val="accent4">
-              <a:lumMod val="60000"/>
-              <a:lumOff val="40000"/>
-            </a:schemeClr>
-          </a:solidFill>
-          <a:ln w="12700">
-            <a:solidFill>
-              <a:schemeClr val="tx1"/>
-            </a:solidFill>
-            <a:extLst>
-              <a:ext uri="{C807C97D-BFC1-408E-A445-0C87EB9F89A2}">
-                <ask:lineSketchStyleProps xmlns:ask="http://schemas.microsoft.com/office/drawing/2018/sketchyshapes" sd="1219033472">
-                  <a:prstGeom prst="rect">
-                    <a:avLst/>
-                  </a:prstGeom>
-                  <ask:type>
-                    <ask:lineSketchFreehand/>
-                  </ask:type>
-                </ask:lineSketchStyleProps>
-              </a:ext>
-            </a:extLst>
-          </a:ln>
-          <a:effectLst/>
-        </p:spPr>
-        <p:style>
-          <a:lnRef idx="1">
-            <a:schemeClr val="accent4"/>
-          </a:lnRef>
-          <a:fillRef idx="2">
-            <a:schemeClr val="accent4"/>
-          </a:fillRef>
-          <a:effectRef idx="1">
-            <a:schemeClr val="accent4"/>
-          </a:effectRef>
-          <a:fontRef idx="minor">
-            <a:schemeClr val="dk1"/>
-          </a:fontRef>
-        </p:style>
-        <p:txBody>
-          <a:bodyPr rtlCol="0" anchor="ctr"/>
-          <a:lstStyle/>
-          <a:p>
-            <a:pPr algn="ctr"/>
-            <a:r>
-              <a:rPr lang="en-US" sz="1200" dirty="0"/>
-              <a:t>Read new instruction into CPU</a:t>
-            </a:r>
-          </a:p>
-        </p:txBody>
-      </p:sp>
       <p:cxnSp>
         <p:nvCxnSpPr>
           <p:cNvPr id="8" name="Straight Arrow Connector 18">
@@ -17881,18 +16754,19 @@
           </p:cNvPr>
           <p:cNvCxnSpPr>
             <a:cxnSpLocks/>
-            <a:stCxn id="7" idx="2"/>
-            <a:endCxn id="22" idx="3"/>
+            <a:endCxn id="22" idx="0"/>
           </p:cNvCxnSpPr>
           <p:nvPr/>
         </p:nvCxnSpPr>
         <p:spPr>
           <a:xfrm rot="5400000">
-            <a:off x="1694449" y="1677286"/>
-            <a:ext cx="3082853" cy="2116910"/>
+            <a:off x="860041" y="2069636"/>
+            <a:ext cx="2943875" cy="1163410"/>
           </a:xfrm>
-          <a:prstGeom prst="curvedConnector2">
-            <a:avLst/>
+          <a:prstGeom prst="curvedConnector3">
+            <a:avLst>
+              <a:gd name="adj1" fmla="val 50000"/>
+            </a:avLst>
           </a:prstGeom>
           <a:ln w="38100">
             <a:solidFill>
@@ -20552,222 +19426,6 @@
           </p:txBody>
         </p:sp>
       </p:grpSp>
-      <p:sp>
-        <p:nvSpPr>
-          <p:cNvPr id="6" name="Rectangle 5">
-            <a:extLst>
-              <a:ext uri="{FF2B5EF4-FFF2-40B4-BE49-F238E27FC236}">
-                <a16:creationId xmlns:a16="http://schemas.microsoft.com/office/drawing/2014/main" id="{35570A78-7506-95C2-007C-30FA4D3BF37C}"/>
-              </a:ext>
-            </a:extLst>
-          </p:cNvPr>
-          <p:cNvSpPr/>
-          <p:nvPr/>
-        </p:nvSpPr>
-        <p:spPr>
-          <a:xfrm>
-            <a:off x="3230078" y="1231518"/>
-            <a:ext cx="1995270" cy="238101"/>
-          </a:xfrm>
-          <a:custGeom>
-            <a:avLst/>
-            <a:gdLst>
-              <a:gd name="connsiteX0" fmla="*/ 0 w 1995270"/>
-              <a:gd name="connsiteY0" fmla="*/ 0 h 238101"/>
-              <a:gd name="connsiteX1" fmla="*/ 704995 w 1995270"/>
-              <a:gd name="connsiteY1" fmla="*/ 0 h 238101"/>
-              <a:gd name="connsiteX2" fmla="*/ 1390038 w 1995270"/>
-              <a:gd name="connsiteY2" fmla="*/ 0 h 238101"/>
-              <a:gd name="connsiteX3" fmla="*/ 1995270 w 1995270"/>
-              <a:gd name="connsiteY3" fmla="*/ 0 h 238101"/>
-              <a:gd name="connsiteX4" fmla="*/ 1995270 w 1995270"/>
-              <a:gd name="connsiteY4" fmla="*/ 238101 h 238101"/>
-              <a:gd name="connsiteX5" fmla="*/ 1370085 w 1995270"/>
-              <a:gd name="connsiteY5" fmla="*/ 238101 h 238101"/>
-              <a:gd name="connsiteX6" fmla="*/ 704995 w 1995270"/>
-              <a:gd name="connsiteY6" fmla="*/ 238101 h 238101"/>
-              <a:gd name="connsiteX7" fmla="*/ 0 w 1995270"/>
-              <a:gd name="connsiteY7" fmla="*/ 238101 h 238101"/>
-              <a:gd name="connsiteX8" fmla="*/ 0 w 1995270"/>
-              <a:gd name="connsiteY8" fmla="*/ 0 h 238101"/>
-            </a:gdLst>
-            <a:ahLst/>
-            <a:cxnLst>
-              <a:cxn ang="0">
-                <a:pos x="connsiteX0" y="connsiteY0"/>
-              </a:cxn>
-              <a:cxn ang="0">
-                <a:pos x="connsiteX1" y="connsiteY1"/>
-              </a:cxn>
-              <a:cxn ang="0">
-                <a:pos x="connsiteX2" y="connsiteY2"/>
-              </a:cxn>
-              <a:cxn ang="0">
-                <a:pos x="connsiteX3" y="connsiteY3"/>
-              </a:cxn>
-              <a:cxn ang="0">
-                <a:pos x="connsiteX4" y="connsiteY4"/>
-              </a:cxn>
-              <a:cxn ang="0">
-                <a:pos x="connsiteX5" y="connsiteY5"/>
-              </a:cxn>
-              <a:cxn ang="0">
-                <a:pos x="connsiteX6" y="connsiteY6"/>
-              </a:cxn>
-              <a:cxn ang="0">
-                <a:pos x="connsiteX7" y="connsiteY7"/>
-              </a:cxn>
-              <a:cxn ang="0">
-                <a:pos x="connsiteX8" y="connsiteY8"/>
-              </a:cxn>
-            </a:cxnLst>
-            <a:rect l="l" t="t" r="r" b="b"/>
-            <a:pathLst>
-              <a:path w="1995270" h="238101" fill="none" extrusionOk="0">
-                <a:moveTo>
-                  <a:pt x="0" y="0"/>
-                </a:moveTo>
-                <a:cubicBezTo>
-                  <a:pt x="270374" y="32118"/>
-                  <a:pt x="380831" y="-13488"/>
-                  <a:pt x="704995" y="0"/>
-                </a:cubicBezTo>
-                <a:cubicBezTo>
-                  <a:pt x="1029159" y="13488"/>
-                  <a:pt x="1152758" y="-24956"/>
-                  <a:pt x="1390038" y="0"/>
-                </a:cubicBezTo>
-                <a:cubicBezTo>
-                  <a:pt x="1627318" y="24956"/>
-                  <a:pt x="1731260" y="-8981"/>
-                  <a:pt x="1995270" y="0"/>
-                </a:cubicBezTo>
-                <a:cubicBezTo>
-                  <a:pt x="2002053" y="91700"/>
-                  <a:pt x="1998989" y="119685"/>
-                  <a:pt x="1995270" y="238101"/>
-                </a:cubicBezTo>
-                <a:cubicBezTo>
-                  <a:pt x="1802325" y="251597"/>
-                  <a:pt x="1619833" y="240547"/>
-                  <a:pt x="1370085" y="238101"/>
-                </a:cubicBezTo>
-                <a:cubicBezTo>
-                  <a:pt x="1120338" y="235655"/>
-                  <a:pt x="939235" y="245748"/>
-                  <a:pt x="704995" y="238101"/>
-                </a:cubicBezTo>
-                <a:cubicBezTo>
-                  <a:pt x="470755" y="230455"/>
-                  <a:pt x="171832" y="216948"/>
-                  <a:pt x="0" y="238101"/>
-                </a:cubicBezTo>
-                <a:cubicBezTo>
-                  <a:pt x="6521" y="143111"/>
-                  <a:pt x="4779" y="106560"/>
-                  <a:pt x="0" y="0"/>
-                </a:cubicBezTo>
-                <a:close/>
-              </a:path>
-              <a:path w="1995270" h="238101" stroke="0" extrusionOk="0">
-                <a:moveTo>
-                  <a:pt x="0" y="0"/>
-                </a:moveTo>
-                <a:cubicBezTo>
-                  <a:pt x="305296" y="-10615"/>
-                  <a:pt x="463082" y="-26080"/>
-                  <a:pt x="645137" y="0"/>
-                </a:cubicBezTo>
-                <a:cubicBezTo>
-                  <a:pt x="827192" y="26080"/>
-                  <a:pt x="1084759" y="13339"/>
-                  <a:pt x="1250369" y="0"/>
-                </a:cubicBezTo>
-                <a:cubicBezTo>
-                  <a:pt x="1415979" y="-13339"/>
-                  <a:pt x="1783286" y="36868"/>
-                  <a:pt x="1995270" y="0"/>
-                </a:cubicBezTo>
-                <a:cubicBezTo>
-                  <a:pt x="1984287" y="104354"/>
-                  <a:pt x="1987705" y="131812"/>
-                  <a:pt x="1995270" y="238101"/>
-                </a:cubicBezTo>
-                <a:cubicBezTo>
-                  <a:pt x="1705065" y="221477"/>
-                  <a:pt x="1509339" y="254296"/>
-                  <a:pt x="1370085" y="238101"/>
-                </a:cubicBezTo>
-                <a:cubicBezTo>
-                  <a:pt x="1230832" y="221906"/>
-                  <a:pt x="967949" y="238723"/>
-                  <a:pt x="665090" y="238101"/>
-                </a:cubicBezTo>
-                <a:cubicBezTo>
-                  <a:pt x="362232" y="237479"/>
-                  <a:pt x="166522" y="242224"/>
-                  <a:pt x="0" y="238101"/>
-                </a:cubicBezTo>
-                <a:cubicBezTo>
-                  <a:pt x="4378" y="189432"/>
-                  <a:pt x="4974" y="117930"/>
-                  <a:pt x="0" y="0"/>
-                </a:cubicBezTo>
-                <a:close/>
-              </a:path>
-            </a:pathLst>
-          </a:custGeom>
-          <a:solidFill>
-            <a:schemeClr val="accent4">
-              <a:lumMod val="60000"/>
-              <a:lumOff val="40000"/>
-            </a:schemeClr>
-          </a:solidFill>
-          <a:ln w="12700">
-            <a:solidFill>
-              <a:schemeClr val="tx1"/>
-            </a:solidFill>
-            <a:extLst>
-              <a:ext uri="{C807C97D-BFC1-408E-A445-0C87EB9F89A2}">
-                <ask:lineSketchStyleProps xmlns:ask="http://schemas.microsoft.com/office/drawing/2018/sketchyshapes" sd="1219033472">
-                  <a:prstGeom prst="rect">
-                    <a:avLst/>
-                  </a:prstGeom>
-                  <ask:type>
-                    <ask:lineSketchFreehand/>
-                  </ask:type>
-                </ask:lineSketchStyleProps>
-              </a:ext>
-            </a:extLst>
-          </a:ln>
-          <a:effectLst/>
-        </p:spPr>
-        <p:style>
-          <a:lnRef idx="1">
-            <a:schemeClr val="accent4"/>
-          </a:lnRef>
-          <a:fillRef idx="2">
-            <a:schemeClr val="accent4"/>
-          </a:fillRef>
-          <a:effectRef idx="1">
-            <a:schemeClr val="accent4"/>
-          </a:effectRef>
-          <a:fontRef idx="minor">
-            <a:schemeClr val="dk1"/>
-          </a:fontRef>
-        </p:style>
-        <p:txBody>
-          <a:bodyPr rtlCol="0" anchor="ctr"/>
-          <a:lstStyle/>
-          <a:p>
-            <a:pPr algn="ctr"/>
-            <a:r>
-              <a:rPr lang="en-US" sz="1200" dirty="0"/>
-              <a:t>Increment program counter</a:t>
-            </a:r>
-          </a:p>
-        </p:txBody>
-      </p:sp>
       <p:cxnSp>
         <p:nvCxnSpPr>
           <p:cNvPr id="20" name="Straight Arrow Connector 18">
@@ -20779,18 +19437,19 @@
           </p:cNvPr>
           <p:cNvCxnSpPr>
             <a:cxnSpLocks/>
-            <a:stCxn id="6" idx="2"/>
-            <a:endCxn id="17" idx="3"/>
+            <a:endCxn id="28" idx="0"/>
           </p:cNvCxnSpPr>
           <p:nvPr/>
         </p:nvCxnSpPr>
         <p:spPr>
           <a:xfrm rot="5400000">
-            <a:off x="1960956" y="1385142"/>
-            <a:ext cx="2182280" cy="2351235"/>
+            <a:off x="923136" y="1959723"/>
+            <a:ext cx="2007898" cy="996807"/>
           </a:xfrm>
-          <a:prstGeom prst="curvedConnector2">
-            <a:avLst/>
+          <a:prstGeom prst="curvedConnector3">
+            <a:avLst>
+              <a:gd name="adj1" fmla="val 50000"/>
+            </a:avLst>
           </a:prstGeom>
           <a:ln w="38100">
             <a:solidFill>
